--- a/Presentation_project2.pptx
+++ b/Presentation_project2.pptx
@@ -7,17 +7,16 @@
   <p:sldIdLst>
     <p:sldId id="256" r:id="rId2"/>
     <p:sldId id="257" r:id="rId3"/>
-    <p:sldId id="258" r:id="rId4"/>
-    <p:sldId id="269" r:id="rId5"/>
-    <p:sldId id="270" r:id="rId6"/>
-    <p:sldId id="271" r:id="rId7"/>
-    <p:sldId id="272" r:id="rId8"/>
-    <p:sldId id="273" r:id="rId9"/>
-    <p:sldId id="274" r:id="rId10"/>
-    <p:sldId id="275" r:id="rId11"/>
-    <p:sldId id="276" r:id="rId12"/>
-    <p:sldId id="277" r:id="rId13"/>
-    <p:sldId id="278" r:id="rId14"/>
+    <p:sldId id="279" r:id="rId4"/>
+    <p:sldId id="258" r:id="rId5"/>
+    <p:sldId id="269" r:id="rId6"/>
+    <p:sldId id="270" r:id="rId7"/>
+    <p:sldId id="271" r:id="rId8"/>
+    <p:sldId id="272" r:id="rId9"/>
+    <p:sldId id="273" r:id="rId10"/>
+    <p:sldId id="274" r:id="rId11"/>
+    <p:sldId id="277" r:id="rId12"/>
+    <p:sldId id="278" r:id="rId13"/>
   </p:sldIdLst>
   <p:sldSz cx="12192000" cy="6858000"/>
   <p:notesSz cx="6858000" cy="9144000"/>
@@ -271,7 +270,7 @@
           <a:p>
             <a:fld id="{5ADCAF40-A17B-4AB4-99A9-34899C3DDED5}" type="datetimeFigureOut">
               <a:rPr lang="en-US" smtClean="0"/>
-              <a:t>11/18/2021</a:t>
+              <a:t>11/24/2021</a:t>
             </a:fld>
             <a:endParaRPr lang="en-US"/>
           </a:p>
@@ -469,7 +468,7 @@
           <a:p>
             <a:fld id="{5ADCAF40-A17B-4AB4-99A9-34899C3DDED5}" type="datetimeFigureOut">
               <a:rPr lang="en-US" smtClean="0"/>
-              <a:t>11/18/2021</a:t>
+              <a:t>11/24/2021</a:t>
             </a:fld>
             <a:endParaRPr lang="en-US"/>
           </a:p>
@@ -677,7 +676,7 @@
           <a:p>
             <a:fld id="{5ADCAF40-A17B-4AB4-99A9-34899C3DDED5}" type="datetimeFigureOut">
               <a:rPr lang="en-US" smtClean="0"/>
-              <a:t>11/18/2021</a:t>
+              <a:t>11/24/2021</a:t>
             </a:fld>
             <a:endParaRPr lang="en-US"/>
           </a:p>
@@ -875,7 +874,7 @@
           <a:p>
             <a:fld id="{5ADCAF40-A17B-4AB4-99A9-34899C3DDED5}" type="datetimeFigureOut">
               <a:rPr lang="en-US" smtClean="0"/>
-              <a:t>11/18/2021</a:t>
+              <a:t>11/24/2021</a:t>
             </a:fld>
             <a:endParaRPr lang="en-US"/>
           </a:p>
@@ -1150,7 +1149,7 @@
           <a:p>
             <a:fld id="{5ADCAF40-A17B-4AB4-99A9-34899C3DDED5}" type="datetimeFigureOut">
               <a:rPr lang="en-US" smtClean="0"/>
-              <a:t>11/18/2021</a:t>
+              <a:t>11/24/2021</a:t>
             </a:fld>
             <a:endParaRPr lang="en-US"/>
           </a:p>
@@ -1415,7 +1414,7 @@
           <a:p>
             <a:fld id="{5ADCAF40-A17B-4AB4-99A9-34899C3DDED5}" type="datetimeFigureOut">
               <a:rPr lang="en-US" smtClean="0"/>
-              <a:t>11/18/2021</a:t>
+              <a:t>11/24/2021</a:t>
             </a:fld>
             <a:endParaRPr lang="en-US"/>
           </a:p>
@@ -1827,7 +1826,7 @@
           <a:p>
             <a:fld id="{5ADCAF40-A17B-4AB4-99A9-34899C3DDED5}" type="datetimeFigureOut">
               <a:rPr lang="en-US" smtClean="0"/>
-              <a:t>11/18/2021</a:t>
+              <a:t>11/24/2021</a:t>
             </a:fld>
             <a:endParaRPr lang="en-US"/>
           </a:p>
@@ -1968,7 +1967,7 @@
           <a:p>
             <a:fld id="{5ADCAF40-A17B-4AB4-99A9-34899C3DDED5}" type="datetimeFigureOut">
               <a:rPr lang="en-US" smtClean="0"/>
-              <a:t>11/18/2021</a:t>
+              <a:t>11/24/2021</a:t>
             </a:fld>
             <a:endParaRPr lang="en-US"/>
           </a:p>
@@ -2081,7 +2080,7 @@
           <a:p>
             <a:fld id="{5ADCAF40-A17B-4AB4-99A9-34899C3DDED5}" type="datetimeFigureOut">
               <a:rPr lang="en-US" smtClean="0"/>
-              <a:t>11/18/2021</a:t>
+              <a:t>11/24/2021</a:t>
             </a:fld>
             <a:endParaRPr lang="en-US"/>
           </a:p>
@@ -2392,7 +2391,7 @@
           <a:p>
             <a:fld id="{5ADCAF40-A17B-4AB4-99A9-34899C3DDED5}" type="datetimeFigureOut">
               <a:rPr lang="en-US" smtClean="0"/>
-              <a:t>11/18/2021</a:t>
+              <a:t>11/24/2021</a:t>
             </a:fld>
             <a:endParaRPr lang="en-US"/>
           </a:p>
@@ -2680,7 +2679,7 @@
           <a:p>
             <a:fld id="{5ADCAF40-A17B-4AB4-99A9-34899C3DDED5}" type="datetimeFigureOut">
               <a:rPr lang="en-US" smtClean="0"/>
-              <a:t>11/18/2021</a:t>
+              <a:t>11/24/2021</a:t>
             </a:fld>
             <a:endParaRPr lang="en-US"/>
           </a:p>
@@ -2921,7 +2920,7 @@
           <a:p>
             <a:fld id="{5ADCAF40-A17B-4AB4-99A9-34899C3DDED5}" type="datetimeFigureOut">
               <a:rPr lang="en-US" smtClean="0"/>
-              <a:t>11/18/2021</a:t>
+              <a:t>11/24/2021</a:t>
             </a:fld>
             <a:endParaRPr lang="en-US"/>
           </a:p>
@@ -3456,7 +3455,7 @@
           <a:p>
             <a:r>
               <a:rPr lang="en-US" dirty="0"/>
-              <a:t>Regression model evaluation</a:t>
+              <a:t>Modeling</a:t>
             </a:r>
           </a:p>
         </p:txBody>
@@ -3491,67 +3490,118 @@
           <a:p>
             <a:r>
               <a:rPr lang="en-US" dirty="0"/>
-              <a:t>Normality: </a:t>
-            </a:r>
-            <a:r>
-              <a:rPr lang="en-US" dirty="0" err="1"/>
-              <a:t>qqplot</a:t>
-            </a:r>
-            <a:endParaRPr lang="en-US" dirty="0"/>
+              <a:t>Regression model </a:t>
+            </a:r>
+            <a:r>
+              <a:rPr lang="en-US" altLang="zh-CN" dirty="0"/>
+              <a:t>after further excluding some </a:t>
+            </a:r>
+            <a:r>
+              <a:rPr lang="en-US" dirty="0"/>
+              <a:t>predictors with high collinearity</a:t>
+            </a:r>
+          </a:p>
+        </p:txBody>
+      </p:sp>
+      <p:sp>
+        <p:nvSpPr>
+          <p:cNvPr id="11" name="TextBox 10">
+            <a:extLst>
+              <a:ext uri="{FF2B5EF4-FFF2-40B4-BE49-F238E27FC236}">
+                <a16:creationId xmlns:a16="http://schemas.microsoft.com/office/drawing/2014/main" id="{0CCC959C-D5F5-42DE-A3CD-31AAB6A62023}"/>
+              </a:ext>
+            </a:extLst>
+          </p:cNvPr>
+          <p:cNvSpPr txBox="1"/>
+          <p:nvPr/>
+        </p:nvSpPr>
+        <p:spPr>
+          <a:xfrm>
+            <a:off x="5559417" y="2126320"/>
+            <a:ext cx="2006062" cy="369332"/>
+          </a:xfrm>
+          <a:prstGeom prst="rect">
+            <a:avLst/>
+          </a:prstGeom>
+          <a:noFill/>
+        </p:spPr>
+        <p:txBody>
+          <a:bodyPr wrap="none" rtlCol="0">
+            <a:spAutoFit/>
+          </a:bodyPr>
+          <a:lstStyle/>
+          <a:p>
+            <a:r>
+              <a:rPr lang="en-US" dirty="0"/>
+              <a:t>Predictors: 56 -&gt; 30</a:t>
+            </a:r>
           </a:p>
         </p:txBody>
       </p:sp>
       <p:pic>
         <p:nvPicPr>
-          <p:cNvPr id="6146" name="Picture 2">
-            <a:extLst>
-              <a:ext uri="{FF2B5EF4-FFF2-40B4-BE49-F238E27FC236}">
-                <a16:creationId xmlns:a16="http://schemas.microsoft.com/office/drawing/2014/main" id="{B2C41D2E-F8D8-4BB4-A99E-664843C322E7}"/>
+          <p:cNvPr id="10" name="Picture 9">
+            <a:extLst>
+              <a:ext uri="{FF2B5EF4-FFF2-40B4-BE49-F238E27FC236}">
+                <a16:creationId xmlns:a16="http://schemas.microsoft.com/office/drawing/2014/main" id="{97A51E57-3B78-4D5C-8B2A-E789633ED63A}"/>
               </a:ext>
             </a:extLst>
           </p:cNvPr>
           <p:cNvPicPr>
-            <a:picLocks noChangeAspect="1" noChangeArrowheads="1"/>
+            <a:picLocks noChangeAspect="1"/>
           </p:cNvPicPr>
           <p:nvPr/>
         </p:nvPicPr>
         <p:blipFill>
-          <a:blip r:embed="rId2">
-            <a:extLst>
-              <a:ext uri="{28A0092B-C50C-407E-A947-70E740481C1C}">
-                <a14:useLocalDpi xmlns:a14="http://schemas.microsoft.com/office/drawing/2010/main" val="0"/>
-              </a:ext>
-            </a:extLst>
-          </a:blip>
-          <a:srcRect/>
+          <a:blip r:embed="rId2"/>
           <a:stretch>
             <a:fillRect/>
           </a:stretch>
         </p:blipFill>
-        <p:spPr bwMode="auto">
-          <a:xfrm>
-            <a:off x="2367795" y="2272175"/>
-            <a:ext cx="7382630" cy="3773518"/>
+        <p:spPr>
+          <a:xfrm>
+            <a:off x="7889233" y="2032973"/>
+            <a:ext cx="1275481" cy="4459902"/>
           </a:xfrm>
           <a:prstGeom prst="rect">
             <a:avLst/>
           </a:prstGeom>
-          <a:noFill/>
-          <a:extLst>
-            <a:ext uri="{909E8E84-426E-40DD-AFC4-6F175D3DCCD1}">
-              <a14:hiddenFill xmlns:a14="http://schemas.microsoft.com/office/drawing/2010/main">
-                <a:solidFill>
-                  <a:srgbClr val="FFFFFF"/>
-                </a:solidFill>
-              </a14:hiddenFill>
-            </a:ext>
-          </a:extLst>
+        </p:spPr>
+      </p:pic>
+      <p:pic>
+        <p:nvPicPr>
+          <p:cNvPr id="15" name="Picture 14">
+            <a:extLst>
+              <a:ext uri="{FF2B5EF4-FFF2-40B4-BE49-F238E27FC236}">
+                <a16:creationId xmlns:a16="http://schemas.microsoft.com/office/drawing/2014/main" id="{41683DB5-4821-4ABA-9A6E-02A2869B59F9}"/>
+              </a:ext>
+            </a:extLst>
+          </p:cNvPr>
+          <p:cNvPicPr>
+            <a:picLocks noChangeAspect="1"/>
+          </p:cNvPicPr>
+          <p:nvPr/>
+        </p:nvPicPr>
+        <p:blipFill>
+          <a:blip r:embed="rId3"/>
+          <a:stretch>
+            <a:fillRect/>
+          </a:stretch>
+        </p:blipFill>
+        <p:spPr>
+          <a:xfrm>
+            <a:off x="2354943" y="2530025"/>
+            <a:ext cx="4904716" cy="3328200"/>
+          </a:xfrm>
+          <a:prstGeom prst="rect">
+            <a:avLst/>
+          </a:prstGeom>
         </p:spPr>
       </p:pic>
     </p:spTree>
     <p:extLst>
       <p:ext uri="{BB962C8B-B14F-4D97-AF65-F5344CB8AC3E}">
-        <p14:creationId xmlns:p14="http://schemas.microsoft.com/office/powerpoint/2010/main" val="3114764069"/>
+        <p14:creationId xmlns:p14="http://schemas.microsoft.com/office/powerpoint/2010/main" val="673778411"/>
       </p:ext>
     </p:extLst>
   </p:cSld>
@@ -3626,8 +3676,8 @@
         </p:nvSpPr>
         <p:spPr>
           <a:xfrm>
-            <a:off x="838200" y="1464817"/>
-            <a:ext cx="9886026" cy="2627790"/>
+            <a:off x="838200" y="1411548"/>
+            <a:ext cx="4728099" cy="1325563"/>
           </a:xfrm>
         </p:spPr>
         <p:txBody>
@@ -3638,17 +3688,31 @@
           <a:p>
             <a:r>
               <a:rPr lang="en-US" dirty="0"/>
-              <a:t>Homoscedasticity</a:t>
+              <a:t>Cross-validation</a:t>
+            </a:r>
+          </a:p>
+          <a:p>
+            <a:pPr lvl="1"/>
+            <a:r>
+              <a:rPr lang="fr-FR" dirty="0"/>
+              <a:t>Train score:      0.4465</a:t>
+            </a:r>
+          </a:p>
+          <a:p>
+            <a:pPr lvl="1"/>
+            <a:r>
+              <a:rPr lang="fr-FR" dirty="0"/>
+              <a:t>Validation score: 0.4501</a:t>
             </a:r>
           </a:p>
         </p:txBody>
       </p:sp>
       <p:pic>
         <p:nvPicPr>
-          <p:cNvPr id="8194" name="Picture 2">
-            <a:extLst>
-              <a:ext uri="{FF2B5EF4-FFF2-40B4-BE49-F238E27FC236}">
-                <a16:creationId xmlns:a16="http://schemas.microsoft.com/office/drawing/2014/main" id="{CCCF0191-7E97-4706-8CBF-77F571BB1326}"/>
+          <p:cNvPr id="9219" name="Picture 3">
+            <a:extLst>
+              <a:ext uri="{FF2B5EF4-FFF2-40B4-BE49-F238E27FC236}">
+                <a16:creationId xmlns:a16="http://schemas.microsoft.com/office/drawing/2014/main" id="{FCB05977-A31D-4038-B209-D8C5845AD56B}"/>
               </a:ext>
             </a:extLst>
           </p:cNvPr>
@@ -3672,8 +3736,8 @@
         </p:blipFill>
         <p:spPr bwMode="auto">
           <a:xfrm>
-            <a:off x="3078147" y="2152974"/>
-            <a:ext cx="5329006" cy="3931767"/>
+            <a:off x="5891812" y="1939676"/>
+            <a:ext cx="5865171" cy="2978647"/>
           </a:xfrm>
           <a:prstGeom prst="rect">
             <a:avLst/>
@@ -3690,10 +3754,313 @@
           </a:extLst>
         </p:spPr>
       </p:pic>
+      <p:sp>
+        <p:nvSpPr>
+          <p:cNvPr id="10" name="TextBox 9">
+            <a:extLst>
+              <a:ext uri="{FF2B5EF4-FFF2-40B4-BE49-F238E27FC236}">
+                <a16:creationId xmlns:a16="http://schemas.microsoft.com/office/drawing/2014/main" id="{6CAE92F9-A525-4A55-BEA3-F41CEF454E7D}"/>
+              </a:ext>
+            </a:extLst>
+          </p:cNvPr>
+          <p:cNvSpPr txBox="1"/>
+          <p:nvPr/>
+        </p:nvSpPr>
+        <p:spPr>
+          <a:xfrm>
+            <a:off x="838200" y="2621404"/>
+            <a:ext cx="5438313" cy="3745641"/>
+          </a:xfrm>
+          <a:prstGeom prst="rect">
+            <a:avLst/>
+          </a:prstGeom>
+          <a:noFill/>
+        </p:spPr>
+        <p:txBody>
+          <a:bodyPr wrap="square">
+            <a:spAutoFit/>
+          </a:bodyPr>
+          <a:lstStyle/>
+          <a:p>
+            <a:pPr marL="228600" marR="0" lvl="0" indent="-228600" algn="l" defTabSz="914400" rtl="0" eaLnBrk="1" fontAlgn="auto" latinLnBrk="0" hangingPunct="1">
+              <a:lnSpc>
+                <a:spcPct val="90000"/>
+              </a:lnSpc>
+              <a:spcBef>
+                <a:spcPts val="1000"/>
+              </a:spcBef>
+              <a:spcAft>
+                <a:spcPts val="0"/>
+              </a:spcAft>
+              <a:buClrTx/>
+              <a:buSzTx/>
+              <a:buFont typeface="Arial" panose="020B0604020202020204" pitchFamily="34" charset="0"/>
+              <a:buChar char="•"/>
+              <a:tabLst/>
+              <a:defRPr/>
+            </a:pPr>
+            <a:r>
+              <a:rPr kumimoji="0" lang="en-US" sz="2800" b="0" i="0" u="none" strike="noStrike" kern="1200" cap="none" spc="0" normalizeH="0" baseline="0" noProof="0" dirty="0">
+                <a:ln>
+                  <a:noFill/>
+                </a:ln>
+                <a:solidFill>
+                  <a:prstClr val="black"/>
+                </a:solidFill>
+                <a:effectLst/>
+                <a:uLnTx/>
+                <a:uFillTx/>
+                <a:ea typeface="+mn-ea"/>
+                <a:cs typeface="+mn-cs"/>
+              </a:rPr>
+              <a:t>Mean squared error, root mean squared error, mean absolute error, and Mean absolute error</a:t>
+            </a:r>
+          </a:p>
+          <a:p>
+            <a:pPr marL="685800" marR="0" lvl="1" indent="-228600" algn="l" defTabSz="914400" rtl="0" eaLnBrk="1" fontAlgn="auto" latinLnBrk="0" hangingPunct="1">
+              <a:lnSpc>
+                <a:spcPct val="90000"/>
+              </a:lnSpc>
+              <a:spcBef>
+                <a:spcPts val="500"/>
+              </a:spcBef>
+              <a:spcAft>
+                <a:spcPts val="0"/>
+              </a:spcAft>
+              <a:buClrTx/>
+              <a:buSzTx/>
+              <a:buFont typeface="Arial" panose="020B0604020202020204" pitchFamily="34" charset="0"/>
+              <a:buChar char="•"/>
+              <a:tabLst/>
+              <a:defRPr/>
+            </a:pPr>
+            <a:r>
+              <a:rPr kumimoji="0" lang="en-US" sz="2400" b="0" i="0" u="none" strike="noStrike" kern="1200" cap="none" spc="0" normalizeH="0" baseline="0" noProof="0" dirty="0">
+                <a:ln>
+                  <a:noFill/>
+                </a:ln>
+                <a:solidFill>
+                  <a:prstClr val="black"/>
+                </a:solidFill>
+                <a:effectLst/>
+                <a:uLnTx/>
+                <a:uFillTx/>
+                <a:ea typeface="+mn-ea"/>
+                <a:cs typeface="+mn-cs"/>
+              </a:rPr>
+              <a:t>MSE:        0.1007</a:t>
+            </a:r>
+          </a:p>
+          <a:p>
+            <a:pPr marL="685800" marR="0" lvl="1" indent="-228600" algn="l" defTabSz="914400" rtl="0" eaLnBrk="1" fontAlgn="auto" latinLnBrk="0" hangingPunct="1">
+              <a:lnSpc>
+                <a:spcPct val="90000"/>
+              </a:lnSpc>
+              <a:spcBef>
+                <a:spcPts val="500"/>
+              </a:spcBef>
+              <a:spcAft>
+                <a:spcPts val="0"/>
+              </a:spcAft>
+              <a:buClrTx/>
+              <a:buSzTx/>
+              <a:buFont typeface="Arial" panose="020B0604020202020204" pitchFamily="34" charset="0"/>
+              <a:buChar char="•"/>
+              <a:tabLst/>
+              <a:defRPr/>
+            </a:pPr>
+            <a:r>
+              <a:rPr kumimoji="0" lang="en-US" sz="2400" b="0" i="0" u="none" strike="noStrike" kern="1200" cap="none" spc="0" normalizeH="0" baseline="0" noProof="0" dirty="0">
+                <a:ln>
+                  <a:noFill/>
+                </a:ln>
+                <a:solidFill>
+                  <a:prstClr val="black"/>
+                </a:solidFill>
+                <a:effectLst/>
+                <a:uLnTx/>
+                <a:uFillTx/>
+                <a:ea typeface="+mn-ea"/>
+                <a:cs typeface="+mn-cs"/>
+              </a:rPr>
+              <a:t>RMSE:       0.3174</a:t>
+            </a:r>
+          </a:p>
+          <a:p>
+            <a:pPr marL="685800" marR="0" lvl="1" indent="-228600" algn="l" defTabSz="914400" rtl="0" eaLnBrk="1" fontAlgn="auto" latinLnBrk="0" hangingPunct="1">
+              <a:lnSpc>
+                <a:spcPct val="90000"/>
+              </a:lnSpc>
+              <a:spcBef>
+                <a:spcPts val="500"/>
+              </a:spcBef>
+              <a:spcAft>
+                <a:spcPts val="0"/>
+              </a:spcAft>
+              <a:buClrTx/>
+              <a:buSzTx/>
+              <a:buFont typeface="Arial" panose="020B0604020202020204" pitchFamily="34" charset="0"/>
+              <a:buChar char="•"/>
+              <a:tabLst/>
+              <a:defRPr/>
+            </a:pPr>
+            <a:r>
+              <a:rPr kumimoji="0" lang="en-US" sz="2400" b="0" i="0" u="none" strike="noStrike" kern="1200" cap="none" spc="0" normalizeH="0" baseline="0" noProof="0" dirty="0">
+                <a:ln>
+                  <a:noFill/>
+                </a:ln>
+                <a:solidFill>
+                  <a:prstClr val="black"/>
+                </a:solidFill>
+                <a:effectLst/>
+                <a:uLnTx/>
+                <a:uFillTx/>
+                <a:ea typeface="+mn-ea"/>
+                <a:cs typeface="+mn-cs"/>
+              </a:rPr>
+              <a:t>MAE:        0.2519</a:t>
+            </a:r>
+          </a:p>
+          <a:p>
+            <a:pPr marL="685800" marR="0" lvl="1" indent="-228600" algn="l" defTabSz="914400" rtl="0" eaLnBrk="1" fontAlgn="auto" latinLnBrk="0" hangingPunct="1">
+              <a:lnSpc>
+                <a:spcPct val="90000"/>
+              </a:lnSpc>
+              <a:spcBef>
+                <a:spcPts val="500"/>
+              </a:spcBef>
+              <a:spcAft>
+                <a:spcPts val="0"/>
+              </a:spcAft>
+              <a:buClrTx/>
+              <a:buSzTx/>
+              <a:buFont typeface="Arial" panose="020B0604020202020204" pitchFamily="34" charset="0"/>
+              <a:buChar char="•"/>
+              <a:tabLst/>
+              <a:defRPr/>
+            </a:pPr>
+            <a:r>
+              <a:rPr kumimoji="0" lang="en-US" sz="2400" b="0" i="0" u="none" strike="noStrike" kern="1200" cap="none" spc="0" normalizeH="0" baseline="0" noProof="0" dirty="0">
+                <a:ln>
+                  <a:noFill/>
+                </a:ln>
+                <a:solidFill>
+                  <a:prstClr val="black"/>
+                </a:solidFill>
+                <a:effectLst/>
+                <a:uLnTx/>
+                <a:uFillTx/>
+                <a:ea typeface="+mn-ea"/>
+                <a:cs typeface="+mn-cs"/>
+              </a:rPr>
+              <a:t>R-Squared:  0.4437</a:t>
+            </a:r>
+          </a:p>
+          <a:p>
+            <a:pPr marL="228600" marR="0" lvl="0" indent="-228600" algn="l" defTabSz="914400" rtl="0" eaLnBrk="1" fontAlgn="auto" latinLnBrk="0" hangingPunct="1">
+              <a:lnSpc>
+                <a:spcPct val="90000"/>
+              </a:lnSpc>
+              <a:spcBef>
+                <a:spcPts val="1000"/>
+              </a:spcBef>
+              <a:spcAft>
+                <a:spcPts val="0"/>
+              </a:spcAft>
+              <a:buClrTx/>
+              <a:buSzTx/>
+              <a:buFont typeface="Arial" panose="020B0604020202020204" pitchFamily="34" charset="0"/>
+              <a:buChar char="•"/>
+              <a:tabLst/>
+              <a:defRPr/>
+            </a:pPr>
+            <a:r>
+              <a:rPr kumimoji="0" lang="en-US" sz="2800" b="0" i="0" u="none" strike="noStrike" kern="1200" cap="none" spc="0" normalizeH="0" baseline="0" noProof="0" dirty="0">
+                <a:ln>
+                  <a:noFill/>
+                </a:ln>
+                <a:solidFill>
+                  <a:prstClr val="black"/>
+                </a:solidFill>
+                <a:effectLst/>
+                <a:uLnTx/>
+                <a:uFillTx/>
+                <a:cs typeface="Dubai Light" panose="020B0303030403030204" pitchFamily="34" charset="-78"/>
+              </a:rPr>
+              <a:t>Examine the predict</a:t>
+            </a:r>
+            <a:r>
+              <a:rPr kumimoji="0" lang="en-US" altLang="zh-CN" sz="2800" b="0" i="0" u="none" strike="noStrike" kern="1200" cap="none" spc="0" normalizeH="0" baseline="0" noProof="0" dirty="0">
+                <a:ln>
+                  <a:noFill/>
+                </a:ln>
+                <a:solidFill>
+                  <a:prstClr val="black"/>
+                </a:solidFill>
+                <a:effectLst/>
+                <a:uLnTx/>
+                <a:uFillTx/>
+                <a:cs typeface="Dubai Light" panose="020B0303030403030204" pitchFamily="34" charset="-78"/>
+              </a:rPr>
+              <a:t>ed values</a:t>
+            </a:r>
+            <a:r>
+              <a:rPr kumimoji="0" lang="en-US" sz="2800" b="0" i="0" u="none" strike="noStrike" kern="1200" cap="none" spc="0" normalizeH="0" baseline="0" noProof="0" dirty="0">
+                <a:ln>
+                  <a:noFill/>
+                </a:ln>
+                <a:solidFill>
+                  <a:prstClr val="black"/>
+                </a:solidFill>
+                <a:effectLst/>
+                <a:uLnTx/>
+                <a:uFillTx/>
+                <a:cs typeface="Dubai Light" panose="020B0303030403030204" pitchFamily="34" charset="-78"/>
+              </a:rPr>
+              <a:t> with the real values</a:t>
+            </a:r>
+          </a:p>
+        </p:txBody>
+      </p:sp>
+      <p:sp>
+        <p:nvSpPr>
+          <p:cNvPr id="12" name="TextBox 11">
+            <a:extLst>
+              <a:ext uri="{FF2B5EF4-FFF2-40B4-BE49-F238E27FC236}">
+                <a16:creationId xmlns:a16="http://schemas.microsoft.com/office/drawing/2014/main" id="{46A76564-C418-4671-B914-22254436F5DB}"/>
+              </a:ext>
+            </a:extLst>
+          </p:cNvPr>
+          <p:cNvSpPr txBox="1"/>
+          <p:nvPr/>
+        </p:nvSpPr>
+        <p:spPr>
+          <a:xfrm>
+            <a:off x="6013141" y="4948180"/>
+            <a:ext cx="5865171" cy="369332"/>
+          </a:xfrm>
+          <a:prstGeom prst="rect">
+            <a:avLst/>
+          </a:prstGeom>
+          <a:noFill/>
+        </p:spPr>
+        <p:txBody>
+          <a:bodyPr wrap="square">
+            <a:spAutoFit/>
+          </a:bodyPr>
+          <a:lstStyle/>
+          <a:p>
+            <a:r>
+              <a:rPr lang="en-US" dirty="0"/>
+              <a:t>The fitted regression model can predict house price very well</a:t>
+            </a:r>
+          </a:p>
+        </p:txBody>
+      </p:sp>
     </p:spTree>
     <p:extLst>
       <p:ext uri="{BB962C8B-B14F-4D97-AF65-F5344CB8AC3E}">
-        <p14:creationId xmlns:p14="http://schemas.microsoft.com/office/powerpoint/2010/main" val="3385572224"/>
+        <p14:creationId xmlns:p14="http://schemas.microsoft.com/office/powerpoint/2010/main" val="1620924395"/>
       </p:ext>
     </p:extLst>
   </p:cSld>
@@ -3745,466 +4112,7 @@
           <a:p>
             <a:r>
               <a:rPr lang="en-US" dirty="0"/>
-              <a:t>Regression model evaluation</a:t>
-            </a:r>
-          </a:p>
-        </p:txBody>
-      </p:sp>
-      <p:sp>
-        <p:nvSpPr>
-          <p:cNvPr id="3" name="Content Placeholder 2">
-            <a:extLst>
-              <a:ext uri="{FF2B5EF4-FFF2-40B4-BE49-F238E27FC236}">
-                <a16:creationId xmlns:a16="http://schemas.microsoft.com/office/drawing/2014/main" id="{93A47A69-2809-4CAB-AF37-EB483D3F61A7}"/>
-              </a:ext>
-            </a:extLst>
-          </p:cNvPr>
-          <p:cNvSpPr>
-            <a:spLocks noGrp="1"/>
-          </p:cNvSpPr>
-          <p:nvPr>
-            <p:ph idx="1"/>
-          </p:nvPr>
-        </p:nvSpPr>
-        <p:spPr>
-          <a:xfrm>
-            <a:off x="838200" y="1411548"/>
-            <a:ext cx="4728099" cy="1325563"/>
-          </a:xfrm>
-        </p:spPr>
-        <p:txBody>
-          <a:bodyPr>
-            <a:normAutofit/>
-          </a:bodyPr>
-          <a:lstStyle/>
-          <a:p>
-            <a:r>
-              <a:rPr lang="en-US" dirty="0"/>
-              <a:t>Cross-validation</a:t>
-            </a:r>
-          </a:p>
-          <a:p>
-            <a:pPr lvl="1"/>
-            <a:r>
-              <a:rPr lang="fr-FR" dirty="0"/>
-              <a:t>Train score:      0.4465</a:t>
-            </a:r>
-          </a:p>
-          <a:p>
-            <a:pPr lvl="1"/>
-            <a:r>
-              <a:rPr lang="fr-FR" dirty="0"/>
-              <a:t>Validation score: 0.4501</a:t>
-            </a:r>
-          </a:p>
-        </p:txBody>
-      </p:sp>
-      <p:pic>
-        <p:nvPicPr>
-          <p:cNvPr id="9219" name="Picture 3">
-            <a:extLst>
-              <a:ext uri="{FF2B5EF4-FFF2-40B4-BE49-F238E27FC236}">
-                <a16:creationId xmlns:a16="http://schemas.microsoft.com/office/drawing/2014/main" id="{FCB05977-A31D-4038-B209-D8C5845AD56B}"/>
-              </a:ext>
-            </a:extLst>
-          </p:cNvPr>
-          <p:cNvPicPr>
-            <a:picLocks noChangeAspect="1" noChangeArrowheads="1"/>
-          </p:cNvPicPr>
-          <p:nvPr/>
-        </p:nvPicPr>
-        <p:blipFill>
-          <a:blip r:embed="rId2">
-            <a:extLst>
-              <a:ext uri="{28A0092B-C50C-407E-A947-70E740481C1C}">
-                <a14:useLocalDpi xmlns:a14="http://schemas.microsoft.com/office/drawing/2010/main" val="0"/>
-              </a:ext>
-            </a:extLst>
-          </a:blip>
-          <a:srcRect/>
-          <a:stretch>
-            <a:fillRect/>
-          </a:stretch>
-        </p:blipFill>
-        <p:spPr bwMode="auto">
-          <a:xfrm>
-            <a:off x="5891812" y="1939676"/>
-            <a:ext cx="5865171" cy="2978647"/>
-          </a:xfrm>
-          <a:prstGeom prst="rect">
-            <a:avLst/>
-          </a:prstGeom>
-          <a:noFill/>
-          <a:extLst>
-            <a:ext uri="{909E8E84-426E-40DD-AFC4-6F175D3DCCD1}">
-              <a14:hiddenFill xmlns:a14="http://schemas.microsoft.com/office/drawing/2010/main">
-                <a:solidFill>
-                  <a:srgbClr val="FFFFFF"/>
-                </a:solidFill>
-              </a14:hiddenFill>
-            </a:ext>
-          </a:extLst>
-        </p:spPr>
-      </p:pic>
-      <p:sp>
-        <p:nvSpPr>
-          <p:cNvPr id="10" name="TextBox 9">
-            <a:extLst>
-              <a:ext uri="{FF2B5EF4-FFF2-40B4-BE49-F238E27FC236}">
-                <a16:creationId xmlns:a16="http://schemas.microsoft.com/office/drawing/2014/main" id="{6CAE92F9-A525-4A55-BEA3-F41CEF454E7D}"/>
-              </a:ext>
-            </a:extLst>
-          </p:cNvPr>
-          <p:cNvSpPr txBox="1"/>
-          <p:nvPr/>
-        </p:nvSpPr>
-        <p:spPr>
-          <a:xfrm>
-            <a:off x="838200" y="2621404"/>
-            <a:ext cx="5438313" cy="3745641"/>
-          </a:xfrm>
-          <a:prstGeom prst="rect">
-            <a:avLst/>
-          </a:prstGeom>
-          <a:noFill/>
-        </p:spPr>
-        <p:txBody>
-          <a:bodyPr wrap="square">
-            <a:spAutoFit/>
-          </a:bodyPr>
-          <a:lstStyle/>
-          <a:p>
-            <a:pPr marL="228600" marR="0" lvl="0" indent="-228600" algn="l" defTabSz="914400" rtl="0" eaLnBrk="1" fontAlgn="auto" latinLnBrk="0" hangingPunct="1">
-              <a:lnSpc>
-                <a:spcPct val="90000"/>
-              </a:lnSpc>
-              <a:spcBef>
-                <a:spcPts val="1000"/>
-              </a:spcBef>
-              <a:spcAft>
-                <a:spcPts val="0"/>
-              </a:spcAft>
-              <a:buClrTx/>
-              <a:buSzTx/>
-              <a:buFont typeface="Arial" panose="020B0604020202020204" pitchFamily="34" charset="0"/>
-              <a:buChar char="•"/>
-              <a:tabLst/>
-              <a:defRPr/>
-            </a:pPr>
-            <a:r>
-              <a:rPr kumimoji="0" lang="en-US" sz="2800" b="0" i="0" u="none" strike="noStrike" kern="1200" cap="none" spc="0" normalizeH="0" baseline="0" noProof="0" dirty="0">
-                <a:ln>
-                  <a:noFill/>
-                </a:ln>
-                <a:solidFill>
-                  <a:prstClr val="black"/>
-                </a:solidFill>
-                <a:effectLst/>
-                <a:uLnTx/>
-                <a:uFillTx/>
-                <a:ea typeface="+mn-ea"/>
-                <a:cs typeface="+mn-cs"/>
-              </a:rPr>
-              <a:t>Mean squared error, root mean squared error, mean absolute error, and Mean absolute error</a:t>
-            </a:r>
-          </a:p>
-          <a:p>
-            <a:pPr marL="685800" marR="0" lvl="1" indent="-228600" algn="l" defTabSz="914400" rtl="0" eaLnBrk="1" fontAlgn="auto" latinLnBrk="0" hangingPunct="1">
-              <a:lnSpc>
-                <a:spcPct val="90000"/>
-              </a:lnSpc>
-              <a:spcBef>
-                <a:spcPts val="500"/>
-              </a:spcBef>
-              <a:spcAft>
-                <a:spcPts val="0"/>
-              </a:spcAft>
-              <a:buClrTx/>
-              <a:buSzTx/>
-              <a:buFont typeface="Arial" panose="020B0604020202020204" pitchFamily="34" charset="0"/>
-              <a:buChar char="•"/>
-              <a:tabLst/>
-              <a:defRPr/>
-            </a:pPr>
-            <a:r>
-              <a:rPr kumimoji="0" lang="en-US" sz="2400" b="0" i="0" u="none" strike="noStrike" kern="1200" cap="none" spc="0" normalizeH="0" baseline="0" noProof="0" dirty="0">
-                <a:ln>
-                  <a:noFill/>
-                </a:ln>
-                <a:solidFill>
-                  <a:prstClr val="black"/>
-                </a:solidFill>
-                <a:effectLst/>
-                <a:uLnTx/>
-                <a:uFillTx/>
-                <a:ea typeface="+mn-ea"/>
-                <a:cs typeface="+mn-cs"/>
-              </a:rPr>
-              <a:t>MSE:        0.1007</a:t>
-            </a:r>
-          </a:p>
-          <a:p>
-            <a:pPr marL="685800" marR="0" lvl="1" indent="-228600" algn="l" defTabSz="914400" rtl="0" eaLnBrk="1" fontAlgn="auto" latinLnBrk="0" hangingPunct="1">
-              <a:lnSpc>
-                <a:spcPct val="90000"/>
-              </a:lnSpc>
-              <a:spcBef>
-                <a:spcPts val="500"/>
-              </a:spcBef>
-              <a:spcAft>
-                <a:spcPts val="0"/>
-              </a:spcAft>
-              <a:buClrTx/>
-              <a:buSzTx/>
-              <a:buFont typeface="Arial" panose="020B0604020202020204" pitchFamily="34" charset="0"/>
-              <a:buChar char="•"/>
-              <a:tabLst/>
-              <a:defRPr/>
-            </a:pPr>
-            <a:r>
-              <a:rPr kumimoji="0" lang="en-US" sz="2400" b="0" i="0" u="none" strike="noStrike" kern="1200" cap="none" spc="0" normalizeH="0" baseline="0" noProof="0" dirty="0">
-                <a:ln>
-                  <a:noFill/>
-                </a:ln>
-                <a:solidFill>
-                  <a:prstClr val="black"/>
-                </a:solidFill>
-                <a:effectLst/>
-                <a:uLnTx/>
-                <a:uFillTx/>
-                <a:ea typeface="+mn-ea"/>
-                <a:cs typeface="+mn-cs"/>
-              </a:rPr>
-              <a:t>RMSE:       0.3174</a:t>
-            </a:r>
-          </a:p>
-          <a:p>
-            <a:pPr marL="685800" marR="0" lvl="1" indent="-228600" algn="l" defTabSz="914400" rtl="0" eaLnBrk="1" fontAlgn="auto" latinLnBrk="0" hangingPunct="1">
-              <a:lnSpc>
-                <a:spcPct val="90000"/>
-              </a:lnSpc>
-              <a:spcBef>
-                <a:spcPts val="500"/>
-              </a:spcBef>
-              <a:spcAft>
-                <a:spcPts val="0"/>
-              </a:spcAft>
-              <a:buClrTx/>
-              <a:buSzTx/>
-              <a:buFont typeface="Arial" panose="020B0604020202020204" pitchFamily="34" charset="0"/>
-              <a:buChar char="•"/>
-              <a:tabLst/>
-              <a:defRPr/>
-            </a:pPr>
-            <a:r>
-              <a:rPr kumimoji="0" lang="en-US" sz="2400" b="0" i="0" u="none" strike="noStrike" kern="1200" cap="none" spc="0" normalizeH="0" baseline="0" noProof="0" dirty="0">
-                <a:ln>
-                  <a:noFill/>
-                </a:ln>
-                <a:solidFill>
-                  <a:prstClr val="black"/>
-                </a:solidFill>
-                <a:effectLst/>
-                <a:uLnTx/>
-                <a:uFillTx/>
-                <a:ea typeface="+mn-ea"/>
-                <a:cs typeface="+mn-cs"/>
-              </a:rPr>
-              <a:t>MAE:        0.2519</a:t>
-            </a:r>
-          </a:p>
-          <a:p>
-            <a:pPr marL="685800" marR="0" lvl="1" indent="-228600" algn="l" defTabSz="914400" rtl="0" eaLnBrk="1" fontAlgn="auto" latinLnBrk="0" hangingPunct="1">
-              <a:lnSpc>
-                <a:spcPct val="90000"/>
-              </a:lnSpc>
-              <a:spcBef>
-                <a:spcPts val="500"/>
-              </a:spcBef>
-              <a:spcAft>
-                <a:spcPts val="0"/>
-              </a:spcAft>
-              <a:buClrTx/>
-              <a:buSzTx/>
-              <a:buFont typeface="Arial" panose="020B0604020202020204" pitchFamily="34" charset="0"/>
-              <a:buChar char="•"/>
-              <a:tabLst/>
-              <a:defRPr/>
-            </a:pPr>
-            <a:r>
-              <a:rPr kumimoji="0" lang="en-US" sz="2400" b="0" i="0" u="none" strike="noStrike" kern="1200" cap="none" spc="0" normalizeH="0" baseline="0" noProof="0" dirty="0">
-                <a:ln>
-                  <a:noFill/>
-                </a:ln>
-                <a:solidFill>
-                  <a:prstClr val="black"/>
-                </a:solidFill>
-                <a:effectLst/>
-                <a:uLnTx/>
-                <a:uFillTx/>
-                <a:ea typeface="+mn-ea"/>
-                <a:cs typeface="+mn-cs"/>
-              </a:rPr>
-              <a:t>R-Squared:  0.4437</a:t>
-            </a:r>
-          </a:p>
-          <a:p>
-            <a:pPr marL="228600" marR="0" lvl="0" indent="-228600" algn="l" defTabSz="914400" rtl="0" eaLnBrk="1" fontAlgn="auto" latinLnBrk="0" hangingPunct="1">
-              <a:lnSpc>
-                <a:spcPct val="90000"/>
-              </a:lnSpc>
-              <a:spcBef>
-                <a:spcPts val="1000"/>
-              </a:spcBef>
-              <a:spcAft>
-                <a:spcPts val="0"/>
-              </a:spcAft>
-              <a:buClrTx/>
-              <a:buSzTx/>
-              <a:buFont typeface="Arial" panose="020B0604020202020204" pitchFamily="34" charset="0"/>
-              <a:buChar char="•"/>
-              <a:tabLst/>
-              <a:defRPr/>
-            </a:pPr>
-            <a:r>
-              <a:rPr kumimoji="0" lang="en-US" sz="2800" b="0" i="0" u="none" strike="noStrike" kern="1200" cap="none" spc="0" normalizeH="0" baseline="0" noProof="0" dirty="0">
-                <a:ln>
-                  <a:noFill/>
-                </a:ln>
-                <a:solidFill>
-                  <a:prstClr val="black"/>
-                </a:solidFill>
-                <a:effectLst/>
-                <a:uLnTx/>
-                <a:uFillTx/>
-                <a:cs typeface="Dubai Light" panose="020B0303030403030204" pitchFamily="34" charset="-78"/>
-              </a:rPr>
-              <a:t>Examine the predict</a:t>
-            </a:r>
-            <a:r>
-              <a:rPr kumimoji="0" lang="en-US" altLang="zh-CN" sz="2800" b="0" i="0" u="none" strike="noStrike" kern="1200" cap="none" spc="0" normalizeH="0" baseline="0" noProof="0" dirty="0">
-                <a:ln>
-                  <a:noFill/>
-                </a:ln>
-                <a:solidFill>
-                  <a:prstClr val="black"/>
-                </a:solidFill>
-                <a:effectLst/>
-                <a:uLnTx/>
-                <a:uFillTx/>
-                <a:cs typeface="Dubai Light" panose="020B0303030403030204" pitchFamily="34" charset="-78"/>
-              </a:rPr>
-              <a:t>ed values</a:t>
-            </a:r>
-            <a:r>
-              <a:rPr kumimoji="0" lang="en-US" sz="2800" b="0" i="0" u="none" strike="noStrike" kern="1200" cap="none" spc="0" normalizeH="0" baseline="0" noProof="0" dirty="0">
-                <a:ln>
-                  <a:noFill/>
-                </a:ln>
-                <a:solidFill>
-                  <a:prstClr val="black"/>
-                </a:solidFill>
-                <a:effectLst/>
-                <a:uLnTx/>
-                <a:uFillTx/>
-                <a:cs typeface="Dubai Light" panose="020B0303030403030204" pitchFamily="34" charset="-78"/>
-              </a:rPr>
-              <a:t> with the real values</a:t>
-            </a:r>
-          </a:p>
-        </p:txBody>
-      </p:sp>
-      <p:sp>
-        <p:nvSpPr>
-          <p:cNvPr id="12" name="TextBox 11">
-            <a:extLst>
-              <a:ext uri="{FF2B5EF4-FFF2-40B4-BE49-F238E27FC236}">
-                <a16:creationId xmlns:a16="http://schemas.microsoft.com/office/drawing/2014/main" id="{46A76564-C418-4671-B914-22254436F5DB}"/>
-              </a:ext>
-            </a:extLst>
-          </p:cNvPr>
-          <p:cNvSpPr txBox="1"/>
-          <p:nvPr/>
-        </p:nvSpPr>
-        <p:spPr>
-          <a:xfrm>
-            <a:off x="6013141" y="4948180"/>
-            <a:ext cx="5865171" cy="369332"/>
-          </a:xfrm>
-          <a:prstGeom prst="rect">
-            <a:avLst/>
-          </a:prstGeom>
-          <a:noFill/>
-        </p:spPr>
-        <p:txBody>
-          <a:bodyPr wrap="square">
-            <a:spAutoFit/>
-          </a:bodyPr>
-          <a:lstStyle/>
-          <a:p>
-            <a:r>
-              <a:rPr lang="en-US" dirty="0"/>
-              <a:t>The fitted regression model can predict house price very well</a:t>
-            </a:r>
-          </a:p>
-        </p:txBody>
-      </p:sp>
-    </p:spTree>
-    <p:extLst>
-      <p:ext uri="{BB962C8B-B14F-4D97-AF65-F5344CB8AC3E}">
-        <p14:creationId xmlns:p14="http://schemas.microsoft.com/office/powerpoint/2010/main" val="1620924395"/>
-      </p:ext>
-    </p:extLst>
-  </p:cSld>
-  <p:clrMapOvr>
-    <a:masterClrMapping/>
-  </p:clrMapOvr>
-</p:sld>
-</file>
-
-<file path=ppt/slides/slide13.xml><?xml version="1.0" encoding="utf-8"?>
-<p:sld xmlns:a="http://schemas.openxmlformats.org/drawingml/2006/main" xmlns:r="http://schemas.openxmlformats.org/officeDocument/2006/relationships" xmlns:p="http://schemas.openxmlformats.org/presentationml/2006/main">
-  <p:cSld>
-    <p:spTree>
-      <p:nvGrpSpPr>
-        <p:cNvPr id="1" name=""/>
-        <p:cNvGrpSpPr/>
-        <p:nvPr/>
-      </p:nvGrpSpPr>
-      <p:grpSpPr>
-        <a:xfrm>
-          <a:off x="0" y="0"/>
-          <a:ext cx="0" cy="0"/>
-          <a:chOff x="0" y="0"/>
-          <a:chExt cx="0" cy="0"/>
-        </a:xfrm>
-      </p:grpSpPr>
-      <p:sp>
-        <p:nvSpPr>
-          <p:cNvPr id="2" name="Title 1">
-            <a:extLst>
-              <a:ext uri="{FF2B5EF4-FFF2-40B4-BE49-F238E27FC236}">
-                <a16:creationId xmlns:a16="http://schemas.microsoft.com/office/drawing/2014/main" id="{3EEABC5C-2CB9-46E0-9FCD-F3E594B602B9}"/>
-              </a:ext>
-            </a:extLst>
-          </p:cNvPr>
-          <p:cNvSpPr>
-            <a:spLocks noGrp="1"/>
-          </p:cNvSpPr>
-          <p:nvPr>
-            <p:ph type="title"/>
-          </p:nvPr>
-        </p:nvSpPr>
-        <p:spPr/>
-        <p:txBody>
-          <a:bodyPr>
-            <a:normAutofit/>
-          </a:bodyPr>
-          <a:lstStyle/>
-          <a:p>
-            <a:r>
-              <a:rPr lang="en-US" dirty="0"/>
-              <a:t>Summary</a:t>
+              <a:t>Conclusion</a:t>
             </a:r>
           </a:p>
         </p:txBody>
@@ -4501,7 +4409,15 @@
             <a:pPr lvl="2"/>
             <a:r>
               <a:rPr lang="en-US" dirty="0"/>
-              <a:t>For house buyer, based on the characteristics </a:t>
+              <a:t>For house buyer, they will know the approximate price of the house and the investment value of the house for future sale,</a:t>
+            </a:r>
+            <a:r>
+              <a:rPr lang="zh-CN" altLang="en-US" dirty="0"/>
+              <a:t> </a:t>
+            </a:r>
+            <a:r>
+              <a:rPr lang="en-US" dirty="0"/>
+              <a:t>based on the characteristics </a:t>
             </a:r>
             <a:r>
               <a:rPr lang="en-US" altLang="zh-CN" dirty="0"/>
@@ -4509,7 +4425,7 @@
             </a:r>
             <a:r>
               <a:rPr lang="en-US" dirty="0"/>
-              <a:t>, they will know the price of the house and the investment value of the house for future sale</a:t>
+              <a:t> </a:t>
             </a:r>
           </a:p>
           <a:p>
@@ -4522,7 +4438,7 @@
           <a:p>
             <a:r>
               <a:rPr lang="en-US" dirty="0"/>
-              <a:t>A linear regression model will be built based on the different selection of house characteristics to achieve the goal of the project</a:t>
+              <a:t>A linear regression model will be built based on the selected house characteristics to achieve the goal of the project</a:t>
             </a:r>
           </a:p>
           <a:p>
@@ -4568,7 +4484,7 @@
           <p:cNvPr id="2" name="Title 1">
             <a:extLst>
               <a:ext uri="{FF2B5EF4-FFF2-40B4-BE49-F238E27FC236}">
-                <a16:creationId xmlns:a16="http://schemas.microsoft.com/office/drawing/2014/main" id="{3EEABC5C-2CB9-46E0-9FCD-F3E594B602B9}"/>
+                <a16:creationId xmlns:a16="http://schemas.microsoft.com/office/drawing/2014/main" id="{93359AE2-40DC-4C7B-BDA5-2BBB2FC89764}"/>
               </a:ext>
             </a:extLst>
           </p:cNvPr>
@@ -4581,121 +4497,345 @@
         </p:nvSpPr>
         <p:spPr/>
         <p:txBody>
-          <a:bodyPr>
-            <a:normAutofit/>
-          </a:bodyPr>
+          <a:bodyPr/>
           <a:lstStyle/>
           <a:p>
             <a:r>
               <a:rPr lang="en-US" dirty="0"/>
-              <a:t>Data </a:t>
-            </a:r>
-          </a:p>
-        </p:txBody>
-      </p:sp>
-      <p:sp>
-        <p:nvSpPr>
-          <p:cNvPr id="3" name="Content Placeholder 2">
-            <a:extLst>
-              <a:ext uri="{FF2B5EF4-FFF2-40B4-BE49-F238E27FC236}">
-                <a16:creationId xmlns:a16="http://schemas.microsoft.com/office/drawing/2014/main" id="{93A47A69-2809-4CAB-AF37-EB483D3F61A7}"/>
-              </a:ext>
-            </a:extLst>
-          </p:cNvPr>
-          <p:cNvSpPr>
-            <a:spLocks noGrp="1"/>
-          </p:cNvSpPr>
-          <p:nvPr>
-            <p:ph idx="1"/>
-          </p:nvPr>
+              <a:t>A linear regression model</a:t>
+            </a:r>
+          </a:p>
+        </p:txBody>
+      </p:sp>
+      <p:sp>
+        <p:nvSpPr>
+          <p:cNvPr id="4" name="Rectangle: Rounded Corners 3">
+            <a:extLst>
+              <a:ext uri="{FF2B5EF4-FFF2-40B4-BE49-F238E27FC236}">
+                <a16:creationId xmlns:a16="http://schemas.microsoft.com/office/drawing/2014/main" id="{B14BA81A-94AC-434C-8D72-F7ADD3C40405}"/>
+              </a:ext>
+            </a:extLst>
+          </p:cNvPr>
+          <p:cNvSpPr/>
+          <p:nvPr/>
         </p:nvSpPr>
         <p:spPr>
           <a:xfrm>
-            <a:off x="838200" y="1387474"/>
-            <a:ext cx="5535967" cy="4351338"/>
-          </a:xfrm>
-        </p:spPr>
-        <p:txBody>
-          <a:bodyPr/>
-          <a:lstStyle/>
-          <a:p>
-            <a:r>
-              <a:rPr lang="en-US" dirty="0"/>
-              <a:t>Data source: kc_house_data.csv</a:t>
-            </a:r>
-          </a:p>
-          <a:p>
-            <a:r>
-              <a:rPr lang="en-US" dirty="0"/>
-              <a:t>Data understanding:</a:t>
-            </a:r>
-          </a:p>
-          <a:p>
-            <a:pPr lvl="1"/>
-            <a:r>
-              <a:rPr lang="en-US" dirty="0"/>
-              <a:t>A total of 19 predictors available after excluding the id and the target (price)</a:t>
-            </a:r>
-          </a:p>
-          <a:p>
-            <a:pPr lvl="1"/>
-            <a:r>
-              <a:rPr lang="en-US" dirty="0"/>
-              <a:t>A total of 21597 rows, while some rows have null values in some predictors</a:t>
-            </a:r>
-          </a:p>
-          <a:p>
-            <a:pPr lvl="1"/>
-            <a:r>
-              <a:rPr lang="en-US" dirty="0"/>
-              <a:t>Several predictors' data type need to be changed, e.g., date and </a:t>
-            </a:r>
-            <a:r>
-              <a:rPr lang="en-US" dirty="0" err="1"/>
-              <a:t>sqft_basement</a:t>
-            </a:r>
-            <a:endParaRPr lang="en-US" dirty="0"/>
-          </a:p>
-          <a:p>
-            <a:pPr lvl="1"/>
-            <a:endParaRPr lang="en-US" dirty="0"/>
-          </a:p>
-        </p:txBody>
-      </p:sp>
-      <p:pic>
-        <p:nvPicPr>
-          <p:cNvPr id="5" name="Picture 4">
-            <a:extLst>
-              <a:ext uri="{FF2B5EF4-FFF2-40B4-BE49-F238E27FC236}">
-                <a16:creationId xmlns:a16="http://schemas.microsoft.com/office/drawing/2014/main" id="{22E6B335-1551-4941-85DF-DCE87DC7638C}"/>
-              </a:ext>
-            </a:extLst>
-          </p:cNvPr>
-          <p:cNvPicPr>
-            <a:picLocks noChangeAspect="1"/>
-          </p:cNvPicPr>
-          <p:nvPr/>
-        </p:nvPicPr>
-        <p:blipFill>
-          <a:blip r:embed="rId2"/>
-          <a:stretch>
-            <a:fillRect/>
-          </a:stretch>
-        </p:blipFill>
-        <p:spPr>
-          <a:xfrm>
-            <a:off x="7166268" y="1119187"/>
-            <a:ext cx="3381375" cy="4619625"/>
-          </a:xfrm>
-          <a:prstGeom prst="rect">
+            <a:off x="1273947" y="2379216"/>
+            <a:ext cx="1083075" cy="958790"/>
+          </a:xfrm>
+          <a:prstGeom prst="roundRect">
             <a:avLst/>
           </a:prstGeom>
         </p:spPr>
-      </p:pic>
+        <p:style>
+          <a:lnRef idx="2">
+            <a:schemeClr val="accent1">
+              <a:shade val="50000"/>
+            </a:schemeClr>
+          </a:lnRef>
+          <a:fillRef idx="1">
+            <a:schemeClr val="accent1"/>
+          </a:fillRef>
+          <a:effectRef idx="0">
+            <a:schemeClr val="accent1"/>
+          </a:effectRef>
+          <a:fontRef idx="minor">
+            <a:schemeClr val="lt1"/>
+          </a:fontRef>
+        </p:style>
+        <p:txBody>
+          <a:bodyPr rtlCol="0" anchor="ctr"/>
+          <a:lstStyle/>
+          <a:p>
+            <a:pPr algn="ctr"/>
+            <a:r>
+              <a:rPr lang="en-US" dirty="0"/>
+              <a:t>Data</a:t>
+            </a:r>
+          </a:p>
+        </p:txBody>
+      </p:sp>
+      <p:sp>
+        <p:nvSpPr>
+          <p:cNvPr id="5" name="Rectangle: Rounded Corners 4">
+            <a:extLst>
+              <a:ext uri="{FF2B5EF4-FFF2-40B4-BE49-F238E27FC236}">
+                <a16:creationId xmlns:a16="http://schemas.microsoft.com/office/drawing/2014/main" id="{D34FEAF4-6112-4F37-83C7-D0C74584DB76}"/>
+              </a:ext>
+            </a:extLst>
+          </p:cNvPr>
+          <p:cNvSpPr/>
+          <p:nvPr/>
+        </p:nvSpPr>
+        <p:spPr>
+          <a:xfrm>
+            <a:off x="3213717" y="2379216"/>
+            <a:ext cx="1899821" cy="958790"/>
+          </a:xfrm>
+          <a:prstGeom prst="roundRect">
+            <a:avLst/>
+          </a:prstGeom>
+        </p:spPr>
+        <p:style>
+          <a:lnRef idx="2">
+            <a:schemeClr val="accent1">
+              <a:shade val="50000"/>
+            </a:schemeClr>
+          </a:lnRef>
+          <a:fillRef idx="1">
+            <a:schemeClr val="accent1"/>
+          </a:fillRef>
+          <a:effectRef idx="0">
+            <a:schemeClr val="accent1"/>
+          </a:effectRef>
+          <a:fontRef idx="minor">
+            <a:schemeClr val="lt1"/>
+          </a:fontRef>
+        </p:style>
+        <p:txBody>
+          <a:bodyPr rtlCol="0" anchor="ctr"/>
+          <a:lstStyle/>
+          <a:p>
+            <a:pPr algn="ctr"/>
+            <a:r>
+              <a:rPr lang="en-US" dirty="0"/>
+              <a:t>Data preparation</a:t>
+            </a:r>
+          </a:p>
+        </p:txBody>
+      </p:sp>
+      <p:sp>
+        <p:nvSpPr>
+          <p:cNvPr id="6" name="Rectangle: Rounded Corners 5">
+            <a:extLst>
+              <a:ext uri="{FF2B5EF4-FFF2-40B4-BE49-F238E27FC236}">
+                <a16:creationId xmlns:a16="http://schemas.microsoft.com/office/drawing/2014/main" id="{E4C8C684-31DA-4BBF-863A-AEF66EA8895B}"/>
+              </a:ext>
+            </a:extLst>
+          </p:cNvPr>
+          <p:cNvSpPr/>
+          <p:nvPr/>
+        </p:nvSpPr>
+        <p:spPr>
+          <a:xfrm>
+            <a:off x="5743853" y="2379216"/>
+            <a:ext cx="1899821" cy="958790"/>
+          </a:xfrm>
+          <a:prstGeom prst="roundRect">
+            <a:avLst/>
+          </a:prstGeom>
+        </p:spPr>
+        <p:style>
+          <a:lnRef idx="2">
+            <a:schemeClr val="accent1">
+              <a:shade val="50000"/>
+            </a:schemeClr>
+          </a:lnRef>
+          <a:fillRef idx="1">
+            <a:schemeClr val="accent1"/>
+          </a:fillRef>
+          <a:effectRef idx="0">
+            <a:schemeClr val="accent1"/>
+          </a:effectRef>
+          <a:fontRef idx="minor">
+            <a:schemeClr val="lt1"/>
+          </a:fontRef>
+        </p:style>
+        <p:txBody>
+          <a:bodyPr rtlCol="0" anchor="ctr"/>
+          <a:lstStyle/>
+          <a:p>
+            <a:pPr algn="ctr"/>
+            <a:r>
+              <a:rPr lang="en-US" dirty="0"/>
+              <a:t>Modeling</a:t>
+            </a:r>
+          </a:p>
+        </p:txBody>
+      </p:sp>
+      <p:sp>
+        <p:nvSpPr>
+          <p:cNvPr id="7" name="Rectangle: Rounded Corners 6">
+            <a:extLst>
+              <a:ext uri="{FF2B5EF4-FFF2-40B4-BE49-F238E27FC236}">
+                <a16:creationId xmlns:a16="http://schemas.microsoft.com/office/drawing/2014/main" id="{F8DE056B-B07D-4DF0-98BB-2937F76531F2}"/>
+              </a:ext>
+            </a:extLst>
+          </p:cNvPr>
+          <p:cNvSpPr/>
+          <p:nvPr/>
+        </p:nvSpPr>
+        <p:spPr>
+          <a:xfrm>
+            <a:off x="8273989" y="2379216"/>
+            <a:ext cx="1899821" cy="958790"/>
+          </a:xfrm>
+          <a:prstGeom prst="roundRect">
+            <a:avLst/>
+          </a:prstGeom>
+        </p:spPr>
+        <p:style>
+          <a:lnRef idx="2">
+            <a:schemeClr val="accent1">
+              <a:shade val="50000"/>
+            </a:schemeClr>
+          </a:lnRef>
+          <a:fillRef idx="1">
+            <a:schemeClr val="accent1"/>
+          </a:fillRef>
+          <a:effectRef idx="0">
+            <a:schemeClr val="accent1"/>
+          </a:effectRef>
+          <a:fontRef idx="minor">
+            <a:schemeClr val="lt1"/>
+          </a:fontRef>
+        </p:style>
+        <p:txBody>
+          <a:bodyPr rtlCol="0" anchor="ctr"/>
+          <a:lstStyle/>
+          <a:p>
+            <a:pPr algn="ctr"/>
+            <a:r>
+              <a:rPr lang="en-US" dirty="0"/>
+              <a:t>Model evaluation</a:t>
+            </a:r>
+          </a:p>
+        </p:txBody>
+      </p:sp>
+      <p:cxnSp>
+        <p:nvCxnSpPr>
+          <p:cNvPr id="9" name="Straight Arrow Connector 8">
+            <a:extLst>
+              <a:ext uri="{FF2B5EF4-FFF2-40B4-BE49-F238E27FC236}">
+                <a16:creationId xmlns:a16="http://schemas.microsoft.com/office/drawing/2014/main" id="{F9FBF024-66DA-4D70-8EAD-3FFD2E27A1A6}"/>
+              </a:ext>
+            </a:extLst>
+          </p:cNvPr>
+          <p:cNvCxnSpPr>
+            <a:cxnSpLocks/>
+            <a:stCxn id="4" idx="3"/>
+            <a:endCxn id="5" idx="1"/>
+          </p:cNvCxnSpPr>
+          <p:nvPr/>
+        </p:nvCxnSpPr>
+        <p:spPr>
+          <a:xfrm>
+            <a:off x="2357022" y="2858611"/>
+            <a:ext cx="856695" cy="0"/>
+          </a:xfrm>
+          <a:prstGeom prst="straightConnector1">
+            <a:avLst/>
+          </a:prstGeom>
+          <a:ln w="38100">
+            <a:tailEnd type="triangle"/>
+          </a:ln>
+        </p:spPr>
+        <p:style>
+          <a:lnRef idx="1">
+            <a:schemeClr val="accent1"/>
+          </a:lnRef>
+          <a:fillRef idx="0">
+            <a:schemeClr val="accent1"/>
+          </a:fillRef>
+          <a:effectRef idx="0">
+            <a:schemeClr val="accent1"/>
+          </a:effectRef>
+          <a:fontRef idx="minor">
+            <a:schemeClr val="tx1"/>
+          </a:fontRef>
+        </p:style>
+      </p:cxnSp>
+      <p:cxnSp>
+        <p:nvCxnSpPr>
+          <p:cNvPr id="13" name="Straight Arrow Connector 12">
+            <a:extLst>
+              <a:ext uri="{FF2B5EF4-FFF2-40B4-BE49-F238E27FC236}">
+                <a16:creationId xmlns:a16="http://schemas.microsoft.com/office/drawing/2014/main" id="{FECB946D-D865-43A8-AE3B-DC0507CA66C8}"/>
+              </a:ext>
+            </a:extLst>
+          </p:cNvPr>
+          <p:cNvCxnSpPr>
+            <a:cxnSpLocks/>
+            <a:stCxn id="5" idx="3"/>
+            <a:endCxn id="6" idx="1"/>
+          </p:cNvCxnSpPr>
+          <p:nvPr/>
+        </p:nvCxnSpPr>
+        <p:spPr>
+          <a:xfrm>
+            <a:off x="5113538" y="2858611"/>
+            <a:ext cx="630315" cy="0"/>
+          </a:xfrm>
+          <a:prstGeom prst="straightConnector1">
+            <a:avLst/>
+          </a:prstGeom>
+          <a:ln w="38100">
+            <a:tailEnd type="triangle"/>
+          </a:ln>
+        </p:spPr>
+        <p:style>
+          <a:lnRef idx="1">
+            <a:schemeClr val="accent1"/>
+          </a:lnRef>
+          <a:fillRef idx="0">
+            <a:schemeClr val="accent1"/>
+          </a:fillRef>
+          <a:effectRef idx="0">
+            <a:schemeClr val="accent1"/>
+          </a:effectRef>
+          <a:fontRef idx="minor">
+            <a:schemeClr val="tx1"/>
+          </a:fontRef>
+        </p:style>
+      </p:cxnSp>
+      <p:cxnSp>
+        <p:nvCxnSpPr>
+          <p:cNvPr id="14" name="Straight Arrow Connector 13">
+            <a:extLst>
+              <a:ext uri="{FF2B5EF4-FFF2-40B4-BE49-F238E27FC236}">
+                <a16:creationId xmlns:a16="http://schemas.microsoft.com/office/drawing/2014/main" id="{10E70E02-F2AD-4530-88FE-4EE73BFD98DD}"/>
+              </a:ext>
+            </a:extLst>
+          </p:cNvPr>
+          <p:cNvCxnSpPr>
+            <a:cxnSpLocks/>
+            <a:stCxn id="6" idx="3"/>
+            <a:endCxn id="7" idx="1"/>
+          </p:cNvCxnSpPr>
+          <p:nvPr/>
+        </p:nvCxnSpPr>
+        <p:spPr>
+          <a:xfrm>
+            <a:off x="7643674" y="2858611"/>
+            <a:ext cx="630315" cy="0"/>
+          </a:xfrm>
+          <a:prstGeom prst="straightConnector1">
+            <a:avLst/>
+          </a:prstGeom>
+          <a:ln w="38100">
+            <a:tailEnd type="triangle"/>
+          </a:ln>
+        </p:spPr>
+        <p:style>
+          <a:lnRef idx="1">
+            <a:schemeClr val="accent1"/>
+          </a:lnRef>
+          <a:fillRef idx="0">
+            <a:schemeClr val="accent1"/>
+          </a:fillRef>
+          <a:effectRef idx="0">
+            <a:schemeClr val="accent1"/>
+          </a:effectRef>
+          <a:fontRef idx="minor">
+            <a:schemeClr val="tx1"/>
+          </a:fontRef>
+        </p:style>
+      </p:cxnSp>
     </p:spTree>
     <p:extLst>
       <p:ext uri="{BB962C8B-B14F-4D97-AF65-F5344CB8AC3E}">
-        <p14:creationId xmlns:p14="http://schemas.microsoft.com/office/powerpoint/2010/main" val="3450699459"/>
+        <p14:creationId xmlns:p14="http://schemas.microsoft.com/office/powerpoint/2010/main" val="2527430429"/>
       </p:ext>
     </p:extLst>
   </p:cSld>
@@ -4747,7 +4887,7 @@
           <a:p>
             <a:r>
               <a:rPr lang="en-US" dirty="0"/>
-              <a:t>Data Preparation </a:t>
+              <a:t>Data </a:t>
             </a:r>
           </a:p>
         </p:txBody>
@@ -4770,241 +4910,91 @@
         </p:nvSpPr>
         <p:spPr>
           <a:xfrm>
-            <a:off x="838199" y="1464817"/>
-            <a:ext cx="9140301" cy="2627790"/>
-          </a:xfrm>
-        </p:spPr>
-        <p:txBody>
-          <a:bodyPr>
-            <a:normAutofit/>
-          </a:bodyPr>
+            <a:off x="838200" y="1387474"/>
+            <a:ext cx="5535967" cy="4351338"/>
+          </a:xfrm>
+        </p:spPr>
+        <p:txBody>
+          <a:bodyPr/>
           <a:lstStyle/>
           <a:p>
             <a:r>
               <a:rPr lang="en-US" dirty="0"/>
-              <a:t>Deal with data types: </a:t>
+              <a:t>Data source: kc_house_data.csv</a:t>
+            </a:r>
+          </a:p>
+          <a:p>
+            <a:r>
+              <a:rPr lang="en-US" dirty="0"/>
+              <a:t>Data understanding:</a:t>
+            </a:r>
+          </a:p>
+          <a:p>
+            <a:pPr lvl="1"/>
+            <a:r>
+              <a:rPr lang="en-US" dirty="0"/>
+              <a:t>A total of 19 predictors available after excluding the id and the target (price)</a:t>
+            </a:r>
+          </a:p>
+          <a:p>
+            <a:pPr lvl="1"/>
+            <a:r>
+              <a:rPr lang="en-US" dirty="0"/>
+              <a:t>A total of 21597 rows, while some rows have null values in some predictors</a:t>
+            </a:r>
+          </a:p>
+          <a:p>
+            <a:pPr lvl="1"/>
+            <a:r>
+              <a:rPr lang="en-US" dirty="0"/>
+              <a:t>Several predictors' data type need to be changed, e.g., date and </a:t>
             </a:r>
             <a:r>
               <a:rPr lang="en-US" dirty="0" err="1"/>
               <a:t>sqft_basement</a:t>
             </a:r>
-            <a:r>
-              <a:rPr lang="en-US" dirty="0"/>
-              <a:t> and date</a:t>
-            </a:r>
-          </a:p>
-          <a:p>
-            <a:r>
-              <a:rPr lang="en-US" dirty="0"/>
-              <a:t>Deal with null values: </a:t>
-            </a:r>
+            <a:endParaRPr lang="en-US" dirty="0"/>
           </a:p>
           <a:p>
             <a:pPr lvl="1"/>
-            <a:r>
-              <a:rPr lang="en-US" dirty="0"/>
-              <a:t>View and </a:t>
-            </a:r>
-            <a:r>
-              <a:rPr lang="en-US" dirty="0" err="1"/>
-              <a:t>sqft_basement</a:t>
-            </a:r>
-            <a:r>
-              <a:rPr lang="en-US" dirty="0"/>
-              <a:t>: drop those rows with null values</a:t>
-            </a:r>
-          </a:p>
-          <a:p>
-            <a:pPr lvl="1"/>
-            <a:r>
-              <a:rPr lang="en-US" dirty="0"/>
-              <a:t>Waterfront, and </a:t>
-            </a:r>
-            <a:r>
-              <a:rPr lang="en-US" dirty="0" err="1"/>
-              <a:t>yr_renovated</a:t>
-            </a:r>
-            <a:r>
-              <a:rPr lang="en-US" dirty="0"/>
-              <a:t>: they are over 10% of null values with special process</a:t>
-            </a:r>
-          </a:p>
-          <a:p>
-            <a:r>
-              <a:rPr lang="en-US" dirty="0"/>
-              <a:t>Deal with outliers:</a:t>
-            </a:r>
+            <a:endParaRPr lang="en-US" dirty="0"/>
           </a:p>
         </p:txBody>
       </p:sp>
       <p:pic>
         <p:nvPicPr>
-          <p:cNvPr id="1026" name="Picture 2">
-            <a:extLst>
-              <a:ext uri="{FF2B5EF4-FFF2-40B4-BE49-F238E27FC236}">
-                <a16:creationId xmlns:a16="http://schemas.microsoft.com/office/drawing/2014/main" id="{D1DA1308-B5B8-4183-8BA8-A4FDDC062D92}"/>
+          <p:cNvPr id="5" name="Picture 4">
+            <a:extLst>
+              <a:ext uri="{FF2B5EF4-FFF2-40B4-BE49-F238E27FC236}">
+                <a16:creationId xmlns:a16="http://schemas.microsoft.com/office/drawing/2014/main" id="{22E6B335-1551-4941-85DF-DCE87DC7638C}"/>
               </a:ext>
             </a:extLst>
           </p:cNvPr>
           <p:cNvPicPr>
-            <a:picLocks noChangeAspect="1" noChangeArrowheads="1"/>
+            <a:picLocks noChangeAspect="1"/>
           </p:cNvPicPr>
           <p:nvPr/>
         </p:nvPicPr>
         <p:blipFill>
-          <a:blip r:embed="rId2">
-            <a:extLst>
-              <a:ext uri="{28A0092B-C50C-407E-A947-70E740481C1C}">
-                <a14:useLocalDpi xmlns:a14="http://schemas.microsoft.com/office/drawing/2010/main" val="0"/>
-              </a:ext>
-            </a:extLst>
-          </a:blip>
-          <a:srcRect/>
+          <a:blip r:embed="rId2"/>
           <a:stretch>
             <a:fillRect/>
           </a:stretch>
         </p:blipFill>
-        <p:spPr bwMode="auto">
-          <a:xfrm>
-            <a:off x="838198" y="4287694"/>
-            <a:ext cx="4976676" cy="1972066"/>
+        <p:spPr>
+          <a:xfrm>
+            <a:off x="7166268" y="1119187"/>
+            <a:ext cx="3381375" cy="4619625"/>
           </a:xfrm>
           <a:prstGeom prst="rect">
             <a:avLst/>
           </a:prstGeom>
-          <a:noFill/>
-          <a:extLst>
-            <a:ext uri="{909E8E84-426E-40DD-AFC4-6F175D3DCCD1}">
-              <a14:hiddenFill xmlns:a14="http://schemas.microsoft.com/office/drawing/2010/main">
-                <a:solidFill>
-                  <a:srgbClr val="FFFFFF"/>
-                </a:solidFill>
-              </a14:hiddenFill>
-            </a:ext>
-          </a:extLst>
         </p:spPr>
       </p:pic>
-      <p:pic>
-        <p:nvPicPr>
-          <p:cNvPr id="1028" name="Picture 4">
-            <a:extLst>
-              <a:ext uri="{FF2B5EF4-FFF2-40B4-BE49-F238E27FC236}">
-                <a16:creationId xmlns:a16="http://schemas.microsoft.com/office/drawing/2014/main" id="{EBE32DEC-162D-4DB1-9EC3-CC1F8BAF28D9}"/>
-              </a:ext>
-            </a:extLst>
-          </p:cNvPr>
-          <p:cNvPicPr>
-            <a:picLocks noChangeAspect="1" noChangeArrowheads="1"/>
-          </p:cNvPicPr>
-          <p:nvPr/>
-        </p:nvPicPr>
-        <p:blipFill>
-          <a:blip r:embed="rId3">
-            <a:extLst>
-              <a:ext uri="{28A0092B-C50C-407E-A947-70E740481C1C}">
-                <a14:useLocalDpi xmlns:a14="http://schemas.microsoft.com/office/drawing/2010/main" val="0"/>
-              </a:ext>
-            </a:extLst>
-          </a:blip>
-          <a:srcRect/>
-          <a:stretch>
-            <a:fillRect/>
-          </a:stretch>
-        </p:blipFill>
-        <p:spPr bwMode="auto">
-          <a:xfrm>
-            <a:off x="6744070" y="4287694"/>
-            <a:ext cx="4976676" cy="1973911"/>
-          </a:xfrm>
-          <a:prstGeom prst="rect">
-            <a:avLst/>
-          </a:prstGeom>
-          <a:noFill/>
-          <a:extLst>
-            <a:ext uri="{909E8E84-426E-40DD-AFC4-6F175D3DCCD1}">
-              <a14:hiddenFill xmlns:a14="http://schemas.microsoft.com/office/drawing/2010/main">
-                <a:solidFill>
-                  <a:srgbClr val="FFFFFF"/>
-                </a:solidFill>
-              </a14:hiddenFill>
-            </a:ext>
-          </a:extLst>
-        </p:spPr>
-      </p:pic>
-      <p:sp>
-        <p:nvSpPr>
-          <p:cNvPr id="4" name="TextBox 3">
-            <a:extLst>
-              <a:ext uri="{FF2B5EF4-FFF2-40B4-BE49-F238E27FC236}">
-                <a16:creationId xmlns:a16="http://schemas.microsoft.com/office/drawing/2014/main" id="{44F2FCEA-2956-4877-8152-21C173FE85CB}"/>
-              </a:ext>
-            </a:extLst>
-          </p:cNvPr>
-          <p:cNvSpPr txBox="1"/>
-          <p:nvPr/>
-        </p:nvSpPr>
-        <p:spPr>
-          <a:xfrm>
-            <a:off x="2574525" y="6259760"/>
-            <a:ext cx="970137" cy="369332"/>
-          </a:xfrm>
-          <a:prstGeom prst="rect">
-            <a:avLst/>
-          </a:prstGeom>
-          <a:noFill/>
-        </p:spPr>
-        <p:txBody>
-          <a:bodyPr wrap="none" rtlCol="0">
-            <a:spAutoFit/>
-          </a:bodyPr>
-          <a:lstStyle/>
-          <a:p>
-            <a:r>
-              <a:rPr lang="en-US" dirty="0"/>
-              <a:t>Original </a:t>
-            </a:r>
-          </a:p>
-        </p:txBody>
-      </p:sp>
-      <p:sp>
-        <p:nvSpPr>
-          <p:cNvPr id="8" name="TextBox 7">
-            <a:extLst>
-              <a:ext uri="{FF2B5EF4-FFF2-40B4-BE49-F238E27FC236}">
-                <a16:creationId xmlns:a16="http://schemas.microsoft.com/office/drawing/2014/main" id="{073BF7B9-A47F-4B04-9BBC-0AC5303EF0B5}"/>
-              </a:ext>
-            </a:extLst>
-          </p:cNvPr>
-          <p:cNvSpPr txBox="1"/>
-          <p:nvPr/>
-        </p:nvSpPr>
-        <p:spPr>
-          <a:xfrm>
-            <a:off x="8147229" y="6234130"/>
-            <a:ext cx="2410340" cy="369332"/>
-          </a:xfrm>
-          <a:prstGeom prst="rect">
-            <a:avLst/>
-          </a:prstGeom>
-          <a:noFill/>
-        </p:spPr>
-        <p:txBody>
-          <a:bodyPr wrap="none" rtlCol="0">
-            <a:spAutoFit/>
-          </a:bodyPr>
-          <a:lstStyle/>
-          <a:p>
-            <a:r>
-              <a:rPr lang="en-US" dirty="0"/>
-              <a:t>After removing outliers </a:t>
-            </a:r>
-          </a:p>
-        </p:txBody>
-      </p:sp>
     </p:spTree>
     <p:extLst>
       <p:ext uri="{BB962C8B-B14F-4D97-AF65-F5344CB8AC3E}">
-        <p14:creationId xmlns:p14="http://schemas.microsoft.com/office/powerpoint/2010/main" val="588945897"/>
+        <p14:creationId xmlns:p14="http://schemas.microsoft.com/office/powerpoint/2010/main" val="3450699459"/>
       </p:ext>
     </p:extLst>
   </p:cSld>
@@ -5079,8 +5069,8 @@
         </p:nvSpPr>
         <p:spPr>
           <a:xfrm>
-            <a:off x="838200" y="1464817"/>
-            <a:ext cx="9886026" cy="2627790"/>
+            <a:off x="838199" y="1464817"/>
+            <a:ext cx="9140301" cy="2627790"/>
           </a:xfrm>
         </p:spPr>
         <p:txBody>
@@ -5091,24 +5081,67 @@
           <a:p>
             <a:r>
               <a:rPr lang="en-US" dirty="0"/>
-              <a:t>Deal with categorical variables</a:t>
+              <a:t>Deal with data types: </a:t>
+            </a:r>
+            <a:r>
+              <a:rPr lang="en-US" dirty="0" err="1"/>
+              <a:t>sqft_basement</a:t>
+            </a:r>
+            <a:r>
+              <a:rPr lang="en-US" dirty="0"/>
+              <a:t> and date</a:t>
+            </a:r>
+          </a:p>
+          <a:p>
+            <a:r>
+              <a:rPr lang="en-US" dirty="0"/>
+              <a:t>Deal with null values: </a:t>
             </a:r>
           </a:p>
           <a:p>
             <a:pPr lvl="1"/>
             <a:r>
               <a:rPr lang="en-US" dirty="0"/>
-              <a:t>'bedrooms','bathrooms','floors','waterfront','is_renovated','condition','view','grade','zipcode4'</a:t>
+              <a:t>View and </a:t>
+            </a:r>
+            <a:r>
+              <a:rPr lang="en-US" dirty="0" err="1"/>
+              <a:t>sqft_basement</a:t>
+            </a:r>
+            <a:r>
+              <a:rPr lang="en-US" dirty="0"/>
+              <a:t>: drop those rows with null values</a:t>
+            </a:r>
+          </a:p>
+          <a:p>
+            <a:pPr lvl="1"/>
+            <a:r>
+              <a:rPr lang="en-US" dirty="0"/>
+              <a:t>Waterfront, and </a:t>
+            </a:r>
+            <a:r>
+              <a:rPr lang="en-US" dirty="0" err="1"/>
+              <a:t>yr_renovated</a:t>
+            </a:r>
+            <a:r>
+              <a:rPr lang="en-US" dirty="0"/>
+              <a:t>: they are over 10% of null values with special process</a:t>
+            </a:r>
+          </a:p>
+          <a:p>
+            <a:r>
+              <a:rPr lang="en-US" dirty="0"/>
+              <a:t>Deal with outliers:</a:t>
             </a:r>
           </a:p>
         </p:txBody>
       </p:sp>
       <p:pic>
         <p:nvPicPr>
-          <p:cNvPr id="2050" name="Picture 2">
-            <a:extLst>
-              <a:ext uri="{FF2B5EF4-FFF2-40B4-BE49-F238E27FC236}">
-                <a16:creationId xmlns:a16="http://schemas.microsoft.com/office/drawing/2014/main" id="{662C7309-65F6-4E20-82B3-B167580AC6E3}"/>
+          <p:cNvPr id="1026" name="Picture 2">
+            <a:extLst>
+              <a:ext uri="{FF2B5EF4-FFF2-40B4-BE49-F238E27FC236}">
+                <a16:creationId xmlns:a16="http://schemas.microsoft.com/office/drawing/2014/main" id="{D1DA1308-B5B8-4183-8BA8-A4FDDC062D92}"/>
               </a:ext>
             </a:extLst>
           </p:cNvPr>
@@ -5132,8 +5165,8 @@
         </p:blipFill>
         <p:spPr bwMode="auto">
           <a:xfrm>
-            <a:off x="838200" y="3080853"/>
-            <a:ext cx="4665955" cy="2823399"/>
+            <a:off x="838198" y="4287694"/>
+            <a:ext cx="4976676" cy="1972066"/>
           </a:xfrm>
           <a:prstGeom prst="rect">
             <a:avLst/>
@@ -5152,75 +5185,57 @@
       </p:pic>
       <p:pic>
         <p:nvPicPr>
-          <p:cNvPr id="9" name="Picture 8">
-            <a:extLst>
-              <a:ext uri="{FF2B5EF4-FFF2-40B4-BE49-F238E27FC236}">
-                <a16:creationId xmlns:a16="http://schemas.microsoft.com/office/drawing/2014/main" id="{69B83ED3-B553-4127-824C-E4716B257400}"/>
+          <p:cNvPr id="1028" name="Picture 4">
+            <a:extLst>
+              <a:ext uri="{FF2B5EF4-FFF2-40B4-BE49-F238E27FC236}">
+                <a16:creationId xmlns:a16="http://schemas.microsoft.com/office/drawing/2014/main" id="{EBE32DEC-162D-4DB1-9EC3-CC1F8BAF28D9}"/>
               </a:ext>
             </a:extLst>
           </p:cNvPr>
           <p:cNvPicPr>
-            <a:picLocks noChangeAspect="1"/>
+            <a:picLocks noChangeAspect="1" noChangeArrowheads="1"/>
           </p:cNvPicPr>
           <p:nvPr/>
         </p:nvPicPr>
         <p:blipFill>
-          <a:blip r:embed="rId3"/>
+          <a:blip r:embed="rId3">
+            <a:extLst>
+              <a:ext uri="{28A0092B-C50C-407E-A947-70E740481C1C}">
+                <a14:useLocalDpi xmlns:a14="http://schemas.microsoft.com/office/drawing/2010/main" val="0"/>
+              </a:ext>
+            </a:extLst>
+          </a:blip>
+          <a:srcRect/>
           <a:stretch>
             <a:fillRect/>
           </a:stretch>
         </p:blipFill>
-        <p:spPr>
-          <a:xfrm>
-            <a:off x="5683559" y="3147871"/>
-            <a:ext cx="5431284" cy="2689362"/>
-          </a:xfrm>
-          <a:prstGeom prst="rect">
-            <a:avLst/>
-          </a:prstGeom>
-        </p:spPr>
-      </p:pic>
-      <p:sp>
-        <p:nvSpPr>
-          <p:cNvPr id="10" name="TextBox 9">
-            <a:extLst>
-              <a:ext uri="{FF2B5EF4-FFF2-40B4-BE49-F238E27FC236}">
-                <a16:creationId xmlns:a16="http://schemas.microsoft.com/office/drawing/2014/main" id="{3FE2DAEA-37D9-4425-8DB5-BCB38DEE8012}"/>
-              </a:ext>
-            </a:extLst>
-          </p:cNvPr>
-          <p:cNvSpPr txBox="1"/>
-          <p:nvPr/>
-        </p:nvSpPr>
-        <p:spPr>
-          <a:xfrm>
-            <a:off x="1467774" y="2711521"/>
-            <a:ext cx="3568413" cy="369332"/>
+        <p:spPr bwMode="auto">
+          <a:xfrm>
+            <a:off x="6744070" y="4287694"/>
+            <a:ext cx="4976676" cy="1973911"/>
           </a:xfrm>
           <a:prstGeom prst="rect">
             <a:avLst/>
           </a:prstGeom>
           <a:noFill/>
-        </p:spPr>
-        <p:txBody>
-          <a:bodyPr wrap="none" rtlCol="0">
-            <a:spAutoFit/>
-          </a:bodyPr>
-          <a:lstStyle/>
-          <a:p>
-            <a:r>
-              <a:rPr lang="en-US" dirty="0"/>
-              <a:t>Visualization of categorical variables</a:t>
-            </a:r>
-          </a:p>
-        </p:txBody>
-      </p:sp>
-      <p:sp>
-        <p:nvSpPr>
-          <p:cNvPr id="14" name="TextBox 13">
-            <a:extLst>
-              <a:ext uri="{FF2B5EF4-FFF2-40B4-BE49-F238E27FC236}">
-                <a16:creationId xmlns:a16="http://schemas.microsoft.com/office/drawing/2014/main" id="{23055981-E175-43D2-91B7-0357A9145035}"/>
+          <a:extLst>
+            <a:ext uri="{909E8E84-426E-40DD-AFC4-6F175D3DCCD1}">
+              <a14:hiddenFill xmlns:a14="http://schemas.microsoft.com/office/drawing/2010/main">
+                <a:solidFill>
+                  <a:srgbClr val="FFFFFF"/>
+                </a:solidFill>
+              </a14:hiddenFill>
+            </a:ext>
+          </a:extLst>
+        </p:spPr>
+      </p:pic>
+      <p:sp>
+        <p:nvSpPr>
+          <p:cNvPr id="4" name="TextBox 3">
+            <a:extLst>
+              <a:ext uri="{FF2B5EF4-FFF2-40B4-BE49-F238E27FC236}">
+                <a16:creationId xmlns:a16="http://schemas.microsoft.com/office/drawing/2014/main" id="{44F2FCEA-2956-4877-8152-21C173FE85CB}"/>
               </a:ext>
             </a:extLst>
           </p:cNvPr>
@@ -5229,8 +5244,8 @@
         </p:nvSpPr>
         <p:spPr>
           <a:xfrm>
-            <a:off x="7940007" y="2771916"/>
-            <a:ext cx="1536383" cy="369332"/>
+            <a:off x="2574525" y="6259760"/>
+            <a:ext cx="970137" cy="369332"/>
           </a:xfrm>
           <a:prstGeom prst="rect">
             <a:avLst/>
@@ -5245,7 +5260,42 @@
           <a:p>
             <a:r>
               <a:rPr lang="en-US" dirty="0"/>
-              <a:t>The predictors</a:t>
+              <a:t>Original </a:t>
+            </a:r>
+          </a:p>
+        </p:txBody>
+      </p:sp>
+      <p:sp>
+        <p:nvSpPr>
+          <p:cNvPr id="8" name="TextBox 7">
+            <a:extLst>
+              <a:ext uri="{FF2B5EF4-FFF2-40B4-BE49-F238E27FC236}">
+                <a16:creationId xmlns:a16="http://schemas.microsoft.com/office/drawing/2014/main" id="{073BF7B9-A47F-4B04-9BBC-0AC5303EF0B5}"/>
+              </a:ext>
+            </a:extLst>
+          </p:cNvPr>
+          <p:cNvSpPr txBox="1"/>
+          <p:nvPr/>
+        </p:nvSpPr>
+        <p:spPr>
+          <a:xfrm>
+            <a:off x="8147229" y="6234130"/>
+            <a:ext cx="2410340" cy="369332"/>
+          </a:xfrm>
+          <a:prstGeom prst="rect">
+            <a:avLst/>
+          </a:prstGeom>
+          <a:noFill/>
+        </p:spPr>
+        <p:txBody>
+          <a:bodyPr wrap="none" rtlCol="0">
+            <a:spAutoFit/>
+          </a:bodyPr>
+          <a:lstStyle/>
+          <a:p>
+            <a:r>
+              <a:rPr lang="en-US" dirty="0"/>
+              <a:t>After removing outliers </a:t>
             </a:r>
           </a:p>
         </p:txBody>
@@ -5253,7 +5303,7 @@
     </p:spTree>
     <p:extLst>
       <p:ext uri="{BB962C8B-B14F-4D97-AF65-F5344CB8AC3E}">
-        <p14:creationId xmlns:p14="http://schemas.microsoft.com/office/powerpoint/2010/main" val="3378899260"/>
+        <p14:creationId xmlns:p14="http://schemas.microsoft.com/office/powerpoint/2010/main" val="588945897"/>
       </p:ext>
     </p:extLst>
   </p:cSld>
@@ -5329,7 +5379,7 @@
         <p:spPr>
           <a:xfrm>
             <a:off x="838200" y="1464817"/>
-            <a:ext cx="9886026" cy="978380"/>
+            <a:ext cx="9886026" cy="2627790"/>
           </a:xfrm>
         </p:spPr>
         <p:txBody>
@@ -5340,24 +5390,24 @@
           <a:p>
             <a:r>
               <a:rPr lang="en-US" dirty="0"/>
-              <a:t>Deal with target variable: price</a:t>
+              <a:t>Deal with categorical variables</a:t>
             </a:r>
           </a:p>
           <a:p>
             <a:pPr lvl="1"/>
             <a:r>
               <a:rPr lang="en-US" dirty="0"/>
-              <a:t>Logarithm transform to make it more normal distribution</a:t>
+              <a:t>'bedrooms','bathrooms','floors','waterfront','is_renovated','condition','view','grade','zipcode4'</a:t>
             </a:r>
           </a:p>
         </p:txBody>
       </p:sp>
       <p:pic>
         <p:nvPicPr>
-          <p:cNvPr id="3074" name="Picture 2">
-            <a:extLst>
-              <a:ext uri="{FF2B5EF4-FFF2-40B4-BE49-F238E27FC236}">
-                <a16:creationId xmlns:a16="http://schemas.microsoft.com/office/drawing/2014/main" id="{A78FC98A-792E-470E-A65B-64FF7C22C572}"/>
+          <p:cNvPr id="2050" name="Picture 2">
+            <a:extLst>
+              <a:ext uri="{FF2B5EF4-FFF2-40B4-BE49-F238E27FC236}">
+                <a16:creationId xmlns:a16="http://schemas.microsoft.com/office/drawing/2014/main" id="{662C7309-65F6-4E20-82B3-B167580AC6E3}"/>
               </a:ext>
             </a:extLst>
           </p:cNvPr>
@@ -5381,8 +5431,8 @@
         </p:blipFill>
         <p:spPr bwMode="auto">
           <a:xfrm>
-            <a:off x="1069945" y="2735706"/>
-            <a:ext cx="3695700" cy="2657475"/>
+            <a:off x="838200" y="3080853"/>
+            <a:ext cx="4665955" cy="2823399"/>
           </a:xfrm>
           <a:prstGeom prst="rect">
             <a:avLst/>
@@ -5401,96 +5451,75 @@
       </p:pic>
       <p:pic>
         <p:nvPicPr>
-          <p:cNvPr id="3076" name="Picture 4">
-            <a:extLst>
-              <a:ext uri="{FF2B5EF4-FFF2-40B4-BE49-F238E27FC236}">
-                <a16:creationId xmlns:a16="http://schemas.microsoft.com/office/drawing/2014/main" id="{3CCFFA7B-3FDB-4B41-8B94-C62AFD056A93}"/>
+          <p:cNvPr id="9" name="Picture 8">
+            <a:extLst>
+              <a:ext uri="{FF2B5EF4-FFF2-40B4-BE49-F238E27FC236}">
+                <a16:creationId xmlns:a16="http://schemas.microsoft.com/office/drawing/2014/main" id="{69B83ED3-B553-4127-824C-E4716B257400}"/>
               </a:ext>
             </a:extLst>
           </p:cNvPr>
           <p:cNvPicPr>
-            <a:picLocks noChangeAspect="1" noChangeArrowheads="1"/>
+            <a:picLocks noChangeAspect="1"/>
           </p:cNvPicPr>
           <p:nvPr/>
         </p:nvPicPr>
         <p:blipFill>
-          <a:blip r:embed="rId3">
-            <a:extLst>
-              <a:ext uri="{28A0092B-C50C-407E-A947-70E740481C1C}">
-                <a14:useLocalDpi xmlns:a14="http://schemas.microsoft.com/office/drawing/2010/main" val="0"/>
-              </a:ext>
-            </a:extLst>
-          </a:blip>
-          <a:srcRect/>
+          <a:blip r:embed="rId3"/>
           <a:stretch>
             <a:fillRect/>
           </a:stretch>
         </p:blipFill>
-        <p:spPr bwMode="auto">
-          <a:xfrm>
-            <a:off x="6893696" y="2790380"/>
-            <a:ext cx="3695700" cy="2657475"/>
+        <p:spPr>
+          <a:xfrm>
+            <a:off x="5683559" y="3147871"/>
+            <a:ext cx="5431284" cy="2689362"/>
+          </a:xfrm>
+          <a:prstGeom prst="rect">
+            <a:avLst/>
+          </a:prstGeom>
+        </p:spPr>
+      </p:pic>
+      <p:sp>
+        <p:nvSpPr>
+          <p:cNvPr id="10" name="TextBox 9">
+            <a:extLst>
+              <a:ext uri="{FF2B5EF4-FFF2-40B4-BE49-F238E27FC236}">
+                <a16:creationId xmlns:a16="http://schemas.microsoft.com/office/drawing/2014/main" id="{3FE2DAEA-37D9-4425-8DB5-BCB38DEE8012}"/>
+              </a:ext>
+            </a:extLst>
+          </p:cNvPr>
+          <p:cNvSpPr txBox="1"/>
+          <p:nvPr/>
+        </p:nvSpPr>
+        <p:spPr>
+          <a:xfrm>
+            <a:off x="1467774" y="2711521"/>
+            <a:ext cx="3568413" cy="369332"/>
           </a:xfrm>
           <a:prstGeom prst="rect">
             <a:avLst/>
           </a:prstGeom>
           <a:noFill/>
-          <a:extLst>
-            <a:ext uri="{909E8E84-426E-40DD-AFC4-6F175D3DCCD1}">
-              <a14:hiddenFill xmlns:a14="http://schemas.microsoft.com/office/drawing/2010/main">
-                <a:solidFill>
-                  <a:srgbClr val="FFFFFF"/>
-                </a:solidFill>
-              </a14:hiddenFill>
-            </a:ext>
-          </a:extLst>
-        </p:spPr>
-      </p:pic>
-      <p:cxnSp>
-        <p:nvCxnSpPr>
-          <p:cNvPr id="5" name="Straight Arrow Connector 4">
-            <a:extLst>
-              <a:ext uri="{FF2B5EF4-FFF2-40B4-BE49-F238E27FC236}">
-                <a16:creationId xmlns:a16="http://schemas.microsoft.com/office/drawing/2014/main" id="{2C6F6864-B1AF-4F22-866B-9FC3BC378C75}"/>
-              </a:ext>
-            </a:extLst>
-          </p:cNvPr>
-          <p:cNvCxnSpPr/>
-          <p:nvPr/>
-        </p:nvCxnSpPr>
-        <p:spPr>
-          <a:xfrm>
-            <a:off x="4765645" y="3906175"/>
-            <a:ext cx="2025772" cy="0"/>
-          </a:xfrm>
-          <a:prstGeom prst="straightConnector1">
-            <a:avLst/>
-          </a:prstGeom>
-          <a:ln>
-            <a:tailEnd type="triangle"/>
-          </a:ln>
-        </p:spPr>
-        <p:style>
-          <a:lnRef idx="1">
-            <a:schemeClr val="accent1"/>
-          </a:lnRef>
-          <a:fillRef idx="0">
-            <a:schemeClr val="accent1"/>
-          </a:fillRef>
-          <a:effectRef idx="0">
-            <a:schemeClr val="accent1"/>
-          </a:effectRef>
-          <a:fontRef idx="minor">
-            <a:schemeClr val="tx1"/>
-          </a:fontRef>
-        </p:style>
-      </p:cxnSp>
-      <p:sp>
-        <p:nvSpPr>
-          <p:cNvPr id="6" name="TextBox 5">
-            <a:extLst>
-              <a:ext uri="{FF2B5EF4-FFF2-40B4-BE49-F238E27FC236}">
-                <a16:creationId xmlns:a16="http://schemas.microsoft.com/office/drawing/2014/main" id="{66D81A60-CCA6-4F83-8D9A-BE445BBB7B5B}"/>
+        </p:spPr>
+        <p:txBody>
+          <a:bodyPr wrap="none" rtlCol="0">
+            <a:spAutoFit/>
+          </a:bodyPr>
+          <a:lstStyle/>
+          <a:p>
+            <a:r>
+              <a:rPr lang="en-US" dirty="0"/>
+              <a:t>Visualization of categorical variables</a:t>
+            </a:r>
+          </a:p>
+        </p:txBody>
+      </p:sp>
+      <p:sp>
+        <p:nvSpPr>
+          <p:cNvPr id="14" name="TextBox 13">
+            <a:extLst>
+              <a:ext uri="{FF2B5EF4-FFF2-40B4-BE49-F238E27FC236}">
+                <a16:creationId xmlns:a16="http://schemas.microsoft.com/office/drawing/2014/main" id="{23055981-E175-43D2-91B7-0357A9145035}"/>
               </a:ext>
             </a:extLst>
           </p:cNvPr>
@@ -5499,8 +5528,8 @@
         </p:nvSpPr>
         <p:spPr>
           <a:xfrm>
-            <a:off x="5101102" y="3244334"/>
-            <a:ext cx="1354858" cy="369332"/>
+            <a:off x="7940007" y="2771916"/>
+            <a:ext cx="1536383" cy="369332"/>
           </a:xfrm>
           <a:prstGeom prst="rect">
             <a:avLst/>
@@ -5515,7 +5544,7 @@
           <a:p>
             <a:r>
               <a:rPr lang="en-US" dirty="0"/>
-              <a:t>Log(1+price)</a:t>
+              <a:t>The predictors</a:t>
             </a:r>
           </a:p>
         </p:txBody>
@@ -5523,7 +5552,7 @@
     </p:spTree>
     <p:extLst>
       <p:ext uri="{BB962C8B-B14F-4D97-AF65-F5344CB8AC3E}">
-        <p14:creationId xmlns:p14="http://schemas.microsoft.com/office/powerpoint/2010/main" val="253564013"/>
+        <p14:creationId xmlns:p14="http://schemas.microsoft.com/office/powerpoint/2010/main" val="3378899260"/>
       </p:ext>
     </p:extLst>
   </p:cSld>
@@ -5575,7 +5604,7 @@
           <a:p>
             <a:r>
               <a:rPr lang="en-US" dirty="0"/>
-              <a:t>Modeling</a:t>
+              <a:t>Data Preparation </a:t>
             </a:r>
           </a:p>
         </p:txBody>
@@ -5599,7 +5628,7 @@
         <p:spPr>
           <a:xfrm>
             <a:off x="838200" y="1464817"/>
-            <a:ext cx="9886026" cy="2627790"/>
+            <a:ext cx="9886026" cy="978380"/>
           </a:xfrm>
         </p:spPr>
         <p:txBody>
@@ -5610,109 +5639,182 @@
           <a:p>
             <a:r>
               <a:rPr lang="en-US" dirty="0"/>
-              <a:t>Regression model with all available predictors</a:t>
+              <a:t>Deal with target variable: price</a:t>
             </a:r>
           </a:p>
           <a:p>
             <a:pPr lvl="1"/>
             <a:r>
               <a:rPr lang="en-US" dirty="0"/>
-              <a:t>Using price or log-transformed price as the target</a:t>
+              <a:t>Logarithm transform to make it more normal distribution</a:t>
             </a:r>
           </a:p>
         </p:txBody>
       </p:sp>
       <p:pic>
         <p:nvPicPr>
-          <p:cNvPr id="7" name="Picture 6">
-            <a:extLst>
-              <a:ext uri="{FF2B5EF4-FFF2-40B4-BE49-F238E27FC236}">
-                <a16:creationId xmlns:a16="http://schemas.microsoft.com/office/drawing/2014/main" id="{DAA79BE7-E6FB-4209-80F4-BA746F6DF7AF}"/>
+          <p:cNvPr id="3074" name="Picture 2">
+            <a:extLst>
+              <a:ext uri="{FF2B5EF4-FFF2-40B4-BE49-F238E27FC236}">
+                <a16:creationId xmlns:a16="http://schemas.microsoft.com/office/drawing/2014/main" id="{A78FC98A-792E-470E-A65B-64FF7C22C572}"/>
               </a:ext>
             </a:extLst>
           </p:cNvPr>
           <p:cNvPicPr>
-            <a:picLocks noChangeAspect="1"/>
+            <a:picLocks noChangeAspect="1" noChangeArrowheads="1"/>
           </p:cNvPicPr>
           <p:nvPr/>
         </p:nvPicPr>
         <p:blipFill>
-          <a:blip r:embed="rId2"/>
+          <a:blip r:embed="rId2">
+            <a:extLst>
+              <a:ext uri="{28A0092B-C50C-407E-A947-70E740481C1C}">
+                <a14:useLocalDpi xmlns:a14="http://schemas.microsoft.com/office/drawing/2010/main" val="0"/>
+              </a:ext>
+            </a:extLst>
+          </a:blip>
+          <a:srcRect/>
           <a:stretch>
             <a:fillRect/>
           </a:stretch>
         </p:blipFill>
-        <p:spPr>
-          <a:xfrm>
-            <a:off x="1982263" y="2428875"/>
-            <a:ext cx="6238875" cy="2000250"/>
+        <p:spPr bwMode="auto">
+          <a:xfrm>
+            <a:off x="1069945" y="2735706"/>
+            <a:ext cx="3695700" cy="2657475"/>
           </a:xfrm>
           <a:prstGeom prst="rect">
             <a:avLst/>
           </a:prstGeom>
+          <a:noFill/>
+          <a:extLst>
+            <a:ext uri="{909E8E84-426E-40DD-AFC4-6F175D3DCCD1}">
+              <a14:hiddenFill xmlns:a14="http://schemas.microsoft.com/office/drawing/2010/main">
+                <a:solidFill>
+                  <a:srgbClr val="FFFFFF"/>
+                </a:solidFill>
+              </a14:hiddenFill>
+            </a:ext>
+          </a:extLst>
         </p:spPr>
       </p:pic>
       <p:pic>
         <p:nvPicPr>
-          <p:cNvPr id="9" name="Picture 8">
-            <a:extLst>
-              <a:ext uri="{FF2B5EF4-FFF2-40B4-BE49-F238E27FC236}">
-                <a16:creationId xmlns:a16="http://schemas.microsoft.com/office/drawing/2014/main" id="{F4C837AB-1755-4ED9-A730-A382F8E033FE}"/>
+          <p:cNvPr id="3076" name="Picture 4">
+            <a:extLst>
+              <a:ext uri="{FF2B5EF4-FFF2-40B4-BE49-F238E27FC236}">
+                <a16:creationId xmlns:a16="http://schemas.microsoft.com/office/drawing/2014/main" id="{3CCFFA7B-3FDB-4B41-8B94-C62AFD056A93}"/>
               </a:ext>
             </a:extLst>
           </p:cNvPr>
           <p:cNvPicPr>
-            <a:picLocks noChangeAspect="1"/>
+            <a:picLocks noChangeAspect="1" noChangeArrowheads="1"/>
           </p:cNvPicPr>
           <p:nvPr/>
         </p:nvPicPr>
         <p:blipFill>
-          <a:blip r:embed="rId3"/>
+          <a:blip r:embed="rId3">
+            <a:extLst>
+              <a:ext uri="{28A0092B-C50C-407E-A947-70E740481C1C}">
+                <a14:useLocalDpi xmlns:a14="http://schemas.microsoft.com/office/drawing/2010/main" val="0"/>
+              </a:ext>
+            </a:extLst>
+          </a:blip>
+          <a:srcRect/>
           <a:stretch>
             <a:fillRect/>
           </a:stretch>
         </p:blipFill>
-        <p:spPr>
-          <a:xfrm>
-            <a:off x="1982263" y="4560811"/>
-            <a:ext cx="6238875" cy="1962150"/>
-          </a:xfrm>
-          <a:prstGeom prst="rect">
-            <a:avLst/>
-          </a:prstGeom>
-        </p:spPr>
-      </p:pic>
-      <p:sp>
-        <p:nvSpPr>
-          <p:cNvPr id="10" name="TextBox 9">
-            <a:extLst>
-              <a:ext uri="{FF2B5EF4-FFF2-40B4-BE49-F238E27FC236}">
-                <a16:creationId xmlns:a16="http://schemas.microsoft.com/office/drawing/2014/main" id="{9D0A10D3-BB3A-4C22-8391-5D5E52CA9284}"/>
-              </a:ext>
-            </a:extLst>
-          </p:cNvPr>
-          <p:cNvSpPr txBox="1"/>
-          <p:nvPr/>
-        </p:nvSpPr>
-        <p:spPr>
-          <a:xfrm>
-            <a:off x="8646651" y="3169277"/>
-            <a:ext cx="2938708" cy="923330"/>
+        <p:spPr bwMode="auto">
+          <a:xfrm>
+            <a:off x="6893696" y="2790380"/>
+            <a:ext cx="3695700" cy="2657475"/>
           </a:xfrm>
           <a:prstGeom prst="rect">
             <a:avLst/>
           </a:prstGeom>
           <a:noFill/>
-        </p:spPr>
-        <p:txBody>
-          <a:bodyPr wrap="square" rtlCol="0">
+          <a:extLst>
+            <a:ext uri="{909E8E84-426E-40DD-AFC4-6F175D3DCCD1}">
+              <a14:hiddenFill xmlns:a14="http://schemas.microsoft.com/office/drawing/2010/main">
+                <a:solidFill>
+                  <a:srgbClr val="FFFFFF"/>
+                </a:solidFill>
+              </a14:hiddenFill>
+            </a:ext>
+          </a:extLst>
+        </p:spPr>
+      </p:pic>
+      <p:cxnSp>
+        <p:nvCxnSpPr>
+          <p:cNvPr id="5" name="Straight Arrow Connector 4">
+            <a:extLst>
+              <a:ext uri="{FF2B5EF4-FFF2-40B4-BE49-F238E27FC236}">
+                <a16:creationId xmlns:a16="http://schemas.microsoft.com/office/drawing/2014/main" id="{2C6F6864-B1AF-4F22-866B-9FC3BC378C75}"/>
+              </a:ext>
+            </a:extLst>
+          </p:cNvPr>
+          <p:cNvCxnSpPr/>
+          <p:nvPr/>
+        </p:nvCxnSpPr>
+        <p:spPr>
+          <a:xfrm>
+            <a:off x="4765645" y="3906175"/>
+            <a:ext cx="2025772" cy="0"/>
+          </a:xfrm>
+          <a:prstGeom prst="straightConnector1">
+            <a:avLst/>
+          </a:prstGeom>
+          <a:ln>
+            <a:tailEnd type="triangle"/>
+          </a:ln>
+        </p:spPr>
+        <p:style>
+          <a:lnRef idx="1">
+            <a:schemeClr val="accent1"/>
+          </a:lnRef>
+          <a:fillRef idx="0">
+            <a:schemeClr val="accent1"/>
+          </a:fillRef>
+          <a:effectRef idx="0">
+            <a:schemeClr val="accent1"/>
+          </a:effectRef>
+          <a:fontRef idx="minor">
+            <a:schemeClr val="tx1"/>
+          </a:fontRef>
+        </p:style>
+      </p:cxnSp>
+      <p:sp>
+        <p:nvSpPr>
+          <p:cNvPr id="6" name="TextBox 5">
+            <a:extLst>
+              <a:ext uri="{FF2B5EF4-FFF2-40B4-BE49-F238E27FC236}">
+                <a16:creationId xmlns:a16="http://schemas.microsoft.com/office/drawing/2014/main" id="{66D81A60-CCA6-4F83-8D9A-BE445BBB7B5B}"/>
+              </a:ext>
+            </a:extLst>
+          </p:cNvPr>
+          <p:cNvSpPr txBox="1"/>
+          <p:nvPr/>
+        </p:nvSpPr>
+        <p:spPr>
+          <a:xfrm>
+            <a:off x="5101102" y="3244334"/>
+            <a:ext cx="1354858" cy="369332"/>
+          </a:xfrm>
+          <a:prstGeom prst="rect">
+            <a:avLst/>
+          </a:prstGeom>
+          <a:noFill/>
+        </p:spPr>
+        <p:txBody>
+          <a:bodyPr wrap="none" rtlCol="0">
             <a:spAutoFit/>
           </a:bodyPr>
           <a:lstStyle/>
           <a:p>
             <a:r>
               <a:rPr lang="en-US" dirty="0"/>
-              <a:t>From R-squared values, it seems log-transformed price is a little better</a:t>
+              <a:t>Log(1+price)</a:t>
             </a:r>
           </a:p>
         </p:txBody>
@@ -5720,7 +5822,7 @@
     </p:spTree>
     <p:extLst>
       <p:ext uri="{BB962C8B-B14F-4D97-AF65-F5344CB8AC3E}">
-        <p14:creationId xmlns:p14="http://schemas.microsoft.com/office/powerpoint/2010/main" val="1602820257"/>
+        <p14:creationId xmlns:p14="http://schemas.microsoft.com/office/powerpoint/2010/main" val="253564013"/>
       </p:ext>
     </p:extLst>
   </p:cSld>
@@ -5807,30 +5909,24 @@
           <a:p>
             <a:r>
               <a:rPr lang="en-US" dirty="0"/>
-              <a:t>Regression model with all predictors </a:t>
-            </a:r>
-            <a:r>
-              <a:rPr lang="en-US" altLang="zh-CN" dirty="0"/>
-              <a:t>that are significantly related to the target: </a:t>
-            </a:r>
-            <a:r>
-              <a:rPr lang="en-US" altLang="zh-CN" i="1" dirty="0"/>
-              <a:t>p</a:t>
-            </a:r>
-            <a:r>
-              <a:rPr lang="en-US" altLang="zh-CN" dirty="0"/>
-              <a:t> &gt; 0.05</a:t>
-            </a:r>
-            <a:endParaRPr lang="en-US" dirty="0"/>
+              <a:t>Regression model with all available predictors</a:t>
+            </a:r>
+          </a:p>
+          <a:p>
+            <a:pPr lvl="1"/>
+            <a:r>
+              <a:rPr lang="en-US" dirty="0"/>
+              <a:t>Using price or log-transformed price as the target</a:t>
+            </a:r>
           </a:p>
         </p:txBody>
       </p:sp>
       <p:pic>
         <p:nvPicPr>
-          <p:cNvPr id="5" name="Picture 4">
-            <a:extLst>
-              <a:ext uri="{FF2B5EF4-FFF2-40B4-BE49-F238E27FC236}">
-                <a16:creationId xmlns:a16="http://schemas.microsoft.com/office/drawing/2014/main" id="{1925D724-B918-4BB4-BC94-5A2FD40F3851}"/>
+          <p:cNvPr id="7" name="Picture 6">
+            <a:extLst>
+              <a:ext uri="{FF2B5EF4-FFF2-40B4-BE49-F238E27FC236}">
+                <a16:creationId xmlns:a16="http://schemas.microsoft.com/office/drawing/2014/main" id="{DAA79BE7-E6FB-4209-80F4-BA746F6DF7AF}"/>
               </a:ext>
             </a:extLst>
           </p:cNvPr>
@@ -5847,114 +5943,20 @@
         </p:blipFill>
         <p:spPr>
           <a:xfrm>
-            <a:off x="1427947" y="2464456"/>
-            <a:ext cx="6410325" cy="3028950"/>
+            <a:off x="1982263" y="2428875"/>
+            <a:ext cx="6238875" cy="2000250"/>
           </a:xfrm>
           <a:prstGeom prst="rect">
             <a:avLst/>
           </a:prstGeom>
         </p:spPr>
       </p:pic>
-      <p:sp>
-        <p:nvSpPr>
-          <p:cNvPr id="6" name="Rectangle 5">
-            <a:extLst>
-              <a:ext uri="{FF2B5EF4-FFF2-40B4-BE49-F238E27FC236}">
-                <a16:creationId xmlns:a16="http://schemas.microsoft.com/office/drawing/2014/main" id="{5364765C-2A82-4358-BC14-4CFBBACE00E8}"/>
-              </a:ext>
-            </a:extLst>
-          </p:cNvPr>
-          <p:cNvSpPr/>
-          <p:nvPr/>
-        </p:nvSpPr>
-        <p:spPr>
-          <a:xfrm>
-            <a:off x="5417744" y="4137434"/>
-            <a:ext cx="434566" cy="325925"/>
-          </a:xfrm>
-          <a:prstGeom prst="rect">
-            <a:avLst/>
-          </a:prstGeom>
-          <a:noFill/>
-          <a:ln>
-            <a:solidFill>
-              <a:srgbClr val="FF0000"/>
-            </a:solidFill>
-          </a:ln>
-        </p:spPr>
-        <p:style>
-          <a:lnRef idx="2">
-            <a:schemeClr val="accent1">
-              <a:shade val="50000"/>
-            </a:schemeClr>
-          </a:lnRef>
-          <a:fillRef idx="1">
-            <a:schemeClr val="accent1"/>
-          </a:fillRef>
-          <a:effectRef idx="0">
-            <a:schemeClr val="accent1"/>
-          </a:effectRef>
-          <a:fontRef idx="minor">
-            <a:schemeClr val="lt1"/>
-          </a:fontRef>
-        </p:style>
-        <p:txBody>
-          <a:bodyPr rtlCol="0" anchor="ctr"/>
-          <a:lstStyle/>
-          <a:p>
-            <a:pPr algn="ctr"/>
-            <a:endParaRPr lang="en-US">
-              <a:ln>
-                <a:solidFill>
-                  <a:srgbClr val="FF0000"/>
-                </a:solidFill>
-              </a:ln>
-              <a:noFill/>
-            </a:endParaRPr>
-          </a:p>
-        </p:txBody>
-      </p:sp>
-      <p:sp>
-        <p:nvSpPr>
-          <p:cNvPr id="12" name="TextBox 11">
-            <a:extLst>
-              <a:ext uri="{FF2B5EF4-FFF2-40B4-BE49-F238E27FC236}">
-                <a16:creationId xmlns:a16="http://schemas.microsoft.com/office/drawing/2014/main" id="{2E20F769-DE0B-4B9C-A2F7-8D207D672E6B}"/>
-              </a:ext>
-            </a:extLst>
-          </p:cNvPr>
-          <p:cNvSpPr txBox="1"/>
-          <p:nvPr/>
-        </p:nvSpPr>
-        <p:spPr>
-          <a:xfrm>
-            <a:off x="8052775" y="2421048"/>
-            <a:ext cx="2006062" cy="369332"/>
-          </a:xfrm>
-          <a:prstGeom prst="rect">
-            <a:avLst/>
-          </a:prstGeom>
-          <a:noFill/>
-        </p:spPr>
-        <p:txBody>
-          <a:bodyPr wrap="none" rtlCol="0">
-            <a:spAutoFit/>
-          </a:bodyPr>
-          <a:lstStyle/>
-          <a:p>
-            <a:r>
-              <a:rPr lang="en-US" dirty="0"/>
-              <a:t>Predictors: 68 -&gt; 56</a:t>
-            </a:r>
-          </a:p>
-        </p:txBody>
-      </p:sp>
       <p:pic>
         <p:nvPicPr>
-          <p:cNvPr id="14" name="Picture 13">
-            <a:extLst>
-              <a:ext uri="{FF2B5EF4-FFF2-40B4-BE49-F238E27FC236}">
-                <a16:creationId xmlns:a16="http://schemas.microsoft.com/office/drawing/2014/main" id="{01FBA698-1BE8-489C-ABCD-D1F988189161}"/>
+          <p:cNvPr id="9" name="Picture 8">
+            <a:extLst>
+              <a:ext uri="{FF2B5EF4-FFF2-40B4-BE49-F238E27FC236}">
+                <a16:creationId xmlns:a16="http://schemas.microsoft.com/office/drawing/2014/main" id="{F4C837AB-1755-4ED9-A730-A382F8E033FE}"/>
               </a:ext>
             </a:extLst>
           </p:cNvPr>
@@ -5971,18 +5973,53 @@
         </p:blipFill>
         <p:spPr>
           <a:xfrm>
-            <a:off x="7905073" y="2865846"/>
-            <a:ext cx="3800475" cy="2543175"/>
+            <a:off x="1982263" y="4560811"/>
+            <a:ext cx="6238875" cy="1962150"/>
           </a:xfrm>
           <a:prstGeom prst="rect">
             <a:avLst/>
           </a:prstGeom>
         </p:spPr>
       </p:pic>
+      <p:sp>
+        <p:nvSpPr>
+          <p:cNvPr id="10" name="TextBox 9">
+            <a:extLst>
+              <a:ext uri="{FF2B5EF4-FFF2-40B4-BE49-F238E27FC236}">
+                <a16:creationId xmlns:a16="http://schemas.microsoft.com/office/drawing/2014/main" id="{9D0A10D3-BB3A-4C22-8391-5D5E52CA9284}"/>
+              </a:ext>
+            </a:extLst>
+          </p:cNvPr>
+          <p:cNvSpPr txBox="1"/>
+          <p:nvPr/>
+        </p:nvSpPr>
+        <p:spPr>
+          <a:xfrm>
+            <a:off x="8646651" y="3169277"/>
+            <a:ext cx="2938708" cy="923330"/>
+          </a:xfrm>
+          <a:prstGeom prst="rect">
+            <a:avLst/>
+          </a:prstGeom>
+          <a:noFill/>
+        </p:spPr>
+        <p:txBody>
+          <a:bodyPr wrap="square" rtlCol="0">
+            <a:spAutoFit/>
+          </a:bodyPr>
+          <a:lstStyle/>
+          <a:p>
+            <a:r>
+              <a:rPr lang="en-US" dirty="0"/>
+              <a:t>From R-squared values, it seems log-transformed price is a little better</a:t>
+            </a:r>
+          </a:p>
+        </p:txBody>
+      </p:sp>
     </p:spTree>
     <p:extLst>
       <p:ext uri="{BB962C8B-B14F-4D97-AF65-F5344CB8AC3E}">
-        <p14:creationId xmlns:p14="http://schemas.microsoft.com/office/powerpoint/2010/main" val="622080402"/>
+        <p14:creationId xmlns:p14="http://schemas.microsoft.com/office/powerpoint/2010/main" val="1602820257"/>
       </p:ext>
     </p:extLst>
   </p:cSld>
@@ -6069,60 +6106,30 @@
           <a:p>
             <a:r>
               <a:rPr lang="en-US" dirty="0"/>
-              <a:t>Regression model </a:t>
+              <a:t>Regression model with all predictors </a:t>
             </a:r>
             <a:r>
               <a:rPr lang="en-US" altLang="zh-CN" dirty="0"/>
-              <a:t>after further excluding some </a:t>
-            </a:r>
-            <a:r>
-              <a:rPr lang="en-US" dirty="0"/>
-              <a:t>predictors with high collinearity</a:t>
-            </a:r>
-          </a:p>
-        </p:txBody>
-      </p:sp>
-      <p:sp>
-        <p:nvSpPr>
-          <p:cNvPr id="11" name="TextBox 10">
-            <a:extLst>
-              <a:ext uri="{FF2B5EF4-FFF2-40B4-BE49-F238E27FC236}">
-                <a16:creationId xmlns:a16="http://schemas.microsoft.com/office/drawing/2014/main" id="{0CCC959C-D5F5-42DE-A3CD-31AAB6A62023}"/>
-              </a:ext>
-            </a:extLst>
-          </p:cNvPr>
-          <p:cNvSpPr txBox="1"/>
-          <p:nvPr/>
-        </p:nvSpPr>
-        <p:spPr>
-          <a:xfrm>
-            <a:off x="5559417" y="2126320"/>
-            <a:ext cx="2006062" cy="369332"/>
-          </a:xfrm>
-          <a:prstGeom prst="rect">
-            <a:avLst/>
-          </a:prstGeom>
-          <a:noFill/>
-        </p:spPr>
-        <p:txBody>
-          <a:bodyPr wrap="none" rtlCol="0">
-            <a:spAutoFit/>
-          </a:bodyPr>
-          <a:lstStyle/>
-          <a:p>
-            <a:r>
-              <a:rPr lang="en-US" dirty="0"/>
-              <a:t>Predictors: 56 -&gt; 30</a:t>
-            </a:r>
+              <a:t>that are significantly related to the target: </a:t>
+            </a:r>
+            <a:r>
+              <a:rPr lang="en-US" altLang="zh-CN" i="1" dirty="0"/>
+              <a:t>p</a:t>
+            </a:r>
+            <a:r>
+              <a:rPr lang="en-US" altLang="zh-CN" dirty="0"/>
+              <a:t> &gt; 0.05</a:t>
+            </a:r>
+            <a:endParaRPr lang="en-US" dirty="0"/>
           </a:p>
         </p:txBody>
       </p:sp>
       <p:pic>
         <p:nvPicPr>
-          <p:cNvPr id="10" name="Picture 9">
-            <a:extLst>
-              <a:ext uri="{FF2B5EF4-FFF2-40B4-BE49-F238E27FC236}">
-                <a16:creationId xmlns:a16="http://schemas.microsoft.com/office/drawing/2014/main" id="{97A51E57-3B78-4D5C-8B2A-E789633ED63A}"/>
+          <p:cNvPr id="5" name="Picture 4">
+            <a:extLst>
+              <a:ext uri="{FF2B5EF4-FFF2-40B4-BE49-F238E27FC236}">
+                <a16:creationId xmlns:a16="http://schemas.microsoft.com/office/drawing/2014/main" id="{1925D724-B918-4BB4-BC94-5A2FD40F3851}"/>
               </a:ext>
             </a:extLst>
           </p:cNvPr>
@@ -6139,20 +6146,114 @@
         </p:blipFill>
         <p:spPr>
           <a:xfrm>
-            <a:off x="7889233" y="2032973"/>
-            <a:ext cx="1275481" cy="4459902"/>
+            <a:off x="1427947" y="2464456"/>
+            <a:ext cx="6410325" cy="3028950"/>
           </a:xfrm>
           <a:prstGeom prst="rect">
             <a:avLst/>
           </a:prstGeom>
         </p:spPr>
       </p:pic>
+      <p:sp>
+        <p:nvSpPr>
+          <p:cNvPr id="6" name="Rectangle 5">
+            <a:extLst>
+              <a:ext uri="{FF2B5EF4-FFF2-40B4-BE49-F238E27FC236}">
+                <a16:creationId xmlns:a16="http://schemas.microsoft.com/office/drawing/2014/main" id="{5364765C-2A82-4358-BC14-4CFBBACE00E8}"/>
+              </a:ext>
+            </a:extLst>
+          </p:cNvPr>
+          <p:cNvSpPr/>
+          <p:nvPr/>
+        </p:nvSpPr>
+        <p:spPr>
+          <a:xfrm>
+            <a:off x="5417744" y="4137434"/>
+            <a:ext cx="434566" cy="325925"/>
+          </a:xfrm>
+          <a:prstGeom prst="rect">
+            <a:avLst/>
+          </a:prstGeom>
+          <a:noFill/>
+          <a:ln>
+            <a:solidFill>
+              <a:srgbClr val="FF0000"/>
+            </a:solidFill>
+          </a:ln>
+        </p:spPr>
+        <p:style>
+          <a:lnRef idx="2">
+            <a:schemeClr val="accent1">
+              <a:shade val="50000"/>
+            </a:schemeClr>
+          </a:lnRef>
+          <a:fillRef idx="1">
+            <a:schemeClr val="accent1"/>
+          </a:fillRef>
+          <a:effectRef idx="0">
+            <a:schemeClr val="accent1"/>
+          </a:effectRef>
+          <a:fontRef idx="minor">
+            <a:schemeClr val="lt1"/>
+          </a:fontRef>
+        </p:style>
+        <p:txBody>
+          <a:bodyPr rtlCol="0" anchor="ctr"/>
+          <a:lstStyle/>
+          <a:p>
+            <a:pPr algn="ctr"/>
+            <a:endParaRPr lang="en-US">
+              <a:ln>
+                <a:solidFill>
+                  <a:srgbClr val="FF0000"/>
+                </a:solidFill>
+              </a:ln>
+              <a:noFill/>
+            </a:endParaRPr>
+          </a:p>
+        </p:txBody>
+      </p:sp>
+      <p:sp>
+        <p:nvSpPr>
+          <p:cNvPr id="12" name="TextBox 11">
+            <a:extLst>
+              <a:ext uri="{FF2B5EF4-FFF2-40B4-BE49-F238E27FC236}">
+                <a16:creationId xmlns:a16="http://schemas.microsoft.com/office/drawing/2014/main" id="{2E20F769-DE0B-4B9C-A2F7-8D207D672E6B}"/>
+              </a:ext>
+            </a:extLst>
+          </p:cNvPr>
+          <p:cNvSpPr txBox="1"/>
+          <p:nvPr/>
+        </p:nvSpPr>
+        <p:spPr>
+          <a:xfrm>
+            <a:off x="8052775" y="2421048"/>
+            <a:ext cx="2006062" cy="369332"/>
+          </a:xfrm>
+          <a:prstGeom prst="rect">
+            <a:avLst/>
+          </a:prstGeom>
+          <a:noFill/>
+        </p:spPr>
+        <p:txBody>
+          <a:bodyPr wrap="none" rtlCol="0">
+            <a:spAutoFit/>
+          </a:bodyPr>
+          <a:lstStyle/>
+          <a:p>
+            <a:r>
+              <a:rPr lang="en-US" dirty="0"/>
+              <a:t>Predictors: 68 -&gt; 56</a:t>
+            </a:r>
+          </a:p>
+        </p:txBody>
+      </p:sp>
       <p:pic>
         <p:nvPicPr>
-          <p:cNvPr id="15" name="Picture 14">
-            <a:extLst>
-              <a:ext uri="{FF2B5EF4-FFF2-40B4-BE49-F238E27FC236}">
-                <a16:creationId xmlns:a16="http://schemas.microsoft.com/office/drawing/2014/main" id="{41683DB5-4821-4ABA-9A6E-02A2869B59F9}"/>
+          <p:cNvPr id="14" name="Picture 13">
+            <a:extLst>
+              <a:ext uri="{FF2B5EF4-FFF2-40B4-BE49-F238E27FC236}">
+                <a16:creationId xmlns:a16="http://schemas.microsoft.com/office/drawing/2014/main" id="{01FBA698-1BE8-489C-ABCD-D1F988189161}"/>
               </a:ext>
             </a:extLst>
           </p:cNvPr>
@@ -6169,8 +6270,8 @@
         </p:blipFill>
         <p:spPr>
           <a:xfrm>
-            <a:off x="2354943" y="2530025"/>
-            <a:ext cx="4904716" cy="3328200"/>
+            <a:off x="7905073" y="2865846"/>
+            <a:ext cx="3800475" cy="2543175"/>
           </a:xfrm>
           <a:prstGeom prst="rect">
             <a:avLst/>
@@ -6180,7 +6281,7 @@
     </p:spTree>
     <p:extLst>
       <p:ext uri="{BB962C8B-B14F-4D97-AF65-F5344CB8AC3E}">
-        <p14:creationId xmlns:p14="http://schemas.microsoft.com/office/powerpoint/2010/main" val="673778411"/>
+        <p14:creationId xmlns:p14="http://schemas.microsoft.com/office/powerpoint/2010/main" val="622080402"/>
       </p:ext>
     </p:extLst>
   </p:cSld>

--- a/Presentation_project2.pptx
+++ b/Presentation_project2.pptx
@@ -270,7 +270,7 @@
           <a:p>
             <a:fld id="{5ADCAF40-A17B-4AB4-99A9-34899C3DDED5}" type="datetimeFigureOut">
               <a:rPr lang="en-US" smtClean="0"/>
-              <a:t>11/24/2021</a:t>
+              <a:t>11/29/2021</a:t>
             </a:fld>
             <a:endParaRPr lang="en-US"/>
           </a:p>
@@ -468,7 +468,7 @@
           <a:p>
             <a:fld id="{5ADCAF40-A17B-4AB4-99A9-34899C3DDED5}" type="datetimeFigureOut">
               <a:rPr lang="en-US" smtClean="0"/>
-              <a:t>11/24/2021</a:t>
+              <a:t>11/29/2021</a:t>
             </a:fld>
             <a:endParaRPr lang="en-US"/>
           </a:p>
@@ -676,7 +676,7 @@
           <a:p>
             <a:fld id="{5ADCAF40-A17B-4AB4-99A9-34899C3DDED5}" type="datetimeFigureOut">
               <a:rPr lang="en-US" smtClean="0"/>
-              <a:t>11/24/2021</a:t>
+              <a:t>11/29/2021</a:t>
             </a:fld>
             <a:endParaRPr lang="en-US"/>
           </a:p>
@@ -874,7 +874,7 @@
           <a:p>
             <a:fld id="{5ADCAF40-A17B-4AB4-99A9-34899C3DDED5}" type="datetimeFigureOut">
               <a:rPr lang="en-US" smtClean="0"/>
-              <a:t>11/24/2021</a:t>
+              <a:t>11/29/2021</a:t>
             </a:fld>
             <a:endParaRPr lang="en-US"/>
           </a:p>
@@ -1149,7 +1149,7 @@
           <a:p>
             <a:fld id="{5ADCAF40-A17B-4AB4-99A9-34899C3DDED5}" type="datetimeFigureOut">
               <a:rPr lang="en-US" smtClean="0"/>
-              <a:t>11/24/2021</a:t>
+              <a:t>11/29/2021</a:t>
             </a:fld>
             <a:endParaRPr lang="en-US"/>
           </a:p>
@@ -1414,7 +1414,7 @@
           <a:p>
             <a:fld id="{5ADCAF40-A17B-4AB4-99A9-34899C3DDED5}" type="datetimeFigureOut">
               <a:rPr lang="en-US" smtClean="0"/>
-              <a:t>11/24/2021</a:t>
+              <a:t>11/29/2021</a:t>
             </a:fld>
             <a:endParaRPr lang="en-US"/>
           </a:p>
@@ -1826,7 +1826,7 @@
           <a:p>
             <a:fld id="{5ADCAF40-A17B-4AB4-99A9-34899C3DDED5}" type="datetimeFigureOut">
               <a:rPr lang="en-US" smtClean="0"/>
-              <a:t>11/24/2021</a:t>
+              <a:t>11/29/2021</a:t>
             </a:fld>
             <a:endParaRPr lang="en-US"/>
           </a:p>
@@ -1967,7 +1967,7 @@
           <a:p>
             <a:fld id="{5ADCAF40-A17B-4AB4-99A9-34899C3DDED5}" type="datetimeFigureOut">
               <a:rPr lang="en-US" smtClean="0"/>
-              <a:t>11/24/2021</a:t>
+              <a:t>11/29/2021</a:t>
             </a:fld>
             <a:endParaRPr lang="en-US"/>
           </a:p>
@@ -2080,7 +2080,7 @@
           <a:p>
             <a:fld id="{5ADCAF40-A17B-4AB4-99A9-34899C3DDED5}" type="datetimeFigureOut">
               <a:rPr lang="en-US" smtClean="0"/>
-              <a:t>11/24/2021</a:t>
+              <a:t>11/29/2021</a:t>
             </a:fld>
             <a:endParaRPr lang="en-US"/>
           </a:p>
@@ -2391,7 +2391,7 @@
           <a:p>
             <a:fld id="{5ADCAF40-A17B-4AB4-99A9-34899C3DDED5}" type="datetimeFigureOut">
               <a:rPr lang="en-US" smtClean="0"/>
-              <a:t>11/24/2021</a:t>
+              <a:t>11/29/2021</a:t>
             </a:fld>
             <a:endParaRPr lang="en-US"/>
           </a:p>
@@ -2679,7 +2679,7 @@
           <a:p>
             <a:fld id="{5ADCAF40-A17B-4AB4-99A9-34899C3DDED5}" type="datetimeFigureOut">
               <a:rPr lang="en-US" smtClean="0"/>
-              <a:t>11/24/2021</a:t>
+              <a:t>11/29/2021</a:t>
             </a:fld>
             <a:endParaRPr lang="en-US"/>
           </a:p>
@@ -2920,7 +2920,7 @@
           <a:p>
             <a:fld id="{5ADCAF40-A17B-4AB4-99A9-34899C3DDED5}" type="datetimeFigureOut">
               <a:rPr lang="en-US" smtClean="0"/>
-              <a:t>11/24/2021</a:t>
+              <a:t>11/29/2021</a:t>
             </a:fld>
             <a:endParaRPr lang="en-US"/>
           </a:p>
@@ -3653,7 +3653,7 @@
           <a:p>
             <a:r>
               <a:rPr lang="en-US" dirty="0"/>
-              <a:t>Regression model evaluation</a:t>
+              <a:t>Model evaluation</a:t>
             </a:r>
           </a:p>
         </p:txBody>
@@ -3695,14 +3695,14 @@
             <a:pPr lvl="1"/>
             <a:r>
               <a:rPr lang="fr-FR" dirty="0"/>
-              <a:t>Train score:      0.4465</a:t>
+              <a:t>Train score:  0.4465</a:t>
             </a:r>
           </a:p>
           <a:p>
             <a:pPr lvl="1"/>
             <a:r>
               <a:rPr lang="fr-FR" dirty="0"/>
-              <a:t>Validation score: 0.4501</a:t>
+              <a:t>Test score:  0.4501</a:t>
             </a:r>
           </a:p>
         </p:txBody>
@@ -3813,7 +3813,7 @@
                 <a:ea typeface="+mn-ea"/>
                 <a:cs typeface="+mn-cs"/>
               </a:rPr>
-              <a:t>Mean squared error, root mean squared error, mean absolute error, and Mean absolute error</a:t>
+              <a:t>Mean squared error, root mean squared error, mean absolute error, and R-squared value</a:t>
             </a:r>
           </a:p>
           <a:p>
@@ -4209,25 +4209,7 @@
                 </a:solidFill>
                 <a:effectLst/>
               </a:rPr>
-              <a:t>For some </a:t>
-            </a:r>
-            <a:r>
-              <a:rPr lang="en-US" i="0" dirty="0" err="1">
-                <a:solidFill>
-                  <a:srgbClr val="000000"/>
-                </a:solidFill>
-                <a:effectLst/>
-              </a:rPr>
-              <a:t>zipcode</a:t>
-            </a:r>
-            <a:r>
-              <a:rPr lang="en-US" i="0" dirty="0">
-                <a:solidFill>
-                  <a:srgbClr val="000000"/>
-                </a:solidFill>
-                <a:effectLst/>
-              </a:rPr>
-              <a:t>, e.g., 98100 and 98110, they have high positive relationships with the price</a:t>
+              <a:t>For some zip codes, e.g., 98100 and 98110, they have high positive relationships with the price</a:t>
             </a:r>
           </a:p>
           <a:p>
@@ -4438,7 +4420,15 @@
           <a:p>
             <a:r>
               <a:rPr lang="en-US" dirty="0"/>
-              <a:t>A linear regression model will be built based on the selected house characteristics to achieve the goal of the project</a:t>
+              <a:t>A linear regression model </a:t>
+            </a:r>
+            <a:r>
+              <a:rPr lang="en-US" altLang="zh-CN" dirty="0"/>
+              <a:t>is </a:t>
+            </a:r>
+            <a:r>
+              <a:rPr lang="en-US" dirty="0"/>
+              <a:t>built based on the selected house characteristics to achieve the aim of the project</a:t>
             </a:r>
           </a:p>
           <a:p>
@@ -5095,7 +5085,7 @@
           <a:p>
             <a:r>
               <a:rPr lang="en-US" dirty="0"/>
-              <a:t>Deal with null values: </a:t>
+              <a:t>Deal with missing values: </a:t>
             </a:r>
           </a:p>
           <a:p>
@@ -6118,7 +6108,7 @@
             </a:r>
             <a:r>
               <a:rPr lang="en-US" altLang="zh-CN" dirty="0"/>
-              <a:t> &gt; 0.05</a:t>
+              <a:t> &lt; 0.05</a:t>
             </a:r>
             <a:endParaRPr lang="en-US" dirty="0"/>
           </a:p>

--- a/Presentation_project2.pptx
+++ b/Presentation_project2.pptx
@@ -10,13 +10,9 @@
     <p:sldId id="279" r:id="rId4"/>
     <p:sldId id="258" r:id="rId5"/>
     <p:sldId id="269" r:id="rId6"/>
-    <p:sldId id="270" r:id="rId7"/>
-    <p:sldId id="271" r:id="rId8"/>
-    <p:sldId id="272" r:id="rId9"/>
-    <p:sldId id="273" r:id="rId10"/>
-    <p:sldId id="274" r:id="rId11"/>
-    <p:sldId id="277" r:id="rId12"/>
-    <p:sldId id="278" r:id="rId13"/>
+    <p:sldId id="274" r:id="rId7"/>
+    <p:sldId id="277" r:id="rId8"/>
+    <p:sldId id="278" r:id="rId9"/>
   </p:sldIdLst>
   <p:sldSz cx="12192000" cy="6858000"/>
   <p:notesSz cx="6858000" cy="9144000"/>
@@ -270,7 +266,7 @@
           <a:p>
             <a:fld id="{5ADCAF40-A17B-4AB4-99A9-34899C3DDED5}" type="datetimeFigureOut">
               <a:rPr lang="en-US" smtClean="0"/>
-              <a:t>11/29/2021</a:t>
+              <a:t>12/6/2021</a:t>
             </a:fld>
             <a:endParaRPr lang="en-US"/>
           </a:p>
@@ -468,7 +464,7 @@
           <a:p>
             <a:fld id="{5ADCAF40-A17B-4AB4-99A9-34899C3DDED5}" type="datetimeFigureOut">
               <a:rPr lang="en-US" smtClean="0"/>
-              <a:t>11/29/2021</a:t>
+              <a:t>12/6/2021</a:t>
             </a:fld>
             <a:endParaRPr lang="en-US"/>
           </a:p>
@@ -676,7 +672,7 @@
           <a:p>
             <a:fld id="{5ADCAF40-A17B-4AB4-99A9-34899C3DDED5}" type="datetimeFigureOut">
               <a:rPr lang="en-US" smtClean="0"/>
-              <a:t>11/29/2021</a:t>
+              <a:t>12/6/2021</a:t>
             </a:fld>
             <a:endParaRPr lang="en-US"/>
           </a:p>
@@ -874,7 +870,7 @@
           <a:p>
             <a:fld id="{5ADCAF40-A17B-4AB4-99A9-34899C3DDED5}" type="datetimeFigureOut">
               <a:rPr lang="en-US" smtClean="0"/>
-              <a:t>11/29/2021</a:t>
+              <a:t>12/6/2021</a:t>
             </a:fld>
             <a:endParaRPr lang="en-US"/>
           </a:p>
@@ -1149,7 +1145,7 @@
           <a:p>
             <a:fld id="{5ADCAF40-A17B-4AB4-99A9-34899C3DDED5}" type="datetimeFigureOut">
               <a:rPr lang="en-US" smtClean="0"/>
-              <a:t>11/29/2021</a:t>
+              <a:t>12/6/2021</a:t>
             </a:fld>
             <a:endParaRPr lang="en-US"/>
           </a:p>
@@ -1414,7 +1410,7 @@
           <a:p>
             <a:fld id="{5ADCAF40-A17B-4AB4-99A9-34899C3DDED5}" type="datetimeFigureOut">
               <a:rPr lang="en-US" smtClean="0"/>
-              <a:t>11/29/2021</a:t>
+              <a:t>12/6/2021</a:t>
             </a:fld>
             <a:endParaRPr lang="en-US"/>
           </a:p>
@@ -1826,7 +1822,7 @@
           <a:p>
             <a:fld id="{5ADCAF40-A17B-4AB4-99A9-34899C3DDED5}" type="datetimeFigureOut">
               <a:rPr lang="en-US" smtClean="0"/>
-              <a:t>11/29/2021</a:t>
+              <a:t>12/6/2021</a:t>
             </a:fld>
             <a:endParaRPr lang="en-US"/>
           </a:p>
@@ -1967,7 +1963,7 @@
           <a:p>
             <a:fld id="{5ADCAF40-A17B-4AB4-99A9-34899C3DDED5}" type="datetimeFigureOut">
               <a:rPr lang="en-US" smtClean="0"/>
-              <a:t>11/29/2021</a:t>
+              <a:t>12/6/2021</a:t>
             </a:fld>
             <a:endParaRPr lang="en-US"/>
           </a:p>
@@ -2080,7 +2076,7 @@
           <a:p>
             <a:fld id="{5ADCAF40-A17B-4AB4-99A9-34899C3DDED5}" type="datetimeFigureOut">
               <a:rPr lang="en-US" smtClean="0"/>
-              <a:t>11/29/2021</a:t>
+              <a:t>12/6/2021</a:t>
             </a:fld>
             <a:endParaRPr lang="en-US"/>
           </a:p>
@@ -2391,7 +2387,7 @@
           <a:p>
             <a:fld id="{5ADCAF40-A17B-4AB4-99A9-34899C3DDED5}" type="datetimeFigureOut">
               <a:rPr lang="en-US" smtClean="0"/>
-              <a:t>11/29/2021</a:t>
+              <a:t>12/6/2021</a:t>
             </a:fld>
             <a:endParaRPr lang="en-US"/>
           </a:p>
@@ -2679,7 +2675,7 @@
           <a:p>
             <a:fld id="{5ADCAF40-A17B-4AB4-99A9-34899C3DDED5}" type="datetimeFigureOut">
               <a:rPr lang="en-US" smtClean="0"/>
-              <a:t>11/29/2021</a:t>
+              <a:t>12/6/2021</a:t>
             </a:fld>
             <a:endParaRPr lang="en-US"/>
           </a:p>
@@ -2920,7 +2916,7 @@
           <a:p>
             <a:fld id="{5ADCAF40-A17B-4AB4-99A9-34899C3DDED5}" type="datetimeFigureOut">
               <a:rPr lang="en-US" smtClean="0"/>
-              <a:t>11/29/2021</a:t>
+              <a:t>12/6/2021</a:t>
             </a:fld>
             <a:endParaRPr lang="en-US"/>
           </a:p>
@@ -3413,889 +3409,6 @@
 </p:sld>
 </file>
 
-<file path=ppt/slides/slide10.xml><?xml version="1.0" encoding="utf-8"?>
-<p:sld xmlns:a="http://schemas.openxmlformats.org/drawingml/2006/main" xmlns:r="http://schemas.openxmlformats.org/officeDocument/2006/relationships" xmlns:p="http://schemas.openxmlformats.org/presentationml/2006/main">
-  <p:cSld>
-    <p:spTree>
-      <p:nvGrpSpPr>
-        <p:cNvPr id="1" name=""/>
-        <p:cNvGrpSpPr/>
-        <p:nvPr/>
-      </p:nvGrpSpPr>
-      <p:grpSpPr>
-        <a:xfrm>
-          <a:off x="0" y="0"/>
-          <a:ext cx="0" cy="0"/>
-          <a:chOff x="0" y="0"/>
-          <a:chExt cx="0" cy="0"/>
-        </a:xfrm>
-      </p:grpSpPr>
-      <p:sp>
-        <p:nvSpPr>
-          <p:cNvPr id="2" name="Title 1">
-            <a:extLst>
-              <a:ext uri="{FF2B5EF4-FFF2-40B4-BE49-F238E27FC236}">
-                <a16:creationId xmlns:a16="http://schemas.microsoft.com/office/drawing/2014/main" id="{3EEABC5C-2CB9-46E0-9FCD-F3E594B602B9}"/>
-              </a:ext>
-            </a:extLst>
-          </p:cNvPr>
-          <p:cNvSpPr>
-            <a:spLocks noGrp="1"/>
-          </p:cNvSpPr>
-          <p:nvPr>
-            <p:ph type="title"/>
-          </p:nvPr>
-        </p:nvSpPr>
-        <p:spPr/>
-        <p:txBody>
-          <a:bodyPr>
-            <a:normAutofit/>
-          </a:bodyPr>
-          <a:lstStyle/>
-          <a:p>
-            <a:r>
-              <a:rPr lang="en-US" dirty="0"/>
-              <a:t>Modeling</a:t>
-            </a:r>
-          </a:p>
-        </p:txBody>
-      </p:sp>
-      <p:sp>
-        <p:nvSpPr>
-          <p:cNvPr id="3" name="Content Placeholder 2">
-            <a:extLst>
-              <a:ext uri="{FF2B5EF4-FFF2-40B4-BE49-F238E27FC236}">
-                <a16:creationId xmlns:a16="http://schemas.microsoft.com/office/drawing/2014/main" id="{93A47A69-2809-4CAB-AF37-EB483D3F61A7}"/>
-              </a:ext>
-            </a:extLst>
-          </p:cNvPr>
-          <p:cNvSpPr>
-            <a:spLocks noGrp="1"/>
-          </p:cNvSpPr>
-          <p:nvPr>
-            <p:ph idx="1"/>
-          </p:nvPr>
-        </p:nvSpPr>
-        <p:spPr>
-          <a:xfrm>
-            <a:off x="838200" y="1464817"/>
-            <a:ext cx="9886026" cy="2627790"/>
-          </a:xfrm>
-        </p:spPr>
-        <p:txBody>
-          <a:bodyPr>
-            <a:normAutofit/>
-          </a:bodyPr>
-          <a:lstStyle/>
-          <a:p>
-            <a:r>
-              <a:rPr lang="en-US" dirty="0"/>
-              <a:t>Regression model </a:t>
-            </a:r>
-            <a:r>
-              <a:rPr lang="en-US" altLang="zh-CN" dirty="0"/>
-              <a:t>after further excluding some </a:t>
-            </a:r>
-            <a:r>
-              <a:rPr lang="en-US" dirty="0"/>
-              <a:t>predictors with high collinearity</a:t>
-            </a:r>
-          </a:p>
-        </p:txBody>
-      </p:sp>
-      <p:sp>
-        <p:nvSpPr>
-          <p:cNvPr id="11" name="TextBox 10">
-            <a:extLst>
-              <a:ext uri="{FF2B5EF4-FFF2-40B4-BE49-F238E27FC236}">
-                <a16:creationId xmlns:a16="http://schemas.microsoft.com/office/drawing/2014/main" id="{0CCC959C-D5F5-42DE-A3CD-31AAB6A62023}"/>
-              </a:ext>
-            </a:extLst>
-          </p:cNvPr>
-          <p:cNvSpPr txBox="1"/>
-          <p:nvPr/>
-        </p:nvSpPr>
-        <p:spPr>
-          <a:xfrm>
-            <a:off x="5559417" y="2126320"/>
-            <a:ext cx="2006062" cy="369332"/>
-          </a:xfrm>
-          <a:prstGeom prst="rect">
-            <a:avLst/>
-          </a:prstGeom>
-          <a:noFill/>
-        </p:spPr>
-        <p:txBody>
-          <a:bodyPr wrap="none" rtlCol="0">
-            <a:spAutoFit/>
-          </a:bodyPr>
-          <a:lstStyle/>
-          <a:p>
-            <a:r>
-              <a:rPr lang="en-US" dirty="0"/>
-              <a:t>Predictors: 56 -&gt; 30</a:t>
-            </a:r>
-          </a:p>
-        </p:txBody>
-      </p:sp>
-      <p:pic>
-        <p:nvPicPr>
-          <p:cNvPr id="10" name="Picture 9">
-            <a:extLst>
-              <a:ext uri="{FF2B5EF4-FFF2-40B4-BE49-F238E27FC236}">
-                <a16:creationId xmlns:a16="http://schemas.microsoft.com/office/drawing/2014/main" id="{97A51E57-3B78-4D5C-8B2A-E789633ED63A}"/>
-              </a:ext>
-            </a:extLst>
-          </p:cNvPr>
-          <p:cNvPicPr>
-            <a:picLocks noChangeAspect="1"/>
-          </p:cNvPicPr>
-          <p:nvPr/>
-        </p:nvPicPr>
-        <p:blipFill>
-          <a:blip r:embed="rId2"/>
-          <a:stretch>
-            <a:fillRect/>
-          </a:stretch>
-        </p:blipFill>
-        <p:spPr>
-          <a:xfrm>
-            <a:off x="7889233" y="2032973"/>
-            <a:ext cx="1275481" cy="4459902"/>
-          </a:xfrm>
-          <a:prstGeom prst="rect">
-            <a:avLst/>
-          </a:prstGeom>
-        </p:spPr>
-      </p:pic>
-      <p:pic>
-        <p:nvPicPr>
-          <p:cNvPr id="15" name="Picture 14">
-            <a:extLst>
-              <a:ext uri="{FF2B5EF4-FFF2-40B4-BE49-F238E27FC236}">
-                <a16:creationId xmlns:a16="http://schemas.microsoft.com/office/drawing/2014/main" id="{41683DB5-4821-4ABA-9A6E-02A2869B59F9}"/>
-              </a:ext>
-            </a:extLst>
-          </p:cNvPr>
-          <p:cNvPicPr>
-            <a:picLocks noChangeAspect="1"/>
-          </p:cNvPicPr>
-          <p:nvPr/>
-        </p:nvPicPr>
-        <p:blipFill>
-          <a:blip r:embed="rId3"/>
-          <a:stretch>
-            <a:fillRect/>
-          </a:stretch>
-        </p:blipFill>
-        <p:spPr>
-          <a:xfrm>
-            <a:off x="2354943" y="2530025"/>
-            <a:ext cx="4904716" cy="3328200"/>
-          </a:xfrm>
-          <a:prstGeom prst="rect">
-            <a:avLst/>
-          </a:prstGeom>
-        </p:spPr>
-      </p:pic>
-    </p:spTree>
-    <p:extLst>
-      <p:ext uri="{BB962C8B-B14F-4D97-AF65-F5344CB8AC3E}">
-        <p14:creationId xmlns:p14="http://schemas.microsoft.com/office/powerpoint/2010/main" val="673778411"/>
-      </p:ext>
-    </p:extLst>
-  </p:cSld>
-  <p:clrMapOvr>
-    <a:masterClrMapping/>
-  </p:clrMapOvr>
-</p:sld>
-</file>
-
-<file path=ppt/slides/slide11.xml><?xml version="1.0" encoding="utf-8"?>
-<p:sld xmlns:a="http://schemas.openxmlformats.org/drawingml/2006/main" xmlns:r="http://schemas.openxmlformats.org/officeDocument/2006/relationships" xmlns:p="http://schemas.openxmlformats.org/presentationml/2006/main">
-  <p:cSld>
-    <p:spTree>
-      <p:nvGrpSpPr>
-        <p:cNvPr id="1" name=""/>
-        <p:cNvGrpSpPr/>
-        <p:nvPr/>
-      </p:nvGrpSpPr>
-      <p:grpSpPr>
-        <a:xfrm>
-          <a:off x="0" y="0"/>
-          <a:ext cx="0" cy="0"/>
-          <a:chOff x="0" y="0"/>
-          <a:chExt cx="0" cy="0"/>
-        </a:xfrm>
-      </p:grpSpPr>
-      <p:sp>
-        <p:nvSpPr>
-          <p:cNvPr id="2" name="Title 1">
-            <a:extLst>
-              <a:ext uri="{FF2B5EF4-FFF2-40B4-BE49-F238E27FC236}">
-                <a16:creationId xmlns:a16="http://schemas.microsoft.com/office/drawing/2014/main" id="{3EEABC5C-2CB9-46E0-9FCD-F3E594B602B9}"/>
-              </a:ext>
-            </a:extLst>
-          </p:cNvPr>
-          <p:cNvSpPr>
-            <a:spLocks noGrp="1"/>
-          </p:cNvSpPr>
-          <p:nvPr>
-            <p:ph type="title"/>
-          </p:nvPr>
-        </p:nvSpPr>
-        <p:spPr/>
-        <p:txBody>
-          <a:bodyPr>
-            <a:normAutofit/>
-          </a:bodyPr>
-          <a:lstStyle/>
-          <a:p>
-            <a:r>
-              <a:rPr lang="en-US" dirty="0"/>
-              <a:t>Model evaluation</a:t>
-            </a:r>
-          </a:p>
-        </p:txBody>
-      </p:sp>
-      <p:sp>
-        <p:nvSpPr>
-          <p:cNvPr id="3" name="Content Placeholder 2">
-            <a:extLst>
-              <a:ext uri="{FF2B5EF4-FFF2-40B4-BE49-F238E27FC236}">
-                <a16:creationId xmlns:a16="http://schemas.microsoft.com/office/drawing/2014/main" id="{93A47A69-2809-4CAB-AF37-EB483D3F61A7}"/>
-              </a:ext>
-            </a:extLst>
-          </p:cNvPr>
-          <p:cNvSpPr>
-            <a:spLocks noGrp="1"/>
-          </p:cNvSpPr>
-          <p:nvPr>
-            <p:ph idx="1"/>
-          </p:nvPr>
-        </p:nvSpPr>
-        <p:spPr>
-          <a:xfrm>
-            <a:off x="838200" y="1411548"/>
-            <a:ext cx="4728099" cy="1325563"/>
-          </a:xfrm>
-        </p:spPr>
-        <p:txBody>
-          <a:bodyPr>
-            <a:normAutofit/>
-          </a:bodyPr>
-          <a:lstStyle/>
-          <a:p>
-            <a:r>
-              <a:rPr lang="en-US" dirty="0"/>
-              <a:t>Cross-validation</a:t>
-            </a:r>
-          </a:p>
-          <a:p>
-            <a:pPr lvl="1"/>
-            <a:r>
-              <a:rPr lang="fr-FR" dirty="0"/>
-              <a:t>Train score:  0.4465</a:t>
-            </a:r>
-          </a:p>
-          <a:p>
-            <a:pPr lvl="1"/>
-            <a:r>
-              <a:rPr lang="fr-FR" dirty="0"/>
-              <a:t>Test score:  0.4501</a:t>
-            </a:r>
-          </a:p>
-        </p:txBody>
-      </p:sp>
-      <p:pic>
-        <p:nvPicPr>
-          <p:cNvPr id="9219" name="Picture 3">
-            <a:extLst>
-              <a:ext uri="{FF2B5EF4-FFF2-40B4-BE49-F238E27FC236}">
-                <a16:creationId xmlns:a16="http://schemas.microsoft.com/office/drawing/2014/main" id="{FCB05977-A31D-4038-B209-D8C5845AD56B}"/>
-              </a:ext>
-            </a:extLst>
-          </p:cNvPr>
-          <p:cNvPicPr>
-            <a:picLocks noChangeAspect="1" noChangeArrowheads="1"/>
-          </p:cNvPicPr>
-          <p:nvPr/>
-        </p:nvPicPr>
-        <p:blipFill>
-          <a:blip r:embed="rId2">
-            <a:extLst>
-              <a:ext uri="{28A0092B-C50C-407E-A947-70E740481C1C}">
-                <a14:useLocalDpi xmlns:a14="http://schemas.microsoft.com/office/drawing/2010/main" val="0"/>
-              </a:ext>
-            </a:extLst>
-          </a:blip>
-          <a:srcRect/>
-          <a:stretch>
-            <a:fillRect/>
-          </a:stretch>
-        </p:blipFill>
-        <p:spPr bwMode="auto">
-          <a:xfrm>
-            <a:off x="5891812" y="1939676"/>
-            <a:ext cx="5865171" cy="2978647"/>
-          </a:xfrm>
-          <a:prstGeom prst="rect">
-            <a:avLst/>
-          </a:prstGeom>
-          <a:noFill/>
-          <a:extLst>
-            <a:ext uri="{909E8E84-426E-40DD-AFC4-6F175D3DCCD1}">
-              <a14:hiddenFill xmlns:a14="http://schemas.microsoft.com/office/drawing/2010/main">
-                <a:solidFill>
-                  <a:srgbClr val="FFFFFF"/>
-                </a:solidFill>
-              </a14:hiddenFill>
-            </a:ext>
-          </a:extLst>
-        </p:spPr>
-      </p:pic>
-      <p:sp>
-        <p:nvSpPr>
-          <p:cNvPr id="10" name="TextBox 9">
-            <a:extLst>
-              <a:ext uri="{FF2B5EF4-FFF2-40B4-BE49-F238E27FC236}">
-                <a16:creationId xmlns:a16="http://schemas.microsoft.com/office/drawing/2014/main" id="{6CAE92F9-A525-4A55-BEA3-F41CEF454E7D}"/>
-              </a:ext>
-            </a:extLst>
-          </p:cNvPr>
-          <p:cNvSpPr txBox="1"/>
-          <p:nvPr/>
-        </p:nvSpPr>
-        <p:spPr>
-          <a:xfrm>
-            <a:off x="838200" y="2621404"/>
-            <a:ext cx="5438313" cy="3745641"/>
-          </a:xfrm>
-          <a:prstGeom prst="rect">
-            <a:avLst/>
-          </a:prstGeom>
-          <a:noFill/>
-        </p:spPr>
-        <p:txBody>
-          <a:bodyPr wrap="square">
-            <a:spAutoFit/>
-          </a:bodyPr>
-          <a:lstStyle/>
-          <a:p>
-            <a:pPr marL="228600" marR="0" lvl="0" indent="-228600" algn="l" defTabSz="914400" rtl="0" eaLnBrk="1" fontAlgn="auto" latinLnBrk="0" hangingPunct="1">
-              <a:lnSpc>
-                <a:spcPct val="90000"/>
-              </a:lnSpc>
-              <a:spcBef>
-                <a:spcPts val="1000"/>
-              </a:spcBef>
-              <a:spcAft>
-                <a:spcPts val="0"/>
-              </a:spcAft>
-              <a:buClrTx/>
-              <a:buSzTx/>
-              <a:buFont typeface="Arial" panose="020B0604020202020204" pitchFamily="34" charset="0"/>
-              <a:buChar char="•"/>
-              <a:tabLst/>
-              <a:defRPr/>
-            </a:pPr>
-            <a:r>
-              <a:rPr kumimoji="0" lang="en-US" sz="2800" b="0" i="0" u="none" strike="noStrike" kern="1200" cap="none" spc="0" normalizeH="0" baseline="0" noProof="0" dirty="0">
-                <a:ln>
-                  <a:noFill/>
-                </a:ln>
-                <a:solidFill>
-                  <a:prstClr val="black"/>
-                </a:solidFill>
-                <a:effectLst/>
-                <a:uLnTx/>
-                <a:uFillTx/>
-                <a:ea typeface="+mn-ea"/>
-                <a:cs typeface="+mn-cs"/>
-              </a:rPr>
-              <a:t>Mean squared error, root mean squared error, mean absolute error, and R-squared value</a:t>
-            </a:r>
-          </a:p>
-          <a:p>
-            <a:pPr marL="685800" marR="0" lvl="1" indent="-228600" algn="l" defTabSz="914400" rtl="0" eaLnBrk="1" fontAlgn="auto" latinLnBrk="0" hangingPunct="1">
-              <a:lnSpc>
-                <a:spcPct val="90000"/>
-              </a:lnSpc>
-              <a:spcBef>
-                <a:spcPts val="500"/>
-              </a:spcBef>
-              <a:spcAft>
-                <a:spcPts val="0"/>
-              </a:spcAft>
-              <a:buClrTx/>
-              <a:buSzTx/>
-              <a:buFont typeface="Arial" panose="020B0604020202020204" pitchFamily="34" charset="0"/>
-              <a:buChar char="•"/>
-              <a:tabLst/>
-              <a:defRPr/>
-            </a:pPr>
-            <a:r>
-              <a:rPr kumimoji="0" lang="en-US" sz="2400" b="0" i="0" u="none" strike="noStrike" kern="1200" cap="none" spc="0" normalizeH="0" baseline="0" noProof="0" dirty="0">
-                <a:ln>
-                  <a:noFill/>
-                </a:ln>
-                <a:solidFill>
-                  <a:prstClr val="black"/>
-                </a:solidFill>
-                <a:effectLst/>
-                <a:uLnTx/>
-                <a:uFillTx/>
-                <a:ea typeface="+mn-ea"/>
-                <a:cs typeface="+mn-cs"/>
-              </a:rPr>
-              <a:t>MSE:        0.1007</a:t>
-            </a:r>
-          </a:p>
-          <a:p>
-            <a:pPr marL="685800" marR="0" lvl="1" indent="-228600" algn="l" defTabSz="914400" rtl="0" eaLnBrk="1" fontAlgn="auto" latinLnBrk="0" hangingPunct="1">
-              <a:lnSpc>
-                <a:spcPct val="90000"/>
-              </a:lnSpc>
-              <a:spcBef>
-                <a:spcPts val="500"/>
-              </a:spcBef>
-              <a:spcAft>
-                <a:spcPts val="0"/>
-              </a:spcAft>
-              <a:buClrTx/>
-              <a:buSzTx/>
-              <a:buFont typeface="Arial" panose="020B0604020202020204" pitchFamily="34" charset="0"/>
-              <a:buChar char="•"/>
-              <a:tabLst/>
-              <a:defRPr/>
-            </a:pPr>
-            <a:r>
-              <a:rPr kumimoji="0" lang="en-US" sz="2400" b="0" i="0" u="none" strike="noStrike" kern="1200" cap="none" spc="0" normalizeH="0" baseline="0" noProof="0" dirty="0">
-                <a:ln>
-                  <a:noFill/>
-                </a:ln>
-                <a:solidFill>
-                  <a:prstClr val="black"/>
-                </a:solidFill>
-                <a:effectLst/>
-                <a:uLnTx/>
-                <a:uFillTx/>
-                <a:ea typeface="+mn-ea"/>
-                <a:cs typeface="+mn-cs"/>
-              </a:rPr>
-              <a:t>RMSE:       0.3174</a:t>
-            </a:r>
-          </a:p>
-          <a:p>
-            <a:pPr marL="685800" marR="0" lvl="1" indent="-228600" algn="l" defTabSz="914400" rtl="0" eaLnBrk="1" fontAlgn="auto" latinLnBrk="0" hangingPunct="1">
-              <a:lnSpc>
-                <a:spcPct val="90000"/>
-              </a:lnSpc>
-              <a:spcBef>
-                <a:spcPts val="500"/>
-              </a:spcBef>
-              <a:spcAft>
-                <a:spcPts val="0"/>
-              </a:spcAft>
-              <a:buClrTx/>
-              <a:buSzTx/>
-              <a:buFont typeface="Arial" panose="020B0604020202020204" pitchFamily="34" charset="0"/>
-              <a:buChar char="•"/>
-              <a:tabLst/>
-              <a:defRPr/>
-            </a:pPr>
-            <a:r>
-              <a:rPr kumimoji="0" lang="en-US" sz="2400" b="0" i="0" u="none" strike="noStrike" kern="1200" cap="none" spc="0" normalizeH="0" baseline="0" noProof="0" dirty="0">
-                <a:ln>
-                  <a:noFill/>
-                </a:ln>
-                <a:solidFill>
-                  <a:prstClr val="black"/>
-                </a:solidFill>
-                <a:effectLst/>
-                <a:uLnTx/>
-                <a:uFillTx/>
-                <a:ea typeface="+mn-ea"/>
-                <a:cs typeface="+mn-cs"/>
-              </a:rPr>
-              <a:t>MAE:        0.2519</a:t>
-            </a:r>
-          </a:p>
-          <a:p>
-            <a:pPr marL="685800" marR="0" lvl="1" indent="-228600" algn="l" defTabSz="914400" rtl="0" eaLnBrk="1" fontAlgn="auto" latinLnBrk="0" hangingPunct="1">
-              <a:lnSpc>
-                <a:spcPct val="90000"/>
-              </a:lnSpc>
-              <a:spcBef>
-                <a:spcPts val="500"/>
-              </a:spcBef>
-              <a:spcAft>
-                <a:spcPts val="0"/>
-              </a:spcAft>
-              <a:buClrTx/>
-              <a:buSzTx/>
-              <a:buFont typeface="Arial" panose="020B0604020202020204" pitchFamily="34" charset="0"/>
-              <a:buChar char="•"/>
-              <a:tabLst/>
-              <a:defRPr/>
-            </a:pPr>
-            <a:r>
-              <a:rPr kumimoji="0" lang="en-US" sz="2400" b="0" i="0" u="none" strike="noStrike" kern="1200" cap="none" spc="0" normalizeH="0" baseline="0" noProof="0" dirty="0">
-                <a:ln>
-                  <a:noFill/>
-                </a:ln>
-                <a:solidFill>
-                  <a:prstClr val="black"/>
-                </a:solidFill>
-                <a:effectLst/>
-                <a:uLnTx/>
-                <a:uFillTx/>
-                <a:ea typeface="+mn-ea"/>
-                <a:cs typeface="+mn-cs"/>
-              </a:rPr>
-              <a:t>R-Squared:  0.4437</a:t>
-            </a:r>
-          </a:p>
-          <a:p>
-            <a:pPr marL="228600" marR="0" lvl="0" indent="-228600" algn="l" defTabSz="914400" rtl="0" eaLnBrk="1" fontAlgn="auto" latinLnBrk="0" hangingPunct="1">
-              <a:lnSpc>
-                <a:spcPct val="90000"/>
-              </a:lnSpc>
-              <a:spcBef>
-                <a:spcPts val="1000"/>
-              </a:spcBef>
-              <a:spcAft>
-                <a:spcPts val="0"/>
-              </a:spcAft>
-              <a:buClrTx/>
-              <a:buSzTx/>
-              <a:buFont typeface="Arial" panose="020B0604020202020204" pitchFamily="34" charset="0"/>
-              <a:buChar char="•"/>
-              <a:tabLst/>
-              <a:defRPr/>
-            </a:pPr>
-            <a:r>
-              <a:rPr kumimoji="0" lang="en-US" sz="2800" b="0" i="0" u="none" strike="noStrike" kern="1200" cap="none" spc="0" normalizeH="0" baseline="0" noProof="0" dirty="0">
-                <a:ln>
-                  <a:noFill/>
-                </a:ln>
-                <a:solidFill>
-                  <a:prstClr val="black"/>
-                </a:solidFill>
-                <a:effectLst/>
-                <a:uLnTx/>
-                <a:uFillTx/>
-                <a:cs typeface="Dubai Light" panose="020B0303030403030204" pitchFamily="34" charset="-78"/>
-              </a:rPr>
-              <a:t>Examine the predict</a:t>
-            </a:r>
-            <a:r>
-              <a:rPr kumimoji="0" lang="en-US" altLang="zh-CN" sz="2800" b="0" i="0" u="none" strike="noStrike" kern="1200" cap="none" spc="0" normalizeH="0" baseline="0" noProof="0" dirty="0">
-                <a:ln>
-                  <a:noFill/>
-                </a:ln>
-                <a:solidFill>
-                  <a:prstClr val="black"/>
-                </a:solidFill>
-                <a:effectLst/>
-                <a:uLnTx/>
-                <a:uFillTx/>
-                <a:cs typeface="Dubai Light" panose="020B0303030403030204" pitchFamily="34" charset="-78"/>
-              </a:rPr>
-              <a:t>ed values</a:t>
-            </a:r>
-            <a:r>
-              <a:rPr kumimoji="0" lang="en-US" sz="2800" b="0" i="0" u="none" strike="noStrike" kern="1200" cap="none" spc="0" normalizeH="0" baseline="0" noProof="0" dirty="0">
-                <a:ln>
-                  <a:noFill/>
-                </a:ln>
-                <a:solidFill>
-                  <a:prstClr val="black"/>
-                </a:solidFill>
-                <a:effectLst/>
-                <a:uLnTx/>
-                <a:uFillTx/>
-                <a:cs typeface="Dubai Light" panose="020B0303030403030204" pitchFamily="34" charset="-78"/>
-              </a:rPr>
-              <a:t> with the real values</a:t>
-            </a:r>
-          </a:p>
-        </p:txBody>
-      </p:sp>
-      <p:sp>
-        <p:nvSpPr>
-          <p:cNvPr id="12" name="TextBox 11">
-            <a:extLst>
-              <a:ext uri="{FF2B5EF4-FFF2-40B4-BE49-F238E27FC236}">
-                <a16:creationId xmlns:a16="http://schemas.microsoft.com/office/drawing/2014/main" id="{46A76564-C418-4671-B914-22254436F5DB}"/>
-              </a:ext>
-            </a:extLst>
-          </p:cNvPr>
-          <p:cNvSpPr txBox="1"/>
-          <p:nvPr/>
-        </p:nvSpPr>
-        <p:spPr>
-          <a:xfrm>
-            <a:off x="6013141" y="4948180"/>
-            <a:ext cx="5865171" cy="369332"/>
-          </a:xfrm>
-          <a:prstGeom prst="rect">
-            <a:avLst/>
-          </a:prstGeom>
-          <a:noFill/>
-        </p:spPr>
-        <p:txBody>
-          <a:bodyPr wrap="square">
-            <a:spAutoFit/>
-          </a:bodyPr>
-          <a:lstStyle/>
-          <a:p>
-            <a:r>
-              <a:rPr lang="en-US" dirty="0"/>
-              <a:t>The fitted regression model can predict house price very well</a:t>
-            </a:r>
-          </a:p>
-        </p:txBody>
-      </p:sp>
-    </p:spTree>
-    <p:extLst>
-      <p:ext uri="{BB962C8B-B14F-4D97-AF65-F5344CB8AC3E}">
-        <p14:creationId xmlns:p14="http://schemas.microsoft.com/office/powerpoint/2010/main" val="1620924395"/>
-      </p:ext>
-    </p:extLst>
-  </p:cSld>
-  <p:clrMapOvr>
-    <a:masterClrMapping/>
-  </p:clrMapOvr>
-</p:sld>
-</file>
-
-<file path=ppt/slides/slide12.xml><?xml version="1.0" encoding="utf-8"?>
-<p:sld xmlns:a="http://schemas.openxmlformats.org/drawingml/2006/main" xmlns:r="http://schemas.openxmlformats.org/officeDocument/2006/relationships" xmlns:p="http://schemas.openxmlformats.org/presentationml/2006/main">
-  <p:cSld>
-    <p:spTree>
-      <p:nvGrpSpPr>
-        <p:cNvPr id="1" name=""/>
-        <p:cNvGrpSpPr/>
-        <p:nvPr/>
-      </p:nvGrpSpPr>
-      <p:grpSpPr>
-        <a:xfrm>
-          <a:off x="0" y="0"/>
-          <a:ext cx="0" cy="0"/>
-          <a:chOff x="0" y="0"/>
-          <a:chExt cx="0" cy="0"/>
-        </a:xfrm>
-      </p:grpSpPr>
-      <p:sp>
-        <p:nvSpPr>
-          <p:cNvPr id="2" name="Title 1">
-            <a:extLst>
-              <a:ext uri="{FF2B5EF4-FFF2-40B4-BE49-F238E27FC236}">
-                <a16:creationId xmlns:a16="http://schemas.microsoft.com/office/drawing/2014/main" id="{3EEABC5C-2CB9-46E0-9FCD-F3E594B602B9}"/>
-              </a:ext>
-            </a:extLst>
-          </p:cNvPr>
-          <p:cNvSpPr>
-            <a:spLocks noGrp="1"/>
-          </p:cNvSpPr>
-          <p:nvPr>
-            <p:ph type="title"/>
-          </p:nvPr>
-        </p:nvSpPr>
-        <p:spPr/>
-        <p:txBody>
-          <a:bodyPr>
-            <a:normAutofit/>
-          </a:bodyPr>
-          <a:lstStyle/>
-          <a:p>
-            <a:r>
-              <a:rPr lang="en-US" dirty="0"/>
-              <a:t>Conclusion</a:t>
-            </a:r>
-          </a:p>
-        </p:txBody>
-      </p:sp>
-      <p:sp>
-        <p:nvSpPr>
-          <p:cNvPr id="3" name="Content Placeholder 2">
-            <a:extLst>
-              <a:ext uri="{FF2B5EF4-FFF2-40B4-BE49-F238E27FC236}">
-                <a16:creationId xmlns:a16="http://schemas.microsoft.com/office/drawing/2014/main" id="{93A47A69-2809-4CAB-AF37-EB483D3F61A7}"/>
-              </a:ext>
-            </a:extLst>
-          </p:cNvPr>
-          <p:cNvSpPr>
-            <a:spLocks noGrp="1"/>
-          </p:cNvSpPr>
-          <p:nvPr>
-            <p:ph idx="1"/>
-          </p:nvPr>
-        </p:nvSpPr>
-        <p:spPr>
-          <a:xfrm>
-            <a:off x="838199" y="1464816"/>
-            <a:ext cx="7098437" cy="4767308"/>
-          </a:xfrm>
-        </p:spPr>
-        <p:txBody>
-          <a:bodyPr>
-            <a:normAutofit fontScale="92500" lnSpcReduction="20000"/>
-          </a:bodyPr>
-          <a:lstStyle/>
-          <a:p>
-            <a:pPr algn="l"/>
-            <a:r>
-              <a:rPr lang="en-US" dirty="0">
-                <a:solidFill>
-                  <a:srgbClr val="000000"/>
-                </a:solidFill>
-              </a:rPr>
-              <a:t>O</a:t>
-            </a:r>
-            <a:r>
-              <a:rPr lang="en-US" i="0" dirty="0">
-                <a:solidFill>
-                  <a:srgbClr val="000000"/>
-                </a:solidFill>
-                <a:effectLst/>
-              </a:rPr>
-              <a:t>bservations from coefficients</a:t>
-            </a:r>
-          </a:p>
-          <a:p>
-            <a:pPr lvl="1"/>
-            <a:r>
-              <a:rPr lang="en-US" i="0" dirty="0">
-                <a:solidFill>
-                  <a:srgbClr val="000000"/>
-                </a:solidFill>
-                <a:effectLst/>
-              </a:rPr>
-              <a:t>The grade and sqft_living15 have the strongest relationship with the house price</a:t>
-            </a:r>
-          </a:p>
-          <a:p>
-            <a:pPr lvl="1"/>
-            <a:r>
-              <a:rPr lang="en-US" i="0" dirty="0">
-                <a:solidFill>
-                  <a:srgbClr val="000000"/>
-                </a:solidFill>
-                <a:effectLst/>
-              </a:rPr>
-              <a:t>It is interesting to see sqft_lot15 has a negative relationship with the house price</a:t>
-            </a:r>
-          </a:p>
-          <a:p>
-            <a:pPr lvl="1"/>
-            <a:r>
-              <a:rPr lang="en-US" i="0" dirty="0">
-                <a:solidFill>
-                  <a:srgbClr val="000000"/>
-                </a:solidFill>
-                <a:effectLst/>
-              </a:rPr>
-              <a:t>Waterfront_1.0 and grade_11 also have a positive relationship with the price</a:t>
-            </a:r>
-          </a:p>
-          <a:p>
-            <a:pPr lvl="1"/>
-            <a:r>
-              <a:rPr lang="en-US" i="0" dirty="0">
-                <a:solidFill>
-                  <a:srgbClr val="000000"/>
-                </a:solidFill>
-                <a:effectLst/>
-              </a:rPr>
-              <a:t>For some zip codes, e.g., 98100 and 98110, they have high positive relationships with the price</a:t>
-            </a:r>
-          </a:p>
-          <a:p>
-            <a:pPr algn="l"/>
-            <a:r>
-              <a:rPr lang="en-US" i="0" dirty="0">
-                <a:solidFill>
-                  <a:srgbClr val="000000"/>
-                </a:solidFill>
-                <a:effectLst/>
-              </a:rPr>
-              <a:t>To address the business questions:</a:t>
-            </a:r>
-          </a:p>
-          <a:p>
-            <a:pPr lvl="1"/>
-            <a:r>
-              <a:rPr lang="en-US" i="0" dirty="0">
-                <a:solidFill>
-                  <a:srgbClr val="000000"/>
-                </a:solidFill>
-                <a:effectLst/>
-              </a:rPr>
-              <a:t>For buyer, they will know that the house price is higher for a house with the high grade and sqrt_living15 values</a:t>
-            </a:r>
-          </a:p>
-          <a:p>
-            <a:pPr lvl="1"/>
-            <a:r>
-              <a:rPr lang="en-US" i="0" dirty="0">
-                <a:solidFill>
-                  <a:srgbClr val="000000"/>
-                </a:solidFill>
-                <a:effectLst/>
-              </a:rPr>
-              <a:t>For seller, if they want to sell their house with a higher price, they could add waterfront and improve the grade.</a:t>
-            </a:r>
-          </a:p>
-          <a:p>
-            <a:endParaRPr lang="fr-FR" dirty="0"/>
-          </a:p>
-        </p:txBody>
-      </p:sp>
-      <p:pic>
-        <p:nvPicPr>
-          <p:cNvPr id="5" name="Picture 4">
-            <a:extLst>
-              <a:ext uri="{FF2B5EF4-FFF2-40B4-BE49-F238E27FC236}">
-                <a16:creationId xmlns:a16="http://schemas.microsoft.com/office/drawing/2014/main" id="{B0552CB0-657B-492E-B895-BEE5114A4E26}"/>
-              </a:ext>
-            </a:extLst>
-          </p:cNvPr>
-          <p:cNvPicPr>
-            <a:picLocks noChangeAspect="1"/>
-          </p:cNvPicPr>
-          <p:nvPr/>
-        </p:nvPicPr>
-        <p:blipFill>
-          <a:blip r:embed="rId2"/>
-          <a:stretch>
-            <a:fillRect/>
-          </a:stretch>
-        </p:blipFill>
-        <p:spPr>
-          <a:xfrm>
-            <a:off x="8236905" y="935022"/>
-            <a:ext cx="2571750" cy="5467350"/>
-          </a:xfrm>
-          <a:prstGeom prst="rect">
-            <a:avLst/>
-          </a:prstGeom>
-        </p:spPr>
-      </p:pic>
-    </p:spTree>
-    <p:extLst>
-      <p:ext uri="{BB962C8B-B14F-4D97-AF65-F5344CB8AC3E}">
-        <p14:creationId xmlns:p14="http://schemas.microsoft.com/office/powerpoint/2010/main" val="2628035951"/>
-      </p:ext>
-    </p:extLst>
-  </p:cSld>
-  <p:clrMapOvr>
-    <a:masterClrMapping/>
-  </p:clrMapOvr>
-</p:sld>
-</file>
-
 <file path=ppt/slides/slide2.xml><?xml version="1.0" encoding="utf-8"?>
 <p:sld xmlns:a="http://schemas.openxmlformats.org/drawingml/2006/main" xmlns:r="http://schemas.openxmlformats.org/officeDocument/2006/relationships" xmlns:p="http://schemas.openxmlformats.org/presentationml/2006/main">
   <p:cSld>
@@ -5071,222 +4184,35 @@
           <a:p>
             <a:r>
               <a:rPr lang="en-US" dirty="0"/>
-              <a:t>Deal with data types: </a:t>
-            </a:r>
-            <a:r>
-              <a:rPr lang="en-US" dirty="0" err="1"/>
-              <a:t>sqft_basement</a:t>
-            </a:r>
+              <a:t>Deal with data types</a:t>
+            </a:r>
+          </a:p>
+          <a:p>
             <a:r>
               <a:rPr lang="en-US" dirty="0"/>
-              <a:t> and date</a:t>
+              <a:t>Deal with missing values</a:t>
             </a:r>
           </a:p>
           <a:p>
             <a:r>
               <a:rPr lang="en-US" dirty="0"/>
-              <a:t>Deal with missing values: </a:t>
-            </a:r>
-          </a:p>
-          <a:p>
-            <a:pPr lvl="1"/>
+              <a:t>Deal with outliers</a:t>
+            </a:r>
+          </a:p>
+          <a:p>
             <a:r>
               <a:rPr lang="en-US" dirty="0"/>
-              <a:t>View and </a:t>
-            </a:r>
-            <a:r>
-              <a:rPr lang="en-US" dirty="0" err="1"/>
-              <a:t>sqft_basement</a:t>
-            </a:r>
+              <a:t>Deal with categorical variables</a:t>
+            </a:r>
+          </a:p>
+          <a:p>
             <a:r>
               <a:rPr lang="en-US" dirty="0"/>
-              <a:t>: drop those rows with null values</a:t>
-            </a:r>
-          </a:p>
-          <a:p>
-            <a:pPr lvl="1"/>
-            <a:r>
-              <a:rPr lang="en-US" dirty="0"/>
-              <a:t>Waterfront, and </a:t>
-            </a:r>
-            <a:r>
-              <a:rPr lang="en-US" dirty="0" err="1"/>
-              <a:t>yr_renovated</a:t>
-            </a:r>
-            <a:r>
-              <a:rPr lang="en-US" dirty="0"/>
-              <a:t>: they are over 10% of null values with special process</a:t>
-            </a:r>
-          </a:p>
-          <a:p>
-            <a:r>
-              <a:rPr lang="en-US" dirty="0"/>
-              <a:t>Deal with outliers:</a:t>
-            </a:r>
-          </a:p>
-        </p:txBody>
-      </p:sp>
-      <p:pic>
-        <p:nvPicPr>
-          <p:cNvPr id="1026" name="Picture 2">
-            <a:extLst>
-              <a:ext uri="{FF2B5EF4-FFF2-40B4-BE49-F238E27FC236}">
-                <a16:creationId xmlns:a16="http://schemas.microsoft.com/office/drawing/2014/main" id="{D1DA1308-B5B8-4183-8BA8-A4FDDC062D92}"/>
-              </a:ext>
-            </a:extLst>
-          </p:cNvPr>
-          <p:cNvPicPr>
-            <a:picLocks noChangeAspect="1" noChangeArrowheads="1"/>
-          </p:cNvPicPr>
-          <p:nvPr/>
-        </p:nvPicPr>
-        <p:blipFill>
-          <a:blip r:embed="rId2">
-            <a:extLst>
-              <a:ext uri="{28A0092B-C50C-407E-A947-70E740481C1C}">
-                <a14:useLocalDpi xmlns:a14="http://schemas.microsoft.com/office/drawing/2010/main" val="0"/>
-              </a:ext>
-            </a:extLst>
-          </a:blip>
-          <a:srcRect/>
-          <a:stretch>
-            <a:fillRect/>
-          </a:stretch>
-        </p:blipFill>
-        <p:spPr bwMode="auto">
-          <a:xfrm>
-            <a:off x="838198" y="4287694"/>
-            <a:ext cx="4976676" cy="1972066"/>
-          </a:xfrm>
-          <a:prstGeom prst="rect">
-            <a:avLst/>
-          </a:prstGeom>
-          <a:noFill/>
-          <a:extLst>
-            <a:ext uri="{909E8E84-426E-40DD-AFC4-6F175D3DCCD1}">
-              <a14:hiddenFill xmlns:a14="http://schemas.microsoft.com/office/drawing/2010/main">
-                <a:solidFill>
-                  <a:srgbClr val="FFFFFF"/>
-                </a:solidFill>
-              </a14:hiddenFill>
-            </a:ext>
-          </a:extLst>
-        </p:spPr>
-      </p:pic>
-      <p:pic>
-        <p:nvPicPr>
-          <p:cNvPr id="1028" name="Picture 4">
-            <a:extLst>
-              <a:ext uri="{FF2B5EF4-FFF2-40B4-BE49-F238E27FC236}">
-                <a16:creationId xmlns:a16="http://schemas.microsoft.com/office/drawing/2014/main" id="{EBE32DEC-162D-4DB1-9EC3-CC1F8BAF28D9}"/>
-              </a:ext>
-            </a:extLst>
-          </p:cNvPr>
-          <p:cNvPicPr>
-            <a:picLocks noChangeAspect="1" noChangeArrowheads="1"/>
-          </p:cNvPicPr>
-          <p:nvPr/>
-        </p:nvPicPr>
-        <p:blipFill>
-          <a:blip r:embed="rId3">
-            <a:extLst>
-              <a:ext uri="{28A0092B-C50C-407E-A947-70E740481C1C}">
-                <a14:useLocalDpi xmlns:a14="http://schemas.microsoft.com/office/drawing/2010/main" val="0"/>
-              </a:ext>
-            </a:extLst>
-          </a:blip>
-          <a:srcRect/>
-          <a:stretch>
-            <a:fillRect/>
-          </a:stretch>
-        </p:blipFill>
-        <p:spPr bwMode="auto">
-          <a:xfrm>
-            <a:off x="6744070" y="4287694"/>
-            <a:ext cx="4976676" cy="1973911"/>
-          </a:xfrm>
-          <a:prstGeom prst="rect">
-            <a:avLst/>
-          </a:prstGeom>
-          <a:noFill/>
-          <a:extLst>
-            <a:ext uri="{909E8E84-426E-40DD-AFC4-6F175D3DCCD1}">
-              <a14:hiddenFill xmlns:a14="http://schemas.microsoft.com/office/drawing/2010/main">
-                <a:solidFill>
-                  <a:srgbClr val="FFFFFF"/>
-                </a:solidFill>
-              </a14:hiddenFill>
-            </a:ext>
-          </a:extLst>
-        </p:spPr>
-      </p:pic>
-      <p:sp>
-        <p:nvSpPr>
-          <p:cNvPr id="4" name="TextBox 3">
-            <a:extLst>
-              <a:ext uri="{FF2B5EF4-FFF2-40B4-BE49-F238E27FC236}">
-                <a16:creationId xmlns:a16="http://schemas.microsoft.com/office/drawing/2014/main" id="{44F2FCEA-2956-4877-8152-21C173FE85CB}"/>
-              </a:ext>
-            </a:extLst>
-          </p:cNvPr>
-          <p:cNvSpPr txBox="1"/>
-          <p:nvPr/>
-        </p:nvSpPr>
-        <p:spPr>
-          <a:xfrm>
-            <a:off x="2574525" y="6259760"/>
-            <a:ext cx="970137" cy="369332"/>
-          </a:xfrm>
-          <a:prstGeom prst="rect">
-            <a:avLst/>
-          </a:prstGeom>
-          <a:noFill/>
-        </p:spPr>
-        <p:txBody>
-          <a:bodyPr wrap="none" rtlCol="0">
-            <a:spAutoFit/>
-          </a:bodyPr>
-          <a:lstStyle/>
-          <a:p>
-            <a:r>
-              <a:rPr lang="en-US" dirty="0"/>
-              <a:t>Original </a:t>
-            </a:r>
-          </a:p>
-        </p:txBody>
-      </p:sp>
-      <p:sp>
-        <p:nvSpPr>
-          <p:cNvPr id="8" name="TextBox 7">
-            <a:extLst>
-              <a:ext uri="{FF2B5EF4-FFF2-40B4-BE49-F238E27FC236}">
-                <a16:creationId xmlns:a16="http://schemas.microsoft.com/office/drawing/2014/main" id="{073BF7B9-A47F-4B04-9BBC-0AC5303EF0B5}"/>
-              </a:ext>
-            </a:extLst>
-          </p:cNvPr>
-          <p:cNvSpPr txBox="1"/>
-          <p:nvPr/>
-        </p:nvSpPr>
-        <p:spPr>
-          <a:xfrm>
-            <a:off x="8147229" y="6234130"/>
-            <a:ext cx="2410340" cy="369332"/>
-          </a:xfrm>
-          <a:prstGeom prst="rect">
-            <a:avLst/>
-          </a:prstGeom>
-          <a:noFill/>
-        </p:spPr>
-        <p:txBody>
-          <a:bodyPr wrap="none" rtlCol="0">
-            <a:spAutoFit/>
-          </a:bodyPr>
-          <a:lstStyle/>
-          <a:p>
-            <a:r>
-              <a:rPr lang="en-US" dirty="0"/>
-              <a:t>After removing outliers </a:t>
-            </a:r>
+              <a:t>Deal with target variable: price</a:t>
+            </a:r>
+          </a:p>
+          <a:p>
+            <a:endParaRPr lang="en-US" dirty="0"/>
           </a:p>
         </p:txBody>
       </p:sp>
@@ -5345,7 +4271,7 @@
           <a:p>
             <a:r>
               <a:rPr lang="en-US" dirty="0"/>
-              <a:t>Data Preparation </a:t>
+              <a:t>Modeling</a:t>
             </a:r>
           </a:p>
         </p:txBody>
@@ -5380,71 +4306,95 @@
           <a:p>
             <a:r>
               <a:rPr lang="en-US" dirty="0"/>
-              <a:t>Deal with categorical variables</a:t>
-            </a:r>
-          </a:p>
-          <a:p>
-            <a:pPr lvl="1"/>
+              <a:t>Final regression model </a:t>
+            </a:r>
+            <a:r>
+              <a:rPr lang="en-US" altLang="zh-CN" dirty="0"/>
+              <a:t>after excluding some </a:t>
+            </a:r>
             <a:r>
               <a:rPr lang="en-US" dirty="0"/>
-              <a:t>'bedrooms','bathrooms','floors','waterfront','is_renovated','condition','view','grade','zipcode4'</a:t>
-            </a:r>
-          </a:p>
-        </p:txBody>
-      </p:sp>
-      <p:pic>
-        <p:nvPicPr>
-          <p:cNvPr id="2050" name="Picture 2">
-            <a:extLst>
-              <a:ext uri="{FF2B5EF4-FFF2-40B4-BE49-F238E27FC236}">
-                <a16:creationId xmlns:a16="http://schemas.microsoft.com/office/drawing/2014/main" id="{662C7309-65F6-4E20-82B3-B167580AC6E3}"/>
-              </a:ext>
-            </a:extLst>
-          </p:cNvPr>
-          <p:cNvPicPr>
-            <a:picLocks noChangeAspect="1" noChangeArrowheads="1"/>
-          </p:cNvPicPr>
+              <a:t>predictors with high collinearity </a:t>
+            </a:r>
+            <a:r>
+              <a:rPr lang="en-US" altLang="zh-CN" dirty="0"/>
+              <a:t>and non-significance</a:t>
+            </a:r>
+            <a:endParaRPr lang="en-US" dirty="0"/>
+          </a:p>
+        </p:txBody>
+      </p:sp>
+      <p:sp>
+        <p:nvSpPr>
+          <p:cNvPr id="11" name="TextBox 10">
+            <a:extLst>
+              <a:ext uri="{FF2B5EF4-FFF2-40B4-BE49-F238E27FC236}">
+                <a16:creationId xmlns:a16="http://schemas.microsoft.com/office/drawing/2014/main" id="{0CCC959C-D5F5-42DE-A3CD-31AAB6A62023}"/>
+              </a:ext>
+            </a:extLst>
+          </p:cNvPr>
+          <p:cNvSpPr txBox="1"/>
           <p:nvPr/>
-        </p:nvPicPr>
-        <p:blipFill>
-          <a:blip r:embed="rId2">
-            <a:extLst>
-              <a:ext uri="{28A0092B-C50C-407E-A947-70E740481C1C}">
-                <a14:useLocalDpi xmlns:a14="http://schemas.microsoft.com/office/drawing/2010/main" val="0"/>
-              </a:ext>
-            </a:extLst>
-          </a:blip>
-          <a:srcRect/>
-          <a:stretch>
-            <a:fillRect/>
-          </a:stretch>
-        </p:blipFill>
-        <p:spPr bwMode="auto">
+        </p:nvSpPr>
+        <p:spPr>
           <a:xfrm>
-            <a:off x="838200" y="3080853"/>
-            <a:ext cx="4665955" cy="2823399"/>
+            <a:off x="5559417" y="2126320"/>
+            <a:ext cx="2006062" cy="369332"/>
           </a:xfrm>
           <a:prstGeom prst="rect">
             <a:avLst/>
           </a:prstGeom>
           <a:noFill/>
-          <a:extLst>
-            <a:ext uri="{909E8E84-426E-40DD-AFC4-6F175D3DCCD1}">
-              <a14:hiddenFill xmlns:a14="http://schemas.microsoft.com/office/drawing/2010/main">
-                <a:solidFill>
-                  <a:srgbClr val="FFFFFF"/>
-                </a:solidFill>
-              </a14:hiddenFill>
-            </a:ext>
-          </a:extLst>
+        </p:spPr>
+        <p:txBody>
+          <a:bodyPr wrap="none" rtlCol="0">
+            <a:spAutoFit/>
+          </a:bodyPr>
+          <a:lstStyle/>
+          <a:p>
+            <a:r>
+              <a:rPr lang="en-US" dirty="0"/>
+              <a:t>Predictors: 56 -&gt; 30</a:t>
+            </a:r>
+          </a:p>
+        </p:txBody>
+      </p:sp>
+      <p:pic>
+        <p:nvPicPr>
+          <p:cNvPr id="10" name="Picture 9">
+            <a:extLst>
+              <a:ext uri="{FF2B5EF4-FFF2-40B4-BE49-F238E27FC236}">
+                <a16:creationId xmlns:a16="http://schemas.microsoft.com/office/drawing/2014/main" id="{97A51E57-3B78-4D5C-8B2A-E789633ED63A}"/>
+              </a:ext>
+            </a:extLst>
+          </p:cNvPr>
+          <p:cNvPicPr>
+            <a:picLocks noChangeAspect="1"/>
+          </p:cNvPicPr>
+          <p:nvPr/>
+        </p:nvPicPr>
+        <p:blipFill>
+          <a:blip r:embed="rId2"/>
+          <a:stretch>
+            <a:fillRect/>
+          </a:stretch>
+        </p:blipFill>
+        <p:spPr>
+          <a:xfrm>
+            <a:off x="7889233" y="2032973"/>
+            <a:ext cx="1275481" cy="4459902"/>
+          </a:xfrm>
+          <a:prstGeom prst="rect">
+            <a:avLst/>
+          </a:prstGeom>
         </p:spPr>
       </p:pic>
       <p:pic>
         <p:nvPicPr>
-          <p:cNvPr id="9" name="Picture 8">
-            <a:extLst>
-              <a:ext uri="{FF2B5EF4-FFF2-40B4-BE49-F238E27FC236}">
-                <a16:creationId xmlns:a16="http://schemas.microsoft.com/office/drawing/2014/main" id="{69B83ED3-B553-4127-824C-E4716B257400}"/>
+          <p:cNvPr id="15" name="Picture 14">
+            <a:extLst>
+              <a:ext uri="{FF2B5EF4-FFF2-40B4-BE49-F238E27FC236}">
+                <a16:creationId xmlns:a16="http://schemas.microsoft.com/office/drawing/2014/main" id="{41683DB5-4821-4ABA-9A6E-02A2869B59F9}"/>
               </a:ext>
             </a:extLst>
           </p:cNvPr>
@@ -5461,88 +4411,18 @@
         </p:blipFill>
         <p:spPr>
           <a:xfrm>
-            <a:off x="5683559" y="3147871"/>
-            <a:ext cx="5431284" cy="2689362"/>
+            <a:off x="2354943" y="2530025"/>
+            <a:ext cx="4904716" cy="3328200"/>
           </a:xfrm>
           <a:prstGeom prst="rect">
             <a:avLst/>
           </a:prstGeom>
         </p:spPr>
       </p:pic>
-      <p:sp>
-        <p:nvSpPr>
-          <p:cNvPr id="10" name="TextBox 9">
-            <a:extLst>
-              <a:ext uri="{FF2B5EF4-FFF2-40B4-BE49-F238E27FC236}">
-                <a16:creationId xmlns:a16="http://schemas.microsoft.com/office/drawing/2014/main" id="{3FE2DAEA-37D9-4425-8DB5-BCB38DEE8012}"/>
-              </a:ext>
-            </a:extLst>
-          </p:cNvPr>
-          <p:cNvSpPr txBox="1"/>
-          <p:nvPr/>
-        </p:nvSpPr>
-        <p:spPr>
-          <a:xfrm>
-            <a:off x="1467774" y="2711521"/>
-            <a:ext cx="3568413" cy="369332"/>
-          </a:xfrm>
-          <a:prstGeom prst="rect">
-            <a:avLst/>
-          </a:prstGeom>
-          <a:noFill/>
-        </p:spPr>
-        <p:txBody>
-          <a:bodyPr wrap="none" rtlCol="0">
-            <a:spAutoFit/>
-          </a:bodyPr>
-          <a:lstStyle/>
-          <a:p>
-            <a:r>
-              <a:rPr lang="en-US" dirty="0"/>
-              <a:t>Visualization of categorical variables</a:t>
-            </a:r>
-          </a:p>
-        </p:txBody>
-      </p:sp>
-      <p:sp>
-        <p:nvSpPr>
-          <p:cNvPr id="14" name="TextBox 13">
-            <a:extLst>
-              <a:ext uri="{FF2B5EF4-FFF2-40B4-BE49-F238E27FC236}">
-                <a16:creationId xmlns:a16="http://schemas.microsoft.com/office/drawing/2014/main" id="{23055981-E175-43D2-91B7-0357A9145035}"/>
-              </a:ext>
-            </a:extLst>
-          </p:cNvPr>
-          <p:cNvSpPr txBox="1"/>
-          <p:nvPr/>
-        </p:nvSpPr>
-        <p:spPr>
-          <a:xfrm>
-            <a:off x="7940007" y="2771916"/>
-            <a:ext cx="1536383" cy="369332"/>
-          </a:xfrm>
-          <a:prstGeom prst="rect">
-            <a:avLst/>
-          </a:prstGeom>
-          <a:noFill/>
-        </p:spPr>
-        <p:txBody>
-          <a:bodyPr wrap="none" rtlCol="0">
-            <a:spAutoFit/>
-          </a:bodyPr>
-          <a:lstStyle/>
-          <a:p>
-            <a:r>
-              <a:rPr lang="en-US" dirty="0"/>
-              <a:t>The predictors</a:t>
-            </a:r>
-          </a:p>
-        </p:txBody>
-      </p:sp>
     </p:spTree>
     <p:extLst>
       <p:ext uri="{BB962C8B-B14F-4D97-AF65-F5344CB8AC3E}">
-        <p14:creationId xmlns:p14="http://schemas.microsoft.com/office/powerpoint/2010/main" val="3378899260"/>
+        <p14:creationId xmlns:p14="http://schemas.microsoft.com/office/powerpoint/2010/main" val="673778411"/>
       </p:ext>
     </p:extLst>
   </p:cSld>
@@ -5594,7 +4474,7 @@
           <a:p>
             <a:r>
               <a:rPr lang="en-US" dirty="0"/>
-              <a:t>Data Preparation </a:t>
+              <a:t>Model evaluation</a:t>
             </a:r>
           </a:p>
         </p:txBody>
@@ -5617,8 +4497,8 @@
         </p:nvSpPr>
         <p:spPr>
           <a:xfrm>
-            <a:off x="838200" y="1464817"/>
-            <a:ext cx="9886026" cy="978380"/>
+            <a:off x="838200" y="1411548"/>
+            <a:ext cx="4728099" cy="1325563"/>
           </a:xfrm>
         </p:spPr>
         <p:txBody>
@@ -5629,24 +4509,31 @@
           <a:p>
             <a:r>
               <a:rPr lang="en-US" dirty="0"/>
-              <a:t>Deal with target variable: price</a:t>
+              <a:t>Cross-validation</a:t>
             </a:r>
           </a:p>
           <a:p>
             <a:pPr lvl="1"/>
             <a:r>
-              <a:rPr lang="en-US" dirty="0"/>
-              <a:t>Logarithm transform to make it more normal distribution</a:t>
+              <a:rPr lang="fr-FR" dirty="0"/>
+              <a:t>Train score:  0.4465</a:t>
+            </a:r>
+          </a:p>
+          <a:p>
+            <a:pPr lvl="1"/>
+            <a:r>
+              <a:rPr lang="fr-FR" dirty="0"/>
+              <a:t>Test score:  0.4501</a:t>
             </a:r>
           </a:p>
         </p:txBody>
       </p:sp>
       <p:pic>
         <p:nvPicPr>
-          <p:cNvPr id="3074" name="Picture 2">
-            <a:extLst>
-              <a:ext uri="{FF2B5EF4-FFF2-40B4-BE49-F238E27FC236}">
-                <a16:creationId xmlns:a16="http://schemas.microsoft.com/office/drawing/2014/main" id="{A78FC98A-792E-470E-A65B-64FF7C22C572}"/>
+          <p:cNvPr id="9219" name="Picture 3">
+            <a:extLst>
+              <a:ext uri="{FF2B5EF4-FFF2-40B4-BE49-F238E27FC236}">
+                <a16:creationId xmlns:a16="http://schemas.microsoft.com/office/drawing/2014/main" id="{FCB05977-A31D-4038-B209-D8C5845AD56B}"/>
               </a:ext>
             </a:extLst>
           </p:cNvPr>
@@ -5670,8 +4557,8 @@
         </p:blipFill>
         <p:spPr bwMode="auto">
           <a:xfrm>
-            <a:off x="1069945" y="2735706"/>
-            <a:ext cx="3695700" cy="2657475"/>
+            <a:off x="3503719" y="3120752"/>
+            <a:ext cx="5865171" cy="2978647"/>
           </a:xfrm>
           <a:prstGeom prst="rect">
             <a:avLst/>
@@ -5688,108 +4575,22 @@
           </a:extLst>
         </p:spPr>
       </p:pic>
-      <p:pic>
-        <p:nvPicPr>
-          <p:cNvPr id="3076" name="Picture 4">
-            <a:extLst>
-              <a:ext uri="{FF2B5EF4-FFF2-40B4-BE49-F238E27FC236}">
-                <a16:creationId xmlns:a16="http://schemas.microsoft.com/office/drawing/2014/main" id="{3CCFFA7B-3FDB-4B41-8B94-C62AFD056A93}"/>
-              </a:ext>
-            </a:extLst>
-          </p:cNvPr>
-          <p:cNvPicPr>
-            <a:picLocks noChangeAspect="1" noChangeArrowheads="1"/>
-          </p:cNvPicPr>
+      <p:sp>
+        <p:nvSpPr>
+          <p:cNvPr id="10" name="TextBox 9">
+            <a:extLst>
+              <a:ext uri="{FF2B5EF4-FFF2-40B4-BE49-F238E27FC236}">
+                <a16:creationId xmlns:a16="http://schemas.microsoft.com/office/drawing/2014/main" id="{6CAE92F9-A525-4A55-BEA3-F41CEF454E7D}"/>
+              </a:ext>
+            </a:extLst>
+          </p:cNvPr>
+          <p:cNvSpPr txBox="1"/>
           <p:nvPr/>
-        </p:nvPicPr>
-        <p:blipFill>
-          <a:blip r:embed="rId3">
-            <a:extLst>
-              <a:ext uri="{28A0092B-C50C-407E-A947-70E740481C1C}">
-                <a14:useLocalDpi xmlns:a14="http://schemas.microsoft.com/office/drawing/2010/main" val="0"/>
-              </a:ext>
-            </a:extLst>
-          </a:blip>
-          <a:srcRect/>
-          <a:stretch>
-            <a:fillRect/>
-          </a:stretch>
-        </p:blipFill>
-        <p:spPr bwMode="auto">
-          <a:xfrm>
-            <a:off x="6893696" y="2790380"/>
-            <a:ext cx="3695700" cy="2657475"/>
-          </a:xfrm>
-          <a:prstGeom prst="rect">
-            <a:avLst/>
-          </a:prstGeom>
-          <a:noFill/>
-          <a:extLst>
-            <a:ext uri="{909E8E84-426E-40DD-AFC4-6F175D3DCCD1}">
-              <a14:hiddenFill xmlns:a14="http://schemas.microsoft.com/office/drawing/2010/main">
-                <a:solidFill>
-                  <a:srgbClr val="FFFFFF"/>
-                </a:solidFill>
-              </a14:hiddenFill>
-            </a:ext>
-          </a:extLst>
-        </p:spPr>
-      </p:pic>
-      <p:cxnSp>
-        <p:nvCxnSpPr>
-          <p:cNvPr id="5" name="Straight Arrow Connector 4">
-            <a:extLst>
-              <a:ext uri="{FF2B5EF4-FFF2-40B4-BE49-F238E27FC236}">
-                <a16:creationId xmlns:a16="http://schemas.microsoft.com/office/drawing/2014/main" id="{2C6F6864-B1AF-4F22-866B-9FC3BC378C75}"/>
-              </a:ext>
-            </a:extLst>
-          </p:cNvPr>
-          <p:cNvCxnSpPr/>
-          <p:nvPr/>
-        </p:nvCxnSpPr>
+        </p:nvSpPr>
         <p:spPr>
           <a:xfrm>
-            <a:off x="4765645" y="3906175"/>
-            <a:ext cx="2025772" cy="0"/>
-          </a:xfrm>
-          <a:prstGeom prst="straightConnector1">
-            <a:avLst/>
-          </a:prstGeom>
-          <a:ln>
-            <a:tailEnd type="triangle"/>
-          </a:ln>
-        </p:spPr>
-        <p:style>
-          <a:lnRef idx="1">
-            <a:schemeClr val="accent1"/>
-          </a:lnRef>
-          <a:fillRef idx="0">
-            <a:schemeClr val="accent1"/>
-          </a:fillRef>
-          <a:effectRef idx="0">
-            <a:schemeClr val="accent1"/>
-          </a:effectRef>
-          <a:fontRef idx="minor">
-            <a:schemeClr val="tx1"/>
-          </a:fontRef>
-        </p:style>
-      </p:cxnSp>
-      <p:sp>
-        <p:nvSpPr>
-          <p:cNvPr id="6" name="TextBox 5">
-            <a:extLst>
-              <a:ext uri="{FF2B5EF4-FFF2-40B4-BE49-F238E27FC236}">
-                <a16:creationId xmlns:a16="http://schemas.microsoft.com/office/drawing/2014/main" id="{66D81A60-CCA6-4F83-8D9A-BE445BBB7B5B}"/>
-              </a:ext>
-            </a:extLst>
-          </p:cNvPr>
-          <p:cNvSpPr txBox="1"/>
-          <p:nvPr/>
-        </p:nvSpPr>
-        <p:spPr>
-          <a:xfrm>
-            <a:off x="5101102" y="3244334"/>
-            <a:ext cx="1354858" cy="369332"/>
+            <a:off x="4051906" y="2737111"/>
+            <a:ext cx="5438313" cy="424732"/>
           </a:xfrm>
           <a:prstGeom prst="rect">
             <a:avLst/>
@@ -5797,14 +4598,105 @@
           <a:noFill/>
         </p:spPr>
         <p:txBody>
-          <a:bodyPr wrap="none" rtlCol="0">
+          <a:bodyPr wrap="square">
             <a:spAutoFit/>
           </a:bodyPr>
           <a:lstStyle/>
           <a:p>
-            <a:r>
-              <a:rPr lang="en-US" dirty="0"/>
-              <a:t>Log(1+price)</a:t>
+            <a:pPr marR="0" lvl="0" algn="l" defTabSz="914400" rtl="0" eaLnBrk="1" fontAlgn="auto" latinLnBrk="0" hangingPunct="1">
+              <a:lnSpc>
+                <a:spcPct val="90000"/>
+              </a:lnSpc>
+              <a:spcBef>
+                <a:spcPts val="1000"/>
+              </a:spcBef>
+              <a:spcAft>
+                <a:spcPts val="0"/>
+              </a:spcAft>
+              <a:buClrTx/>
+              <a:buSzTx/>
+              <a:tabLst/>
+              <a:defRPr/>
+            </a:pPr>
+            <a:r>
+              <a:rPr kumimoji="0" lang="en-US" sz="2400" b="0" i="0" u="none" strike="noStrike" kern="1200" cap="none" spc="0" normalizeH="0" baseline="0" noProof="0" dirty="0">
+                <a:ln>
+                  <a:noFill/>
+                </a:ln>
+                <a:solidFill>
+                  <a:prstClr val="black"/>
+                </a:solidFill>
+                <a:effectLst/>
+                <a:uLnTx/>
+                <a:uFillTx/>
+                <a:cs typeface="Dubai Light" panose="020B0303030403030204" pitchFamily="34" charset="-78"/>
+              </a:rPr>
+              <a:t>Predict</a:t>
+            </a:r>
+            <a:r>
+              <a:rPr kumimoji="0" lang="en-US" altLang="zh-CN" sz="2400" b="0" i="0" u="none" strike="noStrike" kern="1200" cap="none" spc="0" normalizeH="0" baseline="0" noProof="0" dirty="0">
+                <a:ln>
+                  <a:noFill/>
+                </a:ln>
+                <a:solidFill>
+                  <a:prstClr val="black"/>
+                </a:solidFill>
+                <a:effectLst/>
+                <a:uLnTx/>
+                <a:uFillTx/>
+                <a:cs typeface="Dubai Light" panose="020B0303030403030204" pitchFamily="34" charset="-78"/>
+              </a:rPr>
+              <a:t>ed values</a:t>
+            </a:r>
+            <a:r>
+              <a:rPr kumimoji="0" lang="en-US" sz="2400" b="0" i="0" u="none" strike="noStrike" kern="1200" cap="none" spc="0" normalizeH="0" baseline="0" noProof="0" dirty="0">
+                <a:ln>
+                  <a:noFill/>
+                </a:ln>
+                <a:solidFill>
+                  <a:prstClr val="black"/>
+                </a:solidFill>
+                <a:effectLst/>
+                <a:uLnTx/>
+                <a:uFillTx/>
+                <a:cs typeface="Dubai Light" panose="020B0303030403030204" pitchFamily="34" charset="-78"/>
+              </a:rPr>
+              <a:t> vs. the real values</a:t>
+            </a:r>
+          </a:p>
+        </p:txBody>
+      </p:sp>
+      <p:sp>
+        <p:nvSpPr>
+          <p:cNvPr id="12" name="TextBox 11">
+            <a:extLst>
+              <a:ext uri="{FF2B5EF4-FFF2-40B4-BE49-F238E27FC236}">
+                <a16:creationId xmlns:a16="http://schemas.microsoft.com/office/drawing/2014/main" id="{46A76564-C418-4671-B914-22254436F5DB}"/>
+              </a:ext>
+            </a:extLst>
+          </p:cNvPr>
+          <p:cNvSpPr txBox="1"/>
+          <p:nvPr/>
+        </p:nvSpPr>
+        <p:spPr>
+          <a:xfrm>
+            <a:off x="1331650" y="6129256"/>
+            <a:ext cx="9135123" cy="523220"/>
+          </a:xfrm>
+          <a:prstGeom prst="rect">
+            <a:avLst/>
+          </a:prstGeom>
+          <a:noFill/>
+        </p:spPr>
+        <p:txBody>
+          <a:bodyPr wrap="square">
+            <a:spAutoFit/>
+          </a:bodyPr>
+          <a:lstStyle/>
+          <a:p>
+            <a:r>
+              <a:rPr lang="en-US" sz="2800" dirty="0"/>
+              <a:t>The fitted regression model can predict house price very well</a:t>
             </a:r>
           </a:p>
         </p:txBody>
@@ -5812,7 +4704,7 @@
     </p:spTree>
     <p:extLst>
       <p:ext uri="{BB962C8B-B14F-4D97-AF65-F5344CB8AC3E}">
-        <p14:creationId xmlns:p14="http://schemas.microsoft.com/office/powerpoint/2010/main" val="253564013"/>
+        <p14:creationId xmlns:p14="http://schemas.microsoft.com/office/powerpoint/2010/main" val="1620924395"/>
       </p:ext>
     </p:extLst>
   </p:cSld>
@@ -5864,7 +4756,7 @@
           <a:p>
             <a:r>
               <a:rPr lang="en-US" dirty="0"/>
-              <a:t>Modeling</a:t>
+              <a:t>Conclusion</a:t>
             </a:r>
           </a:p>
         </p:txBody>
@@ -5887,36 +4779,130 @@
         </p:nvSpPr>
         <p:spPr>
           <a:xfrm>
-            <a:off x="838200" y="1464817"/>
-            <a:ext cx="9886026" cy="2627790"/>
+            <a:off x="838199" y="1464816"/>
+            <a:ext cx="7098437" cy="4767308"/>
           </a:xfrm>
         </p:spPr>
         <p:txBody>
           <a:bodyPr>
-            <a:normAutofit/>
+            <a:normAutofit fontScale="92500" lnSpcReduction="20000"/>
           </a:bodyPr>
           <a:lstStyle/>
           <a:p>
-            <a:r>
-              <a:rPr lang="en-US" dirty="0"/>
-              <a:t>Regression model with all available predictors</a:t>
+            <a:pPr algn="l"/>
+            <a:r>
+              <a:rPr lang="en-US" dirty="0">
+                <a:solidFill>
+                  <a:srgbClr val="000000"/>
+                </a:solidFill>
+              </a:rPr>
+              <a:t>O</a:t>
+            </a:r>
+            <a:r>
+              <a:rPr lang="en-US" i="0" dirty="0">
+                <a:solidFill>
+                  <a:srgbClr val="000000"/>
+                </a:solidFill>
+                <a:effectLst/>
+              </a:rPr>
+              <a:t>bservations from coefficients</a:t>
             </a:r>
           </a:p>
           <a:p>
             <a:pPr lvl="1"/>
             <a:r>
-              <a:rPr lang="en-US" dirty="0"/>
-              <a:t>Using price or log-transformed price as the target</a:t>
-            </a:r>
+              <a:rPr lang="en-US" i="0" dirty="0">
+                <a:solidFill>
+                  <a:srgbClr val="000000"/>
+                </a:solidFill>
+                <a:effectLst/>
+              </a:rPr>
+              <a:t>The grade and sqft_living15 have the strongest relationship with the house price</a:t>
+            </a:r>
+          </a:p>
+          <a:p>
+            <a:pPr lvl="1"/>
+            <a:r>
+              <a:rPr lang="en-US" i="0" dirty="0">
+                <a:solidFill>
+                  <a:srgbClr val="000000"/>
+                </a:solidFill>
+                <a:effectLst/>
+              </a:rPr>
+              <a:t>It is interesting to see sqft_lot15 has a negative relationship with the house price</a:t>
+            </a:r>
+          </a:p>
+          <a:p>
+            <a:pPr lvl="1"/>
+            <a:r>
+              <a:rPr lang="en-US" i="0" dirty="0">
+                <a:solidFill>
+                  <a:srgbClr val="000000"/>
+                </a:solidFill>
+                <a:effectLst/>
+              </a:rPr>
+              <a:t>Waterfront_1.0 and grade_11 also have a positive relationship with the price</a:t>
+            </a:r>
+          </a:p>
+          <a:p>
+            <a:pPr lvl="1"/>
+            <a:r>
+              <a:rPr lang="en-US" i="0" dirty="0">
+                <a:solidFill>
+                  <a:srgbClr val="000000"/>
+                </a:solidFill>
+                <a:effectLst/>
+              </a:rPr>
+              <a:t>For some zip codes, e.g., 98100 and 98110, they have high positive relationships with the price</a:t>
+            </a:r>
+          </a:p>
+          <a:p>
+            <a:pPr algn="l"/>
+            <a:r>
+              <a:rPr lang="en-US" i="0" dirty="0">
+                <a:solidFill>
+                  <a:srgbClr val="000000"/>
+                </a:solidFill>
+                <a:effectLst/>
+              </a:rPr>
+              <a:t>To address the business questions:</a:t>
+            </a:r>
+          </a:p>
+          <a:p>
+            <a:pPr lvl="1"/>
+            <a:r>
+              <a:rPr lang="en-US" i="0" dirty="0">
+                <a:solidFill>
+                  <a:srgbClr val="000000"/>
+                </a:solidFill>
+                <a:effectLst/>
+              </a:rPr>
+              <a:t>For buyer, they will know that the house price is higher for a house with the high grade and sqrt_living15 values</a:t>
+            </a:r>
+          </a:p>
+          <a:p>
+            <a:pPr lvl="1"/>
+            <a:r>
+              <a:rPr lang="en-US" i="0" dirty="0">
+                <a:solidFill>
+                  <a:srgbClr val="000000"/>
+                </a:solidFill>
+                <a:effectLst/>
+              </a:rPr>
+              <a:t>For seller, if they want to sell their house with a higher price, they could add waterfront and improve the grade.</a:t>
+            </a:r>
+          </a:p>
+          <a:p>
+            <a:endParaRPr lang="fr-FR" dirty="0"/>
           </a:p>
         </p:txBody>
       </p:sp>
       <p:pic>
         <p:nvPicPr>
-          <p:cNvPr id="7" name="Picture 6">
-            <a:extLst>
-              <a:ext uri="{FF2B5EF4-FFF2-40B4-BE49-F238E27FC236}">
-                <a16:creationId xmlns:a16="http://schemas.microsoft.com/office/drawing/2014/main" id="{DAA79BE7-E6FB-4209-80F4-BA746F6DF7AF}"/>
+          <p:cNvPr id="5" name="Picture 4">
+            <a:extLst>
+              <a:ext uri="{FF2B5EF4-FFF2-40B4-BE49-F238E27FC236}">
+                <a16:creationId xmlns:a16="http://schemas.microsoft.com/office/drawing/2014/main" id="{B0552CB0-657B-492E-B895-BEE5114A4E26}"/>
               </a:ext>
             </a:extLst>
           </p:cNvPr>
@@ -5933,335 +4919,8 @@
         </p:blipFill>
         <p:spPr>
           <a:xfrm>
-            <a:off x="1982263" y="2428875"/>
-            <a:ext cx="6238875" cy="2000250"/>
-          </a:xfrm>
-          <a:prstGeom prst="rect">
-            <a:avLst/>
-          </a:prstGeom>
-        </p:spPr>
-      </p:pic>
-      <p:pic>
-        <p:nvPicPr>
-          <p:cNvPr id="9" name="Picture 8">
-            <a:extLst>
-              <a:ext uri="{FF2B5EF4-FFF2-40B4-BE49-F238E27FC236}">
-                <a16:creationId xmlns:a16="http://schemas.microsoft.com/office/drawing/2014/main" id="{F4C837AB-1755-4ED9-A730-A382F8E033FE}"/>
-              </a:ext>
-            </a:extLst>
-          </p:cNvPr>
-          <p:cNvPicPr>
-            <a:picLocks noChangeAspect="1"/>
-          </p:cNvPicPr>
-          <p:nvPr/>
-        </p:nvPicPr>
-        <p:blipFill>
-          <a:blip r:embed="rId3"/>
-          <a:stretch>
-            <a:fillRect/>
-          </a:stretch>
-        </p:blipFill>
-        <p:spPr>
-          <a:xfrm>
-            <a:off x="1982263" y="4560811"/>
-            <a:ext cx="6238875" cy="1962150"/>
-          </a:xfrm>
-          <a:prstGeom prst="rect">
-            <a:avLst/>
-          </a:prstGeom>
-        </p:spPr>
-      </p:pic>
-      <p:sp>
-        <p:nvSpPr>
-          <p:cNvPr id="10" name="TextBox 9">
-            <a:extLst>
-              <a:ext uri="{FF2B5EF4-FFF2-40B4-BE49-F238E27FC236}">
-                <a16:creationId xmlns:a16="http://schemas.microsoft.com/office/drawing/2014/main" id="{9D0A10D3-BB3A-4C22-8391-5D5E52CA9284}"/>
-              </a:ext>
-            </a:extLst>
-          </p:cNvPr>
-          <p:cNvSpPr txBox="1"/>
-          <p:nvPr/>
-        </p:nvSpPr>
-        <p:spPr>
-          <a:xfrm>
-            <a:off x="8646651" y="3169277"/>
-            <a:ext cx="2938708" cy="923330"/>
-          </a:xfrm>
-          <a:prstGeom prst="rect">
-            <a:avLst/>
-          </a:prstGeom>
-          <a:noFill/>
-        </p:spPr>
-        <p:txBody>
-          <a:bodyPr wrap="square" rtlCol="0">
-            <a:spAutoFit/>
-          </a:bodyPr>
-          <a:lstStyle/>
-          <a:p>
-            <a:r>
-              <a:rPr lang="en-US" dirty="0"/>
-              <a:t>From R-squared values, it seems log-transformed price is a little better</a:t>
-            </a:r>
-          </a:p>
-        </p:txBody>
-      </p:sp>
-    </p:spTree>
-    <p:extLst>
-      <p:ext uri="{BB962C8B-B14F-4D97-AF65-F5344CB8AC3E}">
-        <p14:creationId xmlns:p14="http://schemas.microsoft.com/office/powerpoint/2010/main" val="1602820257"/>
-      </p:ext>
-    </p:extLst>
-  </p:cSld>
-  <p:clrMapOvr>
-    <a:masterClrMapping/>
-  </p:clrMapOvr>
-</p:sld>
-</file>
-
-<file path=ppt/slides/slide9.xml><?xml version="1.0" encoding="utf-8"?>
-<p:sld xmlns:a="http://schemas.openxmlformats.org/drawingml/2006/main" xmlns:r="http://schemas.openxmlformats.org/officeDocument/2006/relationships" xmlns:p="http://schemas.openxmlformats.org/presentationml/2006/main">
-  <p:cSld>
-    <p:spTree>
-      <p:nvGrpSpPr>
-        <p:cNvPr id="1" name=""/>
-        <p:cNvGrpSpPr/>
-        <p:nvPr/>
-      </p:nvGrpSpPr>
-      <p:grpSpPr>
-        <a:xfrm>
-          <a:off x="0" y="0"/>
-          <a:ext cx="0" cy="0"/>
-          <a:chOff x="0" y="0"/>
-          <a:chExt cx="0" cy="0"/>
-        </a:xfrm>
-      </p:grpSpPr>
-      <p:sp>
-        <p:nvSpPr>
-          <p:cNvPr id="2" name="Title 1">
-            <a:extLst>
-              <a:ext uri="{FF2B5EF4-FFF2-40B4-BE49-F238E27FC236}">
-                <a16:creationId xmlns:a16="http://schemas.microsoft.com/office/drawing/2014/main" id="{3EEABC5C-2CB9-46E0-9FCD-F3E594B602B9}"/>
-              </a:ext>
-            </a:extLst>
-          </p:cNvPr>
-          <p:cNvSpPr>
-            <a:spLocks noGrp="1"/>
-          </p:cNvSpPr>
-          <p:nvPr>
-            <p:ph type="title"/>
-          </p:nvPr>
-        </p:nvSpPr>
-        <p:spPr/>
-        <p:txBody>
-          <a:bodyPr>
-            <a:normAutofit/>
-          </a:bodyPr>
-          <a:lstStyle/>
-          <a:p>
-            <a:r>
-              <a:rPr lang="en-US" dirty="0"/>
-              <a:t>Modeling</a:t>
-            </a:r>
-          </a:p>
-        </p:txBody>
-      </p:sp>
-      <p:sp>
-        <p:nvSpPr>
-          <p:cNvPr id="3" name="Content Placeholder 2">
-            <a:extLst>
-              <a:ext uri="{FF2B5EF4-FFF2-40B4-BE49-F238E27FC236}">
-                <a16:creationId xmlns:a16="http://schemas.microsoft.com/office/drawing/2014/main" id="{93A47A69-2809-4CAB-AF37-EB483D3F61A7}"/>
-              </a:ext>
-            </a:extLst>
-          </p:cNvPr>
-          <p:cNvSpPr>
-            <a:spLocks noGrp="1"/>
-          </p:cNvSpPr>
-          <p:nvPr>
-            <p:ph idx="1"/>
-          </p:nvPr>
-        </p:nvSpPr>
-        <p:spPr>
-          <a:xfrm>
-            <a:off x="838200" y="1464817"/>
-            <a:ext cx="9886026" cy="2627790"/>
-          </a:xfrm>
-        </p:spPr>
-        <p:txBody>
-          <a:bodyPr>
-            <a:normAutofit/>
-          </a:bodyPr>
-          <a:lstStyle/>
-          <a:p>
-            <a:r>
-              <a:rPr lang="en-US" dirty="0"/>
-              <a:t>Regression model with all predictors </a:t>
-            </a:r>
-            <a:r>
-              <a:rPr lang="en-US" altLang="zh-CN" dirty="0"/>
-              <a:t>that are significantly related to the target: </a:t>
-            </a:r>
-            <a:r>
-              <a:rPr lang="en-US" altLang="zh-CN" i="1" dirty="0"/>
-              <a:t>p</a:t>
-            </a:r>
-            <a:r>
-              <a:rPr lang="en-US" altLang="zh-CN" dirty="0"/>
-              <a:t> &lt; 0.05</a:t>
-            </a:r>
-            <a:endParaRPr lang="en-US" dirty="0"/>
-          </a:p>
-        </p:txBody>
-      </p:sp>
-      <p:pic>
-        <p:nvPicPr>
-          <p:cNvPr id="5" name="Picture 4">
-            <a:extLst>
-              <a:ext uri="{FF2B5EF4-FFF2-40B4-BE49-F238E27FC236}">
-                <a16:creationId xmlns:a16="http://schemas.microsoft.com/office/drawing/2014/main" id="{1925D724-B918-4BB4-BC94-5A2FD40F3851}"/>
-              </a:ext>
-            </a:extLst>
-          </p:cNvPr>
-          <p:cNvPicPr>
-            <a:picLocks noChangeAspect="1"/>
-          </p:cNvPicPr>
-          <p:nvPr/>
-        </p:nvPicPr>
-        <p:blipFill>
-          <a:blip r:embed="rId2"/>
-          <a:stretch>
-            <a:fillRect/>
-          </a:stretch>
-        </p:blipFill>
-        <p:spPr>
-          <a:xfrm>
-            <a:off x="1427947" y="2464456"/>
-            <a:ext cx="6410325" cy="3028950"/>
-          </a:xfrm>
-          <a:prstGeom prst="rect">
-            <a:avLst/>
-          </a:prstGeom>
-        </p:spPr>
-      </p:pic>
-      <p:sp>
-        <p:nvSpPr>
-          <p:cNvPr id="6" name="Rectangle 5">
-            <a:extLst>
-              <a:ext uri="{FF2B5EF4-FFF2-40B4-BE49-F238E27FC236}">
-                <a16:creationId xmlns:a16="http://schemas.microsoft.com/office/drawing/2014/main" id="{5364765C-2A82-4358-BC14-4CFBBACE00E8}"/>
-              </a:ext>
-            </a:extLst>
-          </p:cNvPr>
-          <p:cNvSpPr/>
-          <p:nvPr/>
-        </p:nvSpPr>
-        <p:spPr>
-          <a:xfrm>
-            <a:off x="5417744" y="4137434"/>
-            <a:ext cx="434566" cy="325925"/>
-          </a:xfrm>
-          <a:prstGeom prst="rect">
-            <a:avLst/>
-          </a:prstGeom>
-          <a:noFill/>
-          <a:ln>
-            <a:solidFill>
-              <a:srgbClr val="FF0000"/>
-            </a:solidFill>
-          </a:ln>
-        </p:spPr>
-        <p:style>
-          <a:lnRef idx="2">
-            <a:schemeClr val="accent1">
-              <a:shade val="50000"/>
-            </a:schemeClr>
-          </a:lnRef>
-          <a:fillRef idx="1">
-            <a:schemeClr val="accent1"/>
-          </a:fillRef>
-          <a:effectRef idx="0">
-            <a:schemeClr val="accent1"/>
-          </a:effectRef>
-          <a:fontRef idx="minor">
-            <a:schemeClr val="lt1"/>
-          </a:fontRef>
-        </p:style>
-        <p:txBody>
-          <a:bodyPr rtlCol="0" anchor="ctr"/>
-          <a:lstStyle/>
-          <a:p>
-            <a:pPr algn="ctr"/>
-            <a:endParaRPr lang="en-US">
-              <a:ln>
-                <a:solidFill>
-                  <a:srgbClr val="FF0000"/>
-                </a:solidFill>
-              </a:ln>
-              <a:noFill/>
-            </a:endParaRPr>
-          </a:p>
-        </p:txBody>
-      </p:sp>
-      <p:sp>
-        <p:nvSpPr>
-          <p:cNvPr id="12" name="TextBox 11">
-            <a:extLst>
-              <a:ext uri="{FF2B5EF4-FFF2-40B4-BE49-F238E27FC236}">
-                <a16:creationId xmlns:a16="http://schemas.microsoft.com/office/drawing/2014/main" id="{2E20F769-DE0B-4B9C-A2F7-8D207D672E6B}"/>
-              </a:ext>
-            </a:extLst>
-          </p:cNvPr>
-          <p:cNvSpPr txBox="1"/>
-          <p:nvPr/>
-        </p:nvSpPr>
-        <p:spPr>
-          <a:xfrm>
-            <a:off x="8052775" y="2421048"/>
-            <a:ext cx="2006062" cy="369332"/>
-          </a:xfrm>
-          <a:prstGeom prst="rect">
-            <a:avLst/>
-          </a:prstGeom>
-          <a:noFill/>
-        </p:spPr>
-        <p:txBody>
-          <a:bodyPr wrap="none" rtlCol="0">
-            <a:spAutoFit/>
-          </a:bodyPr>
-          <a:lstStyle/>
-          <a:p>
-            <a:r>
-              <a:rPr lang="en-US" dirty="0"/>
-              <a:t>Predictors: 68 -&gt; 56</a:t>
-            </a:r>
-          </a:p>
-        </p:txBody>
-      </p:sp>
-      <p:pic>
-        <p:nvPicPr>
-          <p:cNvPr id="14" name="Picture 13">
-            <a:extLst>
-              <a:ext uri="{FF2B5EF4-FFF2-40B4-BE49-F238E27FC236}">
-                <a16:creationId xmlns:a16="http://schemas.microsoft.com/office/drawing/2014/main" id="{01FBA698-1BE8-489C-ABCD-D1F988189161}"/>
-              </a:ext>
-            </a:extLst>
-          </p:cNvPr>
-          <p:cNvPicPr>
-            <a:picLocks noChangeAspect="1"/>
-          </p:cNvPicPr>
-          <p:nvPr/>
-        </p:nvPicPr>
-        <p:blipFill>
-          <a:blip r:embed="rId3"/>
-          <a:stretch>
-            <a:fillRect/>
-          </a:stretch>
-        </p:blipFill>
-        <p:spPr>
-          <a:xfrm>
-            <a:off x="7905073" y="2865846"/>
-            <a:ext cx="3800475" cy="2543175"/>
+            <a:off x="8236905" y="935022"/>
+            <a:ext cx="2571750" cy="5467350"/>
           </a:xfrm>
           <a:prstGeom prst="rect">
             <a:avLst/>
@@ -6271,7 +4930,7 @@
     </p:spTree>
     <p:extLst>
       <p:ext uri="{BB962C8B-B14F-4D97-AF65-F5344CB8AC3E}">
-        <p14:creationId xmlns:p14="http://schemas.microsoft.com/office/powerpoint/2010/main" val="622080402"/>
+        <p14:creationId xmlns:p14="http://schemas.microsoft.com/office/powerpoint/2010/main" val="2628035951"/>
       </p:ext>
     </p:extLst>
   </p:cSld>
